--- a/reference_material/slides/024_search_sort.pptx
+++ b/reference_material/slides/024_search_sort.pptx
@@ -6,26 +6,38 @@
   </p:sldMasterIdLst>
   <p:sldIdLst>
     <p:sldId id="275" r:id="rId2"/>
-    <p:sldId id="256" r:id="rId3"/>
-    <p:sldId id="257" r:id="rId4"/>
-    <p:sldId id="258" r:id="rId5"/>
-    <p:sldId id="260" r:id="rId6"/>
-    <p:sldId id="259" r:id="rId7"/>
-    <p:sldId id="262" r:id="rId8"/>
-    <p:sldId id="263" r:id="rId9"/>
-    <p:sldId id="261" r:id="rId10"/>
-    <p:sldId id="274" r:id="rId11"/>
-    <p:sldId id="264" r:id="rId12"/>
-    <p:sldId id="265" r:id="rId13"/>
-    <p:sldId id="266" r:id="rId14"/>
-    <p:sldId id="267" r:id="rId15"/>
-    <p:sldId id="268" r:id="rId16"/>
-    <p:sldId id="269" r:id="rId17"/>
-    <p:sldId id="276" r:id="rId18"/>
-    <p:sldId id="270" r:id="rId19"/>
-    <p:sldId id="273" r:id="rId20"/>
-    <p:sldId id="271" r:id="rId21"/>
-    <p:sldId id="272" r:id="rId22"/>
+    <p:sldId id="283" r:id="rId3"/>
+    <p:sldId id="285" r:id="rId4"/>
+    <p:sldId id="256" r:id="rId5"/>
+    <p:sldId id="257" r:id="rId6"/>
+    <p:sldId id="280" r:id="rId7"/>
+    <p:sldId id="258" r:id="rId8"/>
+    <p:sldId id="260" r:id="rId9"/>
+    <p:sldId id="259" r:id="rId10"/>
+    <p:sldId id="262" r:id="rId11"/>
+    <p:sldId id="263" r:id="rId12"/>
+    <p:sldId id="281" r:id="rId13"/>
+    <p:sldId id="282" r:id="rId14"/>
+    <p:sldId id="261" r:id="rId15"/>
+    <p:sldId id="274" r:id="rId16"/>
+    <p:sldId id="264" r:id="rId17"/>
+    <p:sldId id="265" r:id="rId18"/>
+    <p:sldId id="266" r:id="rId19"/>
+    <p:sldId id="279" r:id="rId20"/>
+    <p:sldId id="267" r:id="rId21"/>
+    <p:sldId id="268" r:id="rId22"/>
+    <p:sldId id="269" r:id="rId23"/>
+    <p:sldId id="276" r:id="rId24"/>
+    <p:sldId id="270" r:id="rId25"/>
+    <p:sldId id="273" r:id="rId26"/>
+    <p:sldId id="277" r:id="rId27"/>
+    <p:sldId id="271" r:id="rId28"/>
+    <p:sldId id="278" r:id="rId29"/>
+    <p:sldId id="286" r:id="rId30"/>
+    <p:sldId id="287" r:id="rId31"/>
+    <p:sldId id="288" r:id="rId32"/>
+    <p:sldId id="284" r:id="rId33"/>
+    <p:sldId id="272" r:id="rId34"/>
   </p:sldIdLst>
   <p:sldSz cx="12192000" cy="6858000"/>
   <p:notesSz cx="6858000" cy="9144000"/>
@@ -124,6 +136,11 @@
       </a:defRPr>
     </a:lvl9pPr>
   </p:defaultTextStyle>
+  <p:extLst>
+    <p:ext uri="{EFAFB233-063F-42B5-8137-9DF3F51BA10A}">
+      <p15:sldGuideLst xmlns:p15="http://schemas.microsoft.com/office/powerpoint/2012/main"/>
+    </p:ext>
+  </p:extLst>
 </p:presentation>
 </file>
 
@@ -266,7 +283,7 @@
           <a:p>
             <a:fld id="{A950A201-67FD-3F41-9766-40957F2E6B81}" type="datetimeFigureOut">
               <a:rPr lang="en-US" smtClean="0"/>
-              <a:t>11/28/23</a:t>
+              <a:t>11/17/24</a:t>
             </a:fld>
             <a:endParaRPr lang="en-US"/>
           </a:p>
@@ -477,7 +494,7 @@
           <a:p>
             <a:fld id="{A950A201-67FD-3F41-9766-40957F2E6B81}" type="datetimeFigureOut">
               <a:rPr lang="en-US" smtClean="0"/>
-              <a:t>11/28/23</a:t>
+              <a:t>11/17/24</a:t>
             </a:fld>
             <a:endParaRPr lang="en-US"/>
           </a:p>
@@ -692,7 +709,7 @@
           <a:p>
             <a:fld id="{A950A201-67FD-3F41-9766-40957F2E6B81}" type="datetimeFigureOut">
               <a:rPr lang="en-US" smtClean="0"/>
-              <a:t>11/28/23</a:t>
+              <a:t>11/17/24</a:t>
             </a:fld>
             <a:endParaRPr lang="en-US"/>
           </a:p>
@@ -893,7 +910,7 @@
           <a:p>
             <a:fld id="{A950A201-67FD-3F41-9766-40957F2E6B81}" type="datetimeFigureOut">
               <a:rPr lang="en-US" smtClean="0"/>
-              <a:t>11/28/23</a:t>
+              <a:t>11/17/24</a:t>
             </a:fld>
             <a:endParaRPr lang="en-US"/>
           </a:p>
@@ -1172,7 +1189,7 @@
           <a:p>
             <a:fld id="{A950A201-67FD-3F41-9766-40957F2E6B81}" type="datetimeFigureOut">
               <a:rPr lang="en-US" smtClean="0"/>
-              <a:t>11/28/23</a:t>
+              <a:t>11/17/24</a:t>
             </a:fld>
             <a:endParaRPr lang="en-US"/>
           </a:p>
@@ -1440,7 +1457,7 @@
           <a:p>
             <a:fld id="{A950A201-67FD-3F41-9766-40957F2E6B81}" type="datetimeFigureOut">
               <a:rPr lang="en-US" smtClean="0"/>
-              <a:t>11/28/23</a:t>
+              <a:t>11/17/24</a:t>
             </a:fld>
             <a:endParaRPr lang="en-US"/>
           </a:p>
@@ -1856,7 +1873,7 @@
           <a:p>
             <a:fld id="{A950A201-67FD-3F41-9766-40957F2E6B81}" type="datetimeFigureOut">
               <a:rPr lang="en-US" smtClean="0"/>
-              <a:t>11/28/23</a:t>
+              <a:t>11/17/24</a:t>
             </a:fld>
             <a:endParaRPr lang="en-US"/>
           </a:p>
@@ -2005,7 +2022,7 @@
           <a:p>
             <a:fld id="{A950A201-67FD-3F41-9766-40957F2E6B81}" type="datetimeFigureOut">
               <a:rPr lang="en-US" smtClean="0"/>
-              <a:t>11/28/23</a:t>
+              <a:t>11/17/24</a:t>
             </a:fld>
             <a:endParaRPr lang="en-US"/>
           </a:p>
@@ -2131,7 +2148,7 @@
           <a:p>
             <a:fld id="{A950A201-67FD-3F41-9766-40957F2E6B81}" type="datetimeFigureOut">
               <a:rPr lang="en-US" smtClean="0"/>
-              <a:t>11/28/23</a:t>
+              <a:t>11/17/24</a:t>
             </a:fld>
             <a:endParaRPr lang="en-US"/>
           </a:p>
@@ -2382,7 +2399,7 @@
           <a:p>
             <a:fld id="{A950A201-67FD-3F41-9766-40957F2E6B81}" type="datetimeFigureOut">
               <a:rPr lang="en-US" smtClean="0"/>
-              <a:t>11/28/23</a:t>
+              <a:t>11/17/24</a:t>
             </a:fld>
             <a:endParaRPr lang="en-US"/>
           </a:p>
@@ -2827,7 +2844,7 @@
           <a:p>
             <a:fld id="{A950A201-67FD-3F41-9766-40957F2E6B81}" type="datetimeFigureOut">
               <a:rPr lang="en-US" smtClean="0"/>
-              <a:t>11/28/23</a:t>
+              <a:t>11/17/24</a:t>
             </a:fld>
             <a:endParaRPr lang="en-US"/>
           </a:p>
@@ -3154,7 +3171,7 @@
           <a:p>
             <a:fld id="{A950A201-67FD-3F41-9766-40957F2E6B81}" type="datetimeFigureOut">
               <a:rPr lang="en-US" smtClean="0"/>
-              <a:t>11/28/23</a:t>
+              <a:t>11/17/24</a:t>
             </a:fld>
             <a:endParaRPr lang="en-US"/>
           </a:p>
@@ -3686,8 +3703,8 @@
         </p:nvSpPr>
         <p:spPr>
           <a:xfrm>
-            <a:off x="1451579" y="1925054"/>
-            <a:ext cx="9603275" cy="3541292"/>
+            <a:off x="1451579" y="1853754"/>
+            <a:ext cx="9603275" cy="4315551"/>
           </a:xfrm>
         </p:spPr>
         <p:txBody>
@@ -3696,21 +3713,7 @@
           <a:p>
             <a:r>
               <a:rPr lang="en-US" dirty="0"/>
-              <a:t>First:</a:t>
-            </a:r>
-          </a:p>
-          <a:p>
-            <a:pPr lvl="1"/>
-            <a:r>
-              <a:rPr lang="en-US" dirty="0"/>
-              <a:t>Please ask if you’re doing assignment stuff and have hit issues. </a:t>
-            </a:r>
-          </a:p>
-          <a:p>
-            <a:pPr lvl="1"/>
-            <a:r>
-              <a:rPr lang="en-US" dirty="0"/>
-              <a:t>This is the last concept – we’ll do a little more card stuff next time w/ UI, but nothing new. </a:t>
+              <a:t>Test - Sample solution file is in the repository, pull yours to update. We’ll look at it. </a:t>
             </a:r>
           </a:p>
           <a:p>
@@ -3723,27 +3726,52 @@
             <a:pPr lvl="1"/>
             <a:r>
               <a:rPr lang="en-US" dirty="0"/>
-              <a:t>Searching and sorting. </a:t>
-            </a:r>
-          </a:p>
-          <a:p>
-            <a:pPr lvl="1"/>
-            <a:r>
-              <a:rPr lang="en-US" dirty="0"/>
-              <a:t>Generally, pretty simple, little code for you, several examples. </a:t>
-            </a:r>
-          </a:p>
-          <a:p>
-            <a:pPr lvl="1"/>
-            <a:r>
-              <a:rPr lang="en-US" dirty="0"/>
-              <a:t>Passing functions in functional coding, more big O, size/speed/cost thoughts. </a:t>
-            </a:r>
-            <a:r>
-              <a:rPr lang="en-US"/>
-              <a:t>(ch13)</a:t>
-            </a:r>
-            <a:endParaRPr lang="en-US" dirty="0"/>
+              <a:t>Searching and sorting - generally, pretty simple, little code for you, several examples. </a:t>
+            </a:r>
+          </a:p>
+          <a:p>
+            <a:pPr lvl="1"/>
+            <a:r>
+              <a:rPr lang="en-US" dirty="0"/>
+              <a:t>Passing functions in functional coding, more big O, size/speed/cost thoughts. (ch13)</a:t>
+            </a:r>
+          </a:p>
+          <a:p>
+            <a:r>
+              <a:rPr lang="en-US" dirty="0"/>
+              <a:t>End of Class and Next Time:</a:t>
+            </a:r>
+          </a:p>
+          <a:p>
+            <a:pPr lvl="1"/>
+            <a:r>
+              <a:rPr lang="en-US" dirty="0"/>
+              <a:t>Look back at the poker example, make sure things are ok in your minds. </a:t>
+            </a:r>
+          </a:p>
+          <a:p>
+            <a:pPr lvl="1"/>
+            <a:r>
+              <a:rPr lang="en-US" dirty="0"/>
+              <a:t>Next time we can start to look at creating a GUI that uses that functionality. </a:t>
+            </a:r>
+          </a:p>
+          <a:p>
+            <a:pPr lvl="1"/>
+            <a:r>
+              <a:rPr lang="en-US" dirty="0"/>
+              <a:t>Fun reading: </a:t>
+            </a:r>
+            <a:r>
+              <a:rPr lang="en-US" dirty="0">
+                <a:hlinkClick r:id="rId2"/>
+              </a:rPr>
+              <a:t>https://ipywidgets.readthedocs.io/en/8.1.2/examples/Widget%20Basics.html</a:t>
+            </a:r>
+            <a:r>
+              <a:rPr lang="en-US" dirty="0"/>
+              <a:t> </a:t>
+            </a:r>
           </a:p>
         </p:txBody>
       </p:sp>
@@ -3782,6 +3810,845 @@
           <p:cNvPr id="2" name="Title 1">
             <a:extLst>
               <a:ext uri="{FF2B5EF4-FFF2-40B4-BE49-F238E27FC236}">
+                <a16:creationId xmlns:a16="http://schemas.microsoft.com/office/drawing/2014/main" id="{C7961D86-7EF8-9E13-C7C0-0F7A1F5616F9}"/>
+              </a:ext>
+            </a:extLst>
+          </p:cNvPr>
+          <p:cNvSpPr>
+            <a:spLocks noGrp="1"/>
+          </p:cNvSpPr>
+          <p:nvPr>
+            <p:ph type="title"/>
+          </p:nvPr>
+        </p:nvSpPr>
+        <p:spPr>
+          <a:xfrm>
+            <a:off x="1435261" y="462987"/>
+            <a:ext cx="9619594" cy="1390768"/>
+          </a:xfrm>
+        </p:spPr>
+        <p:txBody>
+          <a:bodyPr/>
+          <a:lstStyle/>
+          <a:p>
+            <a:r>
+              <a:rPr lang="en-US" dirty="0"/>
+              <a:t>Merge sort</a:t>
+            </a:r>
+          </a:p>
+        </p:txBody>
+      </p:sp>
+      <p:sp>
+        <p:nvSpPr>
+          <p:cNvPr id="3" name="Content Placeholder 2">
+            <a:extLst>
+              <a:ext uri="{FF2B5EF4-FFF2-40B4-BE49-F238E27FC236}">
+                <a16:creationId xmlns:a16="http://schemas.microsoft.com/office/drawing/2014/main" id="{CFE55E60-A4CD-77D4-CACC-165C122A73A3}"/>
+              </a:ext>
+            </a:extLst>
+          </p:cNvPr>
+          <p:cNvSpPr>
+            <a:spLocks noGrp="1"/>
+          </p:cNvSpPr>
+          <p:nvPr>
+            <p:ph idx="1"/>
+          </p:nvPr>
+        </p:nvSpPr>
+        <p:spPr>
+          <a:xfrm>
+            <a:off x="1" y="1853754"/>
+            <a:ext cx="3240910" cy="4246104"/>
+          </a:xfrm>
+        </p:spPr>
+        <p:txBody>
+          <a:bodyPr>
+            <a:normAutofit/>
+          </a:bodyPr>
+          <a:lstStyle/>
+          <a:p>
+            <a:r>
+              <a:rPr lang="en-US" dirty="0" err="1"/>
+              <a:t>Mergesort</a:t>
+            </a:r>
+            <a:r>
+              <a:rPr lang="en-US" dirty="0"/>
+              <a:t> works by splitting the data in two, then recombining the results. </a:t>
+            </a:r>
+          </a:p>
+          <a:p>
+            <a:r>
+              <a:rPr lang="en-US" dirty="0"/>
+              <a:t>This should trigger fond memories of… recursion!!! </a:t>
+            </a:r>
+          </a:p>
+          <a:p>
+            <a:pPr lvl="1"/>
+            <a:r>
+              <a:rPr lang="en-US" dirty="0"/>
+              <a:t>Base – one item, return it. </a:t>
+            </a:r>
+          </a:p>
+          <a:p>
+            <a:pPr lvl="1"/>
+            <a:r>
+              <a:rPr lang="en-US" dirty="0"/>
+              <a:t>Recursive – return the result of the two halves, in order. </a:t>
+            </a:r>
+          </a:p>
+          <a:p>
+            <a:endParaRPr lang="en-US" dirty="0"/>
+          </a:p>
+        </p:txBody>
+      </p:sp>
+      <p:pic>
+        <p:nvPicPr>
+          <p:cNvPr id="3074" name="Picture 2" descr="Will Rosenbaum | MergeSort Animation">
+            <a:extLst>
+              <a:ext uri="{FF2B5EF4-FFF2-40B4-BE49-F238E27FC236}">
+                <a16:creationId xmlns:a16="http://schemas.microsoft.com/office/drawing/2014/main" id="{6BF59469-0766-A4BA-0E65-A3297700F2D5}"/>
+              </a:ext>
+            </a:extLst>
+          </p:cNvPr>
+          <p:cNvPicPr>
+            <a:picLocks noChangeAspect="1" noChangeArrowheads="1"/>
+          </p:cNvPicPr>
+          <p:nvPr/>
+        </p:nvPicPr>
+        <p:blipFill>
+          <a:blip r:embed="rId2">
+            <a:extLst>
+              <a:ext uri="{28A0092B-C50C-407E-A947-70E740481C1C}">
+                <a14:useLocalDpi xmlns:a14="http://schemas.microsoft.com/office/drawing/2010/main" val="0"/>
+              </a:ext>
+            </a:extLst>
+          </a:blip>
+          <a:srcRect/>
+          <a:stretch>
+            <a:fillRect/>
+          </a:stretch>
+        </p:blipFill>
+        <p:spPr bwMode="auto">
+          <a:xfrm>
+            <a:off x="3189698" y="1169043"/>
+            <a:ext cx="9002301" cy="5626438"/>
+          </a:xfrm>
+          <a:prstGeom prst="rect">
+            <a:avLst/>
+          </a:prstGeom>
+          <a:noFill/>
+          <a:extLst>
+            <a:ext uri="{909E8E84-426E-40DD-AFC4-6F175D3DCCD1}">
+              <a14:hiddenFill xmlns:a14="http://schemas.microsoft.com/office/drawing/2010/main">
+                <a:solidFill>
+                  <a:srgbClr val="FFFFFF"/>
+                </a:solidFill>
+              </a14:hiddenFill>
+            </a:ext>
+          </a:extLst>
+        </p:spPr>
+      </p:pic>
+    </p:spTree>
+    <p:extLst>
+      <p:ext uri="{BB962C8B-B14F-4D97-AF65-F5344CB8AC3E}">
+        <p14:creationId xmlns:p14="http://schemas.microsoft.com/office/powerpoint/2010/main" val="1350369813"/>
+      </p:ext>
+    </p:extLst>
+  </p:cSld>
+  <p:clrMapOvr>
+    <a:masterClrMapping/>
+  </p:clrMapOvr>
+</p:sld>
+</file>
+
+<file path=ppt/slides/slide11.xml><?xml version="1.0" encoding="utf-8"?>
+<p:sld xmlns:a="http://schemas.openxmlformats.org/drawingml/2006/main" xmlns:r="http://schemas.openxmlformats.org/officeDocument/2006/relationships" xmlns:p="http://schemas.openxmlformats.org/presentationml/2006/main">
+  <p:cSld>
+    <p:bg>
+      <p:bgPr>
+        <a:gradFill rotWithShape="1">
+          <a:gsLst>
+            <a:gs pos="0">
+              <a:schemeClr val="bg2">
+                <a:tint val="94000"/>
+                <a:satMod val="80000"/>
+                <a:lumMod val="106000"/>
+              </a:schemeClr>
+            </a:gs>
+            <a:gs pos="100000">
+              <a:schemeClr val="bg2">
+                <a:shade val="80000"/>
+              </a:schemeClr>
+            </a:gs>
+          </a:gsLst>
+          <a:path path="circle">
+            <a:fillToRect l="43000" r="43000" b="100000"/>
+          </a:path>
+        </a:gradFill>
+        <a:effectLst/>
+      </p:bgPr>
+    </p:bg>
+    <p:spTree>
+      <p:nvGrpSpPr>
+        <p:cNvPr id="1" name=""/>
+        <p:cNvGrpSpPr/>
+        <p:nvPr/>
+      </p:nvGrpSpPr>
+      <p:grpSpPr>
+        <a:xfrm>
+          <a:off x="0" y="0"/>
+          <a:ext cx="0" cy="0"/>
+          <a:chOff x="0" y="0"/>
+          <a:chExt cx="0" cy="0"/>
+        </a:xfrm>
+      </p:grpSpPr>
+      <p:sp>
+        <p:nvSpPr>
+          <p:cNvPr id="2" name="Title 1">
+            <a:extLst>
+              <a:ext uri="{FF2B5EF4-FFF2-40B4-BE49-F238E27FC236}">
+                <a16:creationId xmlns:a16="http://schemas.microsoft.com/office/drawing/2014/main" id="{861FC9A9-40B4-E985-FF7E-CF96CA9B0EB8}"/>
+              </a:ext>
+            </a:extLst>
+          </p:cNvPr>
+          <p:cNvSpPr>
+            <a:spLocks noGrp="1"/>
+          </p:cNvSpPr>
+          <p:nvPr>
+            <p:ph type="title"/>
+          </p:nvPr>
+        </p:nvSpPr>
+        <p:spPr>
+          <a:xfrm>
+            <a:off x="1451579" y="804519"/>
+            <a:ext cx="9603275" cy="1049235"/>
+          </a:xfrm>
+        </p:spPr>
+        <p:txBody>
+          <a:bodyPr>
+            <a:normAutofit/>
+          </a:bodyPr>
+          <a:lstStyle/>
+          <a:p>
+            <a:r>
+              <a:rPr lang="en-US" dirty="0"/>
+              <a:t>Merge sort Big o</a:t>
+            </a:r>
+          </a:p>
+        </p:txBody>
+      </p:sp>
+      <p:pic>
+        <p:nvPicPr>
+          <p:cNvPr id="4098" name="Picture 2" descr="Sorting">
+            <a:extLst>
+              <a:ext uri="{FF2B5EF4-FFF2-40B4-BE49-F238E27FC236}">
+                <a16:creationId xmlns:a16="http://schemas.microsoft.com/office/drawing/2014/main" id="{86FA9D9C-E69E-B58B-B1A0-9C6F2DF5DD2E}"/>
+              </a:ext>
+            </a:extLst>
+          </p:cNvPr>
+          <p:cNvPicPr>
+            <a:picLocks noChangeAspect="1" noChangeArrowheads="1"/>
+          </p:cNvPicPr>
+          <p:nvPr/>
+        </p:nvPicPr>
+        <p:blipFill>
+          <a:blip r:embed="rId2">
+            <a:extLst>
+              <a:ext uri="{28A0092B-C50C-407E-A947-70E740481C1C}">
+                <a14:useLocalDpi xmlns:a14="http://schemas.microsoft.com/office/drawing/2010/main" val="0"/>
+              </a:ext>
+            </a:extLst>
+          </a:blip>
+          <a:stretch>
+            <a:fillRect/>
+          </a:stretch>
+        </p:blipFill>
+        <p:spPr bwMode="auto">
+          <a:xfrm>
+            <a:off x="0" y="1458761"/>
+            <a:ext cx="8021053" cy="5377027"/>
+          </a:xfrm>
+          <a:prstGeom prst="rect">
+            <a:avLst/>
+          </a:prstGeom>
+          <a:noFill/>
+          <a:extLst>
+            <a:ext uri="{909E8E84-426E-40DD-AFC4-6F175D3DCCD1}">
+              <a14:hiddenFill xmlns:a14="http://schemas.microsoft.com/office/drawing/2010/main">
+                <a:solidFill>
+                  <a:srgbClr val="FFFFFF"/>
+                </a:solidFill>
+              </a14:hiddenFill>
+            </a:ext>
+          </a:extLst>
+        </p:spPr>
+      </p:pic>
+      <p:sp>
+        <p:nvSpPr>
+          <p:cNvPr id="3" name="Content Placeholder 2">
+            <a:extLst>
+              <a:ext uri="{FF2B5EF4-FFF2-40B4-BE49-F238E27FC236}">
+                <a16:creationId xmlns:a16="http://schemas.microsoft.com/office/drawing/2014/main" id="{C11D37F8-8385-B56E-35FD-781A5ED7233E}"/>
+              </a:ext>
+            </a:extLst>
+          </p:cNvPr>
+          <p:cNvSpPr>
+            <a:spLocks noGrp="1"/>
+          </p:cNvSpPr>
+          <p:nvPr>
+            <p:ph idx="1"/>
+          </p:nvPr>
+        </p:nvSpPr>
+        <p:spPr>
+          <a:xfrm>
+            <a:off x="8197516" y="2015734"/>
+            <a:ext cx="3994484" cy="4130423"/>
+          </a:xfrm>
+        </p:spPr>
+        <p:txBody>
+          <a:bodyPr>
+            <a:normAutofit/>
+          </a:bodyPr>
+          <a:lstStyle/>
+          <a:p>
+            <a:r>
+              <a:rPr lang="en-US" sz="2800" dirty="0"/>
+              <a:t>Merge sort performance tends better as data grows. </a:t>
+            </a:r>
+          </a:p>
+          <a:p>
+            <a:pPr lvl="1"/>
+            <a:r>
+              <a:rPr lang="en-US" sz="2400" dirty="0"/>
+              <a:t>The splitting of data in two is a good indication that the performance may be logarithmic in some way. </a:t>
+            </a:r>
+          </a:p>
+        </p:txBody>
+      </p:sp>
+    </p:spTree>
+    <p:extLst>
+      <p:ext uri="{BB962C8B-B14F-4D97-AF65-F5344CB8AC3E}">
+        <p14:creationId xmlns:p14="http://schemas.microsoft.com/office/powerpoint/2010/main" val="1670934009"/>
+      </p:ext>
+    </p:extLst>
+  </p:cSld>
+  <p:clrMapOvr>
+    <a:masterClrMapping/>
+  </p:clrMapOvr>
+</p:sld>
+</file>
+
+<file path=ppt/slides/slide12.xml><?xml version="1.0" encoding="utf-8"?>
+<p:sld xmlns:a="http://schemas.openxmlformats.org/drawingml/2006/main" xmlns:r="http://schemas.openxmlformats.org/officeDocument/2006/relationships" xmlns:p="http://schemas.openxmlformats.org/presentationml/2006/main">
+  <p:cSld>
+    <p:spTree>
+      <p:nvGrpSpPr>
+        <p:cNvPr id="1" name=""/>
+        <p:cNvGrpSpPr/>
+        <p:nvPr/>
+      </p:nvGrpSpPr>
+      <p:grpSpPr>
+        <a:xfrm>
+          <a:off x="0" y="0"/>
+          <a:ext cx="0" cy="0"/>
+          <a:chOff x="0" y="0"/>
+          <a:chExt cx="0" cy="0"/>
+        </a:xfrm>
+      </p:grpSpPr>
+      <p:sp>
+        <p:nvSpPr>
+          <p:cNvPr id="2" name="Title 1">
+            <a:extLst>
+              <a:ext uri="{FF2B5EF4-FFF2-40B4-BE49-F238E27FC236}">
+                <a16:creationId xmlns:a16="http://schemas.microsoft.com/office/drawing/2014/main" id="{55ED828F-A0B7-3640-3756-F7734B549440}"/>
+              </a:ext>
+            </a:extLst>
+          </p:cNvPr>
+          <p:cNvSpPr>
+            <a:spLocks noGrp="1"/>
+          </p:cNvSpPr>
+          <p:nvPr>
+            <p:ph type="title"/>
+          </p:nvPr>
+        </p:nvSpPr>
+        <p:spPr>
+          <a:xfrm>
+            <a:off x="497711" y="804519"/>
+            <a:ext cx="10557143" cy="1049235"/>
+          </a:xfrm>
+        </p:spPr>
+        <p:txBody>
+          <a:bodyPr/>
+          <a:lstStyle/>
+          <a:p>
+            <a:r>
+              <a:rPr lang="en-US" dirty="0"/>
+              <a:t>Quicksort – it is Quick!</a:t>
+            </a:r>
+          </a:p>
+        </p:txBody>
+      </p:sp>
+      <p:sp>
+        <p:nvSpPr>
+          <p:cNvPr id="3" name="Content Placeholder 2">
+            <a:extLst>
+              <a:ext uri="{FF2B5EF4-FFF2-40B4-BE49-F238E27FC236}">
+                <a16:creationId xmlns:a16="http://schemas.microsoft.com/office/drawing/2014/main" id="{73C500F5-756A-DC19-B9A3-C4468F7626DA}"/>
+              </a:ext>
+            </a:extLst>
+          </p:cNvPr>
+          <p:cNvSpPr>
+            <a:spLocks noGrp="1"/>
+          </p:cNvSpPr>
+          <p:nvPr>
+            <p:ph idx="1"/>
+          </p:nvPr>
+        </p:nvSpPr>
+        <p:spPr>
+          <a:xfrm>
+            <a:off x="1451579" y="2015732"/>
+            <a:ext cx="9603275" cy="1446605"/>
+          </a:xfrm>
+        </p:spPr>
+        <p:txBody>
+          <a:bodyPr/>
+          <a:lstStyle/>
+          <a:p>
+            <a:r>
+              <a:rPr lang="en-US" dirty="0"/>
+              <a:t>Quicksort is one of the most common sorting algorithms. </a:t>
+            </a:r>
+          </a:p>
+          <a:p>
+            <a:r>
+              <a:rPr lang="en-US" dirty="0"/>
+              <a:t>Chooses one value as a ‘pivot’, divides the data less/greater than that, and </a:t>
+            </a:r>
+            <a:r>
+              <a:rPr lang="en-US" dirty="0" err="1"/>
+              <a:t>repeates</a:t>
+            </a:r>
+            <a:r>
+              <a:rPr lang="en-US" dirty="0"/>
+              <a:t>. </a:t>
+            </a:r>
+          </a:p>
+          <a:p>
+            <a:r>
+              <a:rPr lang="en-US" dirty="0"/>
+              <a:t>N*log(n) on average, ‘in-place’ meaning it doesn’t copy the data. </a:t>
+            </a:r>
+          </a:p>
+        </p:txBody>
+      </p:sp>
+      <p:pic>
+        <p:nvPicPr>
+          <p:cNvPr id="4" name="Picture 3">
+            <a:extLst>
+              <a:ext uri="{FF2B5EF4-FFF2-40B4-BE49-F238E27FC236}">
+                <a16:creationId xmlns:a16="http://schemas.microsoft.com/office/drawing/2014/main" id="{F4C9FDFE-658F-7ECC-F965-41C9A4420EA3}"/>
+              </a:ext>
+            </a:extLst>
+          </p:cNvPr>
+          <p:cNvPicPr>
+            <a:picLocks noChangeAspect="1"/>
+          </p:cNvPicPr>
+          <p:nvPr/>
+        </p:nvPicPr>
+        <p:blipFill>
+          <a:blip r:embed="rId2"/>
+          <a:stretch>
+            <a:fillRect/>
+          </a:stretch>
+        </p:blipFill>
+        <p:spPr>
+          <a:xfrm>
+            <a:off x="6771190" y="0"/>
+            <a:ext cx="5420810" cy="2121187"/>
+          </a:xfrm>
+          <a:prstGeom prst="rect">
+            <a:avLst/>
+          </a:prstGeom>
+        </p:spPr>
+      </p:pic>
+      <p:pic>
+        <p:nvPicPr>
+          <p:cNvPr id="2052" name="Picture 4">
+            <a:extLst>
+              <a:ext uri="{FF2B5EF4-FFF2-40B4-BE49-F238E27FC236}">
+                <a16:creationId xmlns:a16="http://schemas.microsoft.com/office/drawing/2014/main" id="{601E3CB3-39FA-35F1-AC0A-24E0D9C9D894}"/>
+              </a:ext>
+            </a:extLst>
+          </p:cNvPr>
+          <p:cNvPicPr>
+            <a:picLocks noChangeAspect="1" noChangeArrowheads="1"/>
+          </p:cNvPicPr>
+          <p:nvPr/>
+        </p:nvPicPr>
+        <p:blipFill>
+          <a:blip r:embed="rId3">
+            <a:extLst>
+              <a:ext uri="{28A0092B-C50C-407E-A947-70E740481C1C}">
+                <a14:useLocalDpi xmlns:a14="http://schemas.microsoft.com/office/drawing/2010/main" val="0"/>
+              </a:ext>
+            </a:extLst>
+          </a:blip>
+          <a:srcRect/>
+          <a:stretch>
+            <a:fillRect/>
+          </a:stretch>
+        </p:blipFill>
+        <p:spPr bwMode="auto">
+          <a:xfrm>
+            <a:off x="0" y="3462337"/>
+            <a:ext cx="12192000" cy="3395663"/>
+          </a:xfrm>
+          <a:prstGeom prst="rect">
+            <a:avLst/>
+          </a:prstGeom>
+          <a:noFill/>
+          <a:extLst>
+            <a:ext uri="{909E8E84-426E-40DD-AFC4-6F175D3DCCD1}">
+              <a14:hiddenFill xmlns:a14="http://schemas.microsoft.com/office/drawing/2010/main">
+                <a:solidFill>
+                  <a:srgbClr val="FFFFFF"/>
+                </a:solidFill>
+              </a14:hiddenFill>
+            </a:ext>
+          </a:extLst>
+        </p:spPr>
+      </p:pic>
+    </p:spTree>
+    <p:extLst>
+      <p:ext uri="{BB962C8B-B14F-4D97-AF65-F5344CB8AC3E}">
+        <p14:creationId xmlns:p14="http://schemas.microsoft.com/office/powerpoint/2010/main" val="3742942372"/>
+      </p:ext>
+    </p:extLst>
+  </p:cSld>
+  <p:clrMapOvr>
+    <a:masterClrMapping/>
+  </p:clrMapOvr>
+</p:sld>
+</file>
+
+<file path=ppt/slides/slide13.xml><?xml version="1.0" encoding="utf-8"?>
+<p:sld xmlns:a="http://schemas.openxmlformats.org/drawingml/2006/main" xmlns:r="http://schemas.openxmlformats.org/officeDocument/2006/relationships" xmlns:p="http://schemas.openxmlformats.org/presentationml/2006/main">
+  <p:cSld>
+    <p:spTree>
+      <p:nvGrpSpPr>
+        <p:cNvPr id="1" name=""/>
+        <p:cNvGrpSpPr/>
+        <p:nvPr/>
+      </p:nvGrpSpPr>
+      <p:grpSpPr>
+        <a:xfrm>
+          <a:off x="0" y="0"/>
+          <a:ext cx="0" cy="0"/>
+          <a:chOff x="0" y="0"/>
+          <a:chExt cx="0" cy="0"/>
+        </a:xfrm>
+      </p:grpSpPr>
+      <p:sp>
+        <p:nvSpPr>
+          <p:cNvPr id="2" name="Title 1">
+            <a:extLst>
+              <a:ext uri="{FF2B5EF4-FFF2-40B4-BE49-F238E27FC236}">
+                <a16:creationId xmlns:a16="http://schemas.microsoft.com/office/drawing/2014/main" id="{BD957ADB-79A7-20CC-5251-A2630C025AE3}"/>
+              </a:ext>
+            </a:extLst>
+          </p:cNvPr>
+          <p:cNvSpPr>
+            <a:spLocks noGrp="1"/>
+          </p:cNvSpPr>
+          <p:nvPr>
+            <p:ph type="title"/>
+          </p:nvPr>
+        </p:nvSpPr>
+        <p:spPr/>
+        <p:txBody>
+          <a:bodyPr/>
+          <a:lstStyle/>
+          <a:p>
+            <a:endParaRPr lang="en-US"/>
+          </a:p>
+        </p:txBody>
+      </p:sp>
+      <p:sp>
+        <p:nvSpPr>
+          <p:cNvPr id="3" name="Content Placeholder 2">
+            <a:extLst>
+              <a:ext uri="{FF2B5EF4-FFF2-40B4-BE49-F238E27FC236}">
+                <a16:creationId xmlns:a16="http://schemas.microsoft.com/office/drawing/2014/main" id="{66205091-455B-FAF5-2255-8891BAEB5F89}"/>
+              </a:ext>
+            </a:extLst>
+          </p:cNvPr>
+          <p:cNvSpPr>
+            <a:spLocks noGrp="1"/>
+          </p:cNvSpPr>
+          <p:nvPr>
+            <p:ph idx="1"/>
+          </p:nvPr>
+        </p:nvSpPr>
+        <p:spPr/>
+        <p:txBody>
+          <a:bodyPr/>
+          <a:lstStyle/>
+          <a:p>
+            <a:endParaRPr lang="en-US"/>
+          </a:p>
+        </p:txBody>
+      </p:sp>
+      <p:pic>
+        <p:nvPicPr>
+          <p:cNvPr id="3074" name="Picture 2" descr="Sorting Algorithms (Quick Sort, Merge Sort) | DSA Tutorials">
+            <a:extLst>
+              <a:ext uri="{FF2B5EF4-FFF2-40B4-BE49-F238E27FC236}">
+                <a16:creationId xmlns:a16="http://schemas.microsoft.com/office/drawing/2014/main" id="{56007A49-B73C-9C5F-6F43-CE509F7221B3}"/>
+              </a:ext>
+            </a:extLst>
+          </p:cNvPr>
+          <p:cNvPicPr>
+            <a:picLocks noChangeAspect="1" noChangeArrowheads="1"/>
+          </p:cNvPicPr>
+          <p:nvPr/>
+        </p:nvPicPr>
+        <p:blipFill>
+          <a:blip r:embed="rId2">
+            <a:extLst>
+              <a:ext uri="{28A0092B-C50C-407E-A947-70E740481C1C}">
+                <a14:useLocalDpi xmlns:a14="http://schemas.microsoft.com/office/drawing/2010/main" val="0"/>
+              </a:ext>
+            </a:extLst>
+          </a:blip>
+          <a:srcRect/>
+          <a:stretch>
+            <a:fillRect/>
+          </a:stretch>
+        </p:blipFill>
+        <p:spPr bwMode="auto">
+          <a:xfrm>
+            <a:off x="642938" y="0"/>
+            <a:ext cx="10904537" cy="6858000"/>
+          </a:xfrm>
+          <a:prstGeom prst="rect">
+            <a:avLst/>
+          </a:prstGeom>
+          <a:noFill/>
+          <a:extLst>
+            <a:ext uri="{909E8E84-426E-40DD-AFC4-6F175D3DCCD1}">
+              <a14:hiddenFill xmlns:a14="http://schemas.microsoft.com/office/drawing/2010/main">
+                <a:solidFill>
+                  <a:srgbClr val="FFFFFF"/>
+                </a:solidFill>
+              </a14:hiddenFill>
+            </a:ext>
+          </a:extLst>
+        </p:spPr>
+      </p:pic>
+    </p:spTree>
+    <p:extLst>
+      <p:ext uri="{BB962C8B-B14F-4D97-AF65-F5344CB8AC3E}">
+        <p14:creationId xmlns:p14="http://schemas.microsoft.com/office/powerpoint/2010/main" val="3394472159"/>
+      </p:ext>
+    </p:extLst>
+  </p:cSld>
+  <p:clrMapOvr>
+    <a:masterClrMapping/>
+  </p:clrMapOvr>
+</p:sld>
+</file>
+
+<file path=ppt/slides/slide14.xml><?xml version="1.0" encoding="utf-8"?>
+<p:sld xmlns:a="http://schemas.openxmlformats.org/drawingml/2006/main" xmlns:r="http://schemas.openxmlformats.org/officeDocument/2006/relationships" xmlns:p="http://schemas.openxmlformats.org/presentationml/2006/main">
+  <p:cSld>
+    <p:spTree>
+      <p:nvGrpSpPr>
+        <p:cNvPr id="1" name=""/>
+        <p:cNvGrpSpPr/>
+        <p:nvPr/>
+      </p:nvGrpSpPr>
+      <p:grpSpPr>
+        <a:xfrm>
+          <a:off x="0" y="0"/>
+          <a:ext cx="0" cy="0"/>
+          <a:chOff x="0" y="0"/>
+          <a:chExt cx="0" cy="0"/>
+        </a:xfrm>
+      </p:grpSpPr>
+      <p:sp>
+        <p:nvSpPr>
+          <p:cNvPr id="2" name="Title 1">
+            <a:extLst>
+              <a:ext uri="{FF2B5EF4-FFF2-40B4-BE49-F238E27FC236}">
+                <a16:creationId xmlns:a16="http://schemas.microsoft.com/office/drawing/2014/main" id="{441C2C55-7720-116C-E510-F6CD40E15109}"/>
+              </a:ext>
+            </a:extLst>
+          </p:cNvPr>
+          <p:cNvSpPr>
+            <a:spLocks noGrp="1"/>
+          </p:cNvSpPr>
+          <p:nvPr>
+            <p:ph type="title"/>
+          </p:nvPr>
+        </p:nvSpPr>
+        <p:spPr>
+          <a:xfrm>
+            <a:off x="66503" y="804519"/>
+            <a:ext cx="3632661" cy="1049235"/>
+          </a:xfrm>
+        </p:spPr>
+        <p:txBody>
+          <a:bodyPr>
+            <a:normAutofit/>
+          </a:bodyPr>
+          <a:lstStyle/>
+          <a:p>
+            <a:r>
+              <a:rPr lang="en-US" dirty="0"/>
+              <a:t>Big O Approximations</a:t>
+            </a:r>
+          </a:p>
+        </p:txBody>
+      </p:sp>
+      <p:sp>
+        <p:nvSpPr>
+          <p:cNvPr id="3" name="Content Placeholder 2">
+            <a:extLst>
+              <a:ext uri="{FF2B5EF4-FFF2-40B4-BE49-F238E27FC236}">
+                <a16:creationId xmlns:a16="http://schemas.microsoft.com/office/drawing/2014/main" id="{1B5322B5-A115-D5D6-A629-A1F5A6FAAB62}"/>
+              </a:ext>
+            </a:extLst>
+          </p:cNvPr>
+          <p:cNvSpPr>
+            <a:spLocks noGrp="1"/>
+          </p:cNvSpPr>
+          <p:nvPr>
+            <p:ph idx="1"/>
+          </p:nvPr>
+        </p:nvSpPr>
+        <p:spPr>
+          <a:xfrm>
+            <a:off x="66502" y="2015732"/>
+            <a:ext cx="3931920" cy="4037749"/>
+          </a:xfrm>
+        </p:spPr>
+        <p:txBody>
+          <a:bodyPr>
+            <a:normAutofit fontScale="92500" lnSpcReduction="20000"/>
+          </a:bodyPr>
+          <a:lstStyle/>
+          <a:p>
+            <a:r>
+              <a:rPr lang="en-US" dirty="0"/>
+              <a:t>The Big O notation is meant to capture a rough estimate of time. </a:t>
+            </a:r>
+          </a:p>
+          <a:p>
+            <a:r>
+              <a:rPr lang="en-US" dirty="0"/>
+              <a:t>The exact details are ignored as they don’t matter much when things grow. </a:t>
+            </a:r>
+          </a:p>
+          <a:p>
+            <a:r>
+              <a:rPr lang="en-US" dirty="0"/>
+              <a:t>Nested looping is the one thing to really try to avoid. </a:t>
+            </a:r>
+          </a:p>
+          <a:p>
+            <a:r>
+              <a:rPr lang="en-US" dirty="0"/>
+              <a:t>For sorting we can think of the number of comparisons as the driver of speed. </a:t>
+            </a:r>
+          </a:p>
+          <a:p>
+            <a:pPr lvl="1"/>
+            <a:r>
+              <a:rPr lang="en-US" dirty="0"/>
+              <a:t>Other algorithms are similar – accessing data is an “action”. </a:t>
+            </a:r>
+          </a:p>
+        </p:txBody>
+      </p:sp>
+      <p:pic>
+        <p:nvPicPr>
+          <p:cNvPr id="5122" name="Picture 2" descr="Sorting And Searching Algorithms - Time Complexities Cheat Sheet |  HackerEarth">
+            <a:extLst>
+              <a:ext uri="{FF2B5EF4-FFF2-40B4-BE49-F238E27FC236}">
+                <a16:creationId xmlns:a16="http://schemas.microsoft.com/office/drawing/2014/main" id="{94F3D9D9-DE19-A7D1-4A97-A0F54D159303}"/>
+              </a:ext>
+            </a:extLst>
+          </p:cNvPr>
+          <p:cNvPicPr>
+            <a:picLocks noChangeAspect="1" noChangeArrowheads="1"/>
+          </p:cNvPicPr>
+          <p:nvPr/>
+        </p:nvPicPr>
+        <p:blipFill rotWithShape="1">
+          <a:blip r:embed="rId2">
+            <a:extLst>
+              <a:ext uri="{28A0092B-C50C-407E-A947-70E740481C1C}">
+                <a14:useLocalDpi xmlns:a14="http://schemas.microsoft.com/office/drawing/2010/main" val="0"/>
+              </a:ext>
+            </a:extLst>
+          </a:blip>
+          <a:srcRect r="11467"/>
+          <a:stretch/>
+        </p:blipFill>
+        <p:spPr bwMode="auto">
+          <a:xfrm>
+            <a:off x="3998422" y="431214"/>
+            <a:ext cx="8193578" cy="5995571"/>
+          </a:xfrm>
+          <a:prstGeom prst="rect">
+            <a:avLst/>
+          </a:prstGeom>
+          <a:noFill/>
+          <a:extLst>
+            <a:ext uri="{909E8E84-426E-40DD-AFC4-6F175D3DCCD1}">
+              <a14:hiddenFill xmlns:a14="http://schemas.microsoft.com/office/drawing/2010/main">
+                <a:solidFill>
+                  <a:srgbClr val="FFFFFF"/>
+                </a:solidFill>
+              </a14:hiddenFill>
+            </a:ext>
+          </a:extLst>
+        </p:spPr>
+      </p:pic>
+    </p:spTree>
+    <p:extLst>
+      <p:ext uri="{BB962C8B-B14F-4D97-AF65-F5344CB8AC3E}">
+        <p14:creationId xmlns:p14="http://schemas.microsoft.com/office/powerpoint/2010/main" val="1639990967"/>
+      </p:ext>
+    </p:extLst>
+  </p:cSld>
+  <p:clrMapOvr>
+    <a:masterClrMapping/>
+  </p:clrMapOvr>
+</p:sld>
+</file>
+
+<file path=ppt/slides/slide15.xml><?xml version="1.0" encoding="utf-8"?>
+<p:sld xmlns:a="http://schemas.openxmlformats.org/drawingml/2006/main" xmlns:r="http://schemas.openxmlformats.org/officeDocument/2006/relationships" xmlns:p="http://schemas.openxmlformats.org/presentationml/2006/main">
+  <p:cSld>
+    <p:spTree>
+      <p:nvGrpSpPr>
+        <p:cNvPr id="1" name=""/>
+        <p:cNvGrpSpPr/>
+        <p:nvPr/>
+      </p:nvGrpSpPr>
+      <p:grpSpPr>
+        <a:xfrm>
+          <a:off x="0" y="0"/>
+          <a:ext cx="0" cy="0"/>
+          <a:chOff x="0" y="0"/>
+          <a:chExt cx="0" cy="0"/>
+        </a:xfrm>
+      </p:grpSpPr>
+      <p:sp>
+        <p:nvSpPr>
+          <p:cNvPr id="2" name="Title 1">
+            <a:extLst>
+              <a:ext uri="{FF2B5EF4-FFF2-40B4-BE49-F238E27FC236}">
                 <a16:creationId xmlns:a16="http://schemas.microsoft.com/office/drawing/2014/main" id="{AB6AE783-E54F-E6FB-4D29-F9A3220690AD}"/>
               </a:ext>
             </a:extLst>
@@ -3823,8 +4690,8 @@
         </p:nvSpPr>
         <p:spPr>
           <a:xfrm>
-            <a:off x="1451579" y="2152996"/>
-            <a:ext cx="9603275" cy="3900485"/>
+            <a:off x="0" y="2152996"/>
+            <a:ext cx="12191999" cy="3900485"/>
           </a:xfrm>
         </p:spPr>
         <p:txBody>
@@ -3854,7 +4721,7 @@
             <a:pPr lvl="1"/>
             <a:r>
               <a:rPr lang="en-US" dirty="0"/>
-              <a:t>If using very large data, this can be a consideration that matters. </a:t>
+              <a:t>If using very large data, this can be a consideration that matters – we may not be able to double a dataset’s memory space. </a:t>
             </a:r>
           </a:p>
           <a:p>
@@ -3944,7 +4811,7 @@
 </p:sld>
 </file>
 
-<file path=ppt/slides/slide11.xml><?xml version="1.0" encoding="utf-8"?>
+<file path=ppt/slides/slide16.xml><?xml version="1.0" encoding="utf-8"?>
 <p:sld xmlns:a="http://schemas.openxmlformats.org/drawingml/2006/main" xmlns:r="http://schemas.openxmlformats.org/officeDocument/2006/relationships" xmlns:p="http://schemas.openxmlformats.org/presentationml/2006/main">
   <p:cSld>
     <p:spTree>
@@ -4105,7 +4972,7 @@
 </p:sld>
 </file>
 
-<file path=ppt/slides/slide12.xml><?xml version="1.0" encoding="utf-8"?>
+<file path=ppt/slides/slide17.xml><?xml version="1.0" encoding="utf-8"?>
 <p:sld xmlns:a="http://schemas.openxmlformats.org/drawingml/2006/main" xmlns:r="http://schemas.openxmlformats.org/officeDocument/2006/relationships" xmlns:p="http://schemas.openxmlformats.org/presentationml/2006/main">
   <p:cSld>
     <p:spTree>
@@ -4279,7 +5146,7 @@
 </p:sld>
 </file>
 
-<file path=ppt/slides/slide13.xml><?xml version="1.0" encoding="utf-8"?>
+<file path=ppt/slides/slide18.xml><?xml version="1.0" encoding="utf-8"?>
 <p:sld xmlns:a="http://schemas.openxmlformats.org/drawingml/2006/main" xmlns:r="http://schemas.openxmlformats.org/officeDocument/2006/relationships" xmlns:p="http://schemas.openxmlformats.org/presentationml/2006/main">
   <p:cSld>
     <p:spTree>
@@ -4425,7 +5292,7 @@
 </p:sld>
 </file>
 
-<file path=ppt/slides/slide14.xml><?xml version="1.0" encoding="utf-8"?>
+<file path=ppt/slides/slide19.xml><?xml version="1.0" encoding="utf-8"?>
 <p:sld xmlns:a="http://schemas.openxmlformats.org/drawingml/2006/main" xmlns:r="http://schemas.openxmlformats.org/officeDocument/2006/relationships" xmlns:p="http://schemas.openxmlformats.org/presentationml/2006/main">
   <p:cSld>
     <p:spTree>
@@ -4447,6 +5314,239 @@
           <p:cNvPr id="2" name="Title 1">
             <a:extLst>
               <a:ext uri="{FF2B5EF4-FFF2-40B4-BE49-F238E27FC236}">
+                <a16:creationId xmlns:a16="http://schemas.microsoft.com/office/drawing/2014/main" id="{CCB275D6-7ECD-8041-0977-57A53A3031A4}"/>
+              </a:ext>
+            </a:extLst>
+          </p:cNvPr>
+          <p:cNvSpPr>
+            <a:spLocks noGrp="1"/>
+          </p:cNvSpPr>
+          <p:nvPr>
+            <p:ph type="title"/>
+          </p:nvPr>
+        </p:nvSpPr>
+        <p:spPr/>
+        <p:txBody>
+          <a:bodyPr/>
+          <a:lstStyle/>
+          <a:p>
+            <a:endParaRPr lang="en-US"/>
+          </a:p>
+        </p:txBody>
+      </p:sp>
+      <p:sp>
+        <p:nvSpPr>
+          <p:cNvPr id="3" name="Content Placeholder 2">
+            <a:extLst>
+              <a:ext uri="{FF2B5EF4-FFF2-40B4-BE49-F238E27FC236}">
+                <a16:creationId xmlns:a16="http://schemas.microsoft.com/office/drawing/2014/main" id="{60D44E6A-F161-914F-C68A-A70E22417039}"/>
+              </a:ext>
+            </a:extLst>
+          </p:cNvPr>
+          <p:cNvSpPr>
+            <a:spLocks noGrp="1"/>
+          </p:cNvSpPr>
+          <p:nvPr>
+            <p:ph idx="1"/>
+          </p:nvPr>
+        </p:nvSpPr>
+        <p:spPr/>
+        <p:txBody>
+          <a:bodyPr/>
+          <a:lstStyle/>
+          <a:p>
+            <a:endParaRPr lang="en-US"/>
+          </a:p>
+        </p:txBody>
+      </p:sp>
+    </p:spTree>
+    <p:extLst>
+      <p:ext uri="{BB962C8B-B14F-4D97-AF65-F5344CB8AC3E}">
+        <p14:creationId xmlns:p14="http://schemas.microsoft.com/office/powerpoint/2010/main" val="4046686185"/>
+      </p:ext>
+    </p:extLst>
+  </p:cSld>
+  <p:clrMapOvr>
+    <a:masterClrMapping/>
+  </p:clrMapOvr>
+</p:sld>
+</file>
+
+<file path=ppt/slides/slide2.xml><?xml version="1.0" encoding="utf-8"?>
+<p:sld xmlns:a="http://schemas.openxmlformats.org/drawingml/2006/main" xmlns:r="http://schemas.openxmlformats.org/officeDocument/2006/relationships" xmlns:p="http://schemas.openxmlformats.org/presentationml/2006/main">
+  <p:cSld>
+    <p:spTree>
+      <p:nvGrpSpPr>
+        <p:cNvPr id="1" name=""/>
+        <p:cNvGrpSpPr/>
+        <p:nvPr/>
+      </p:nvGrpSpPr>
+      <p:grpSpPr>
+        <a:xfrm>
+          <a:off x="0" y="0"/>
+          <a:ext cx="0" cy="0"/>
+          <a:chOff x="0" y="0"/>
+          <a:chExt cx="0" cy="0"/>
+        </a:xfrm>
+      </p:grpSpPr>
+      <p:sp>
+        <p:nvSpPr>
+          <p:cNvPr id="2" name="Title 1">
+            <a:extLst>
+              <a:ext uri="{FF2B5EF4-FFF2-40B4-BE49-F238E27FC236}">
+                <a16:creationId xmlns:a16="http://schemas.microsoft.com/office/drawing/2014/main" id="{848AE31D-0707-245C-B367-5A4BD2DA5C77}"/>
+              </a:ext>
+            </a:extLst>
+          </p:cNvPr>
+          <p:cNvSpPr>
+            <a:spLocks noGrp="1"/>
+          </p:cNvSpPr>
+          <p:nvPr>
+            <p:ph type="title"/>
+          </p:nvPr>
+        </p:nvSpPr>
+        <p:spPr/>
+        <p:txBody>
+          <a:bodyPr/>
+          <a:lstStyle/>
+          <a:p>
+            <a:r>
+              <a:rPr lang="en-US" dirty="0"/>
+              <a:t>Test Tendencies</a:t>
+            </a:r>
+          </a:p>
+        </p:txBody>
+      </p:sp>
+      <p:sp>
+        <p:nvSpPr>
+          <p:cNvPr id="3" name="Content Placeholder 2">
+            <a:extLst>
+              <a:ext uri="{FF2B5EF4-FFF2-40B4-BE49-F238E27FC236}">
+                <a16:creationId xmlns:a16="http://schemas.microsoft.com/office/drawing/2014/main" id="{CF536D8B-60AC-FC3C-68D6-17352AE26BE6}"/>
+              </a:ext>
+            </a:extLst>
+          </p:cNvPr>
+          <p:cNvSpPr>
+            <a:spLocks noGrp="1"/>
+          </p:cNvSpPr>
+          <p:nvPr>
+            <p:ph idx="1"/>
+          </p:nvPr>
+        </p:nvSpPr>
+        <p:spPr>
+          <a:xfrm>
+            <a:off x="1451579" y="1853754"/>
+            <a:ext cx="10424046" cy="4199727"/>
+          </a:xfrm>
+        </p:spPr>
+        <p:txBody>
+          <a:bodyPr/>
+          <a:lstStyle/>
+          <a:p>
+            <a:r>
+              <a:rPr lang="en-US" dirty="0"/>
+              <a:t>Most of the code, by volume, looked ok. </a:t>
+            </a:r>
+          </a:p>
+          <a:p>
+            <a:pPr lvl="1"/>
+            <a:r>
+              <a:rPr lang="en-US" dirty="0"/>
+              <a:t>I attempted to estimate a reasonable grade based on the fraction that was done/good. </a:t>
+            </a:r>
+          </a:p>
+          <a:p>
+            <a:pPr lvl="1"/>
+            <a:r>
+              <a:rPr lang="en-US" dirty="0"/>
+              <a:t>I capped the “it doesn’t pass tests but looked ok” code to 5.5/7, roughly 80%. </a:t>
+            </a:r>
+          </a:p>
+          <a:p>
+            <a:r>
+              <a:rPr lang="en-US" dirty="0"/>
+              <a:t>Some common things:</a:t>
+            </a:r>
+          </a:p>
+          <a:p>
+            <a:pPr lvl="1"/>
+            <a:r>
+              <a:rPr lang="en-US" dirty="0"/>
+              <a:t>A few people just missed return statements at the end of a function. </a:t>
+            </a:r>
+          </a:p>
+          <a:p>
+            <a:pPr lvl="1"/>
+            <a:r>
+              <a:rPr lang="en-US" dirty="0"/>
+              <a:t>Error checking – divide by 0. I think this may have caused a fatal error for some. </a:t>
+            </a:r>
+          </a:p>
+          <a:p>
+            <a:r>
+              <a:rPr lang="en-US" dirty="0"/>
+              <a:t>Some people had low # of commits, largely ok-</a:t>
+            </a:r>
+            <a:r>
+              <a:rPr lang="en-US" dirty="0" err="1"/>
+              <a:t>ish</a:t>
+            </a:r>
+            <a:r>
+              <a:rPr lang="en-US" dirty="0"/>
+              <a:t> code, and passed 0 tests. </a:t>
+            </a:r>
+          </a:p>
+          <a:p>
+            <a:pPr lvl="1"/>
+            <a:r>
+              <a:rPr lang="en-US" dirty="0"/>
+              <a:t>Likely did most of it, committed, then saw everything fail (due to error), and it’s hard to pinpoint.</a:t>
+            </a:r>
+          </a:p>
+          <a:p>
+            <a:pPr lvl="1"/>
+            <a:r>
+              <a:rPr lang="en-US" dirty="0"/>
+              <a:t>It’s easier to build incrementally, so parts pass and then you can see if changes break it. </a:t>
+            </a:r>
+          </a:p>
+        </p:txBody>
+      </p:sp>
+    </p:spTree>
+    <p:extLst>
+      <p:ext uri="{BB962C8B-B14F-4D97-AF65-F5344CB8AC3E}">
+        <p14:creationId xmlns:p14="http://schemas.microsoft.com/office/powerpoint/2010/main" val="2829476044"/>
+      </p:ext>
+    </p:extLst>
+  </p:cSld>
+  <p:clrMapOvr>
+    <a:masterClrMapping/>
+  </p:clrMapOvr>
+</p:sld>
+</file>
+
+<file path=ppt/slides/slide20.xml><?xml version="1.0" encoding="utf-8"?>
+<p:sld xmlns:a="http://schemas.openxmlformats.org/drawingml/2006/main" xmlns:r="http://schemas.openxmlformats.org/officeDocument/2006/relationships" xmlns:p="http://schemas.openxmlformats.org/presentationml/2006/main">
+  <p:cSld>
+    <p:spTree>
+      <p:nvGrpSpPr>
+        <p:cNvPr id="1" name=""/>
+        <p:cNvGrpSpPr/>
+        <p:nvPr/>
+      </p:nvGrpSpPr>
+      <p:grpSpPr>
+        <a:xfrm>
+          <a:off x="0" y="0"/>
+          <a:ext cx="0" cy="0"/>
+          <a:chOff x="0" y="0"/>
+          <a:chExt cx="0" cy="0"/>
+        </a:xfrm>
+      </p:grpSpPr>
+      <p:sp>
+        <p:nvSpPr>
+          <p:cNvPr id="2" name="Title 1">
+            <a:extLst>
+              <a:ext uri="{FF2B5EF4-FFF2-40B4-BE49-F238E27FC236}">
                 <a16:creationId xmlns:a16="http://schemas.microsoft.com/office/drawing/2014/main" id="{C2F0A73B-1691-70C7-EA5B-CCE00AD9D239}"/>
               </a:ext>
             </a:extLst>
@@ -4548,7 +5648,7 @@
 </p:sld>
 </file>
 
-<file path=ppt/slides/slide15.xml><?xml version="1.0" encoding="utf-8"?>
+<file path=ppt/slides/slide21.xml><?xml version="1.0" encoding="utf-8"?>
 <p:sld xmlns:a="http://schemas.openxmlformats.org/drawingml/2006/main" xmlns:r="http://schemas.openxmlformats.org/officeDocument/2006/relationships" xmlns:p="http://schemas.openxmlformats.org/presentationml/2006/main">
   <p:cSld>
     <p:spTree>
@@ -4706,7 +5806,7 @@
 </p:sld>
 </file>
 
-<file path=ppt/slides/slide16.xml><?xml version="1.0" encoding="utf-8"?>
+<file path=ppt/slides/slide22.xml><?xml version="1.0" encoding="utf-8"?>
 <p:sld xmlns:a="http://schemas.openxmlformats.org/drawingml/2006/main" xmlns:r="http://schemas.openxmlformats.org/officeDocument/2006/relationships" xmlns:p="http://schemas.openxmlformats.org/presentationml/2006/main">
   <p:cSld>
     <p:spTree>
@@ -4840,7 +5940,7 @@
 </p:sld>
 </file>
 
-<file path=ppt/slides/slide17.xml><?xml version="1.0" encoding="utf-8"?>
+<file path=ppt/slides/slide23.xml><?xml version="1.0" encoding="utf-8"?>
 <p:sld xmlns:a="http://schemas.openxmlformats.org/drawingml/2006/main" xmlns:r="http://schemas.openxmlformats.org/officeDocument/2006/relationships" xmlns:p="http://schemas.openxmlformats.org/presentationml/2006/main">
   <p:cSld>
     <p:spTree>
@@ -4967,7 +6067,7 @@
 </p:sld>
 </file>
 
-<file path=ppt/slides/slide18.xml><?xml version="1.0" encoding="utf-8"?>
+<file path=ppt/slides/slide24.xml><?xml version="1.0" encoding="utf-8"?>
 <p:sld xmlns:a="http://schemas.openxmlformats.org/drawingml/2006/main" xmlns:r="http://schemas.openxmlformats.org/officeDocument/2006/relationships" xmlns:p="http://schemas.openxmlformats.org/presentationml/2006/main">
   <p:cSld>
     <p:spTree>
@@ -5138,7 +6238,7 @@
 </p:sld>
 </file>
 
-<file path=ppt/slides/slide19.xml><?xml version="1.0" encoding="utf-8"?>
+<file path=ppt/slides/slide25.xml><?xml version="1.0" encoding="utf-8"?>
 <p:sld xmlns:a="http://schemas.openxmlformats.org/drawingml/2006/main" xmlns:r="http://schemas.openxmlformats.org/officeDocument/2006/relationships" xmlns:p="http://schemas.openxmlformats.org/presentationml/2006/main">
   <p:cSld>
     <p:spTree>
@@ -5265,7 +6365,224 @@
 </p:sld>
 </file>
 
-<file path=ppt/slides/slide2.xml><?xml version="1.0" encoding="utf-8"?>
+<file path=ppt/slides/slide26.xml><?xml version="1.0" encoding="utf-8"?>
+<p:sld xmlns:a="http://schemas.openxmlformats.org/drawingml/2006/main" xmlns:r="http://schemas.openxmlformats.org/officeDocument/2006/relationships" xmlns:p="http://schemas.openxmlformats.org/presentationml/2006/main">
+  <p:cSld>
+    <p:bg>
+      <p:bgPr>
+        <a:gradFill rotWithShape="1">
+          <a:gsLst>
+            <a:gs pos="0">
+              <a:schemeClr val="bg2">
+                <a:tint val="94000"/>
+                <a:satMod val="80000"/>
+                <a:lumMod val="106000"/>
+              </a:schemeClr>
+            </a:gs>
+            <a:gs pos="100000">
+              <a:schemeClr val="bg2">
+                <a:shade val="80000"/>
+              </a:schemeClr>
+            </a:gs>
+          </a:gsLst>
+          <a:path path="circle">
+            <a:fillToRect l="43000" r="43000" b="100000"/>
+          </a:path>
+        </a:gradFill>
+        <a:effectLst/>
+      </p:bgPr>
+    </p:bg>
+    <p:spTree>
+      <p:nvGrpSpPr>
+        <p:cNvPr id="1" name=""/>
+        <p:cNvGrpSpPr/>
+        <p:nvPr/>
+      </p:nvGrpSpPr>
+      <p:grpSpPr>
+        <a:xfrm>
+          <a:off x="0" y="0"/>
+          <a:ext cx="0" cy="0"/>
+          <a:chOff x="0" y="0"/>
+          <a:chExt cx="0" cy="0"/>
+        </a:xfrm>
+      </p:grpSpPr>
+      <p:sp>
+        <p:nvSpPr>
+          <p:cNvPr id="2" name="Title 1">
+            <a:extLst>
+              <a:ext uri="{FF2B5EF4-FFF2-40B4-BE49-F238E27FC236}">
+                <a16:creationId xmlns:a16="http://schemas.microsoft.com/office/drawing/2014/main" id="{7C14EE07-7B31-B7CB-A75F-DD5E2FA2524A}"/>
+              </a:ext>
+            </a:extLst>
+          </p:cNvPr>
+          <p:cNvSpPr>
+            <a:spLocks noGrp="1"/>
+          </p:cNvSpPr>
+          <p:nvPr>
+            <p:ph type="title"/>
+          </p:nvPr>
+        </p:nvSpPr>
+        <p:spPr>
+          <a:xfrm>
+            <a:off x="1451579" y="804519"/>
+            <a:ext cx="9603275" cy="1049235"/>
+          </a:xfrm>
+        </p:spPr>
+        <p:txBody>
+          <a:bodyPr>
+            <a:normAutofit/>
+          </a:bodyPr>
+          <a:lstStyle/>
+          <a:p>
+            <a:r>
+              <a:rPr lang="en-US" dirty="0"/>
+              <a:t>Using Hashes</a:t>
+            </a:r>
+          </a:p>
+        </p:txBody>
+      </p:sp>
+      <p:pic>
+        <p:nvPicPr>
+          <p:cNvPr id="1026" name="Picture 2" descr="A diagram of a hashtag&#10;&#10;Description automatically generated">
+            <a:extLst>
+              <a:ext uri="{FF2B5EF4-FFF2-40B4-BE49-F238E27FC236}">
+                <a16:creationId xmlns:a16="http://schemas.microsoft.com/office/drawing/2014/main" id="{CC43346C-037A-060D-29DC-6CF96C1E55F9}"/>
+              </a:ext>
+            </a:extLst>
+          </p:cNvPr>
+          <p:cNvPicPr>
+            <a:picLocks noChangeAspect="1" noChangeArrowheads="1"/>
+          </p:cNvPicPr>
+          <p:nvPr/>
+        </p:nvPicPr>
+        <p:blipFill>
+          <a:blip r:embed="rId2">
+            <a:extLst>
+              <a:ext uri="{28A0092B-C50C-407E-A947-70E740481C1C}">
+                <a14:useLocalDpi xmlns:a14="http://schemas.microsoft.com/office/drawing/2010/main" val="0"/>
+              </a:ext>
+            </a:extLst>
+          </a:blip>
+          <a:stretch>
+            <a:fillRect/>
+          </a:stretch>
+        </p:blipFill>
+        <p:spPr bwMode="auto">
+          <a:xfrm>
+            <a:off x="159492" y="2263602"/>
+            <a:ext cx="5581267" cy="3083649"/>
+          </a:xfrm>
+          <a:prstGeom prst="rect">
+            <a:avLst/>
+          </a:prstGeom>
+          <a:noFill/>
+          <a:extLst>
+            <a:ext uri="{909E8E84-426E-40DD-AFC4-6F175D3DCCD1}">
+              <a14:hiddenFill xmlns:a14="http://schemas.microsoft.com/office/drawing/2010/main">
+                <a:solidFill>
+                  <a:srgbClr val="FFFFFF"/>
+                </a:solidFill>
+              </a14:hiddenFill>
+            </a:ext>
+          </a:extLst>
+        </p:spPr>
+      </p:pic>
+      <p:sp>
+        <p:nvSpPr>
+          <p:cNvPr id="3" name="Content Placeholder 2">
+            <a:extLst>
+              <a:ext uri="{FF2B5EF4-FFF2-40B4-BE49-F238E27FC236}">
+                <a16:creationId xmlns:a16="http://schemas.microsoft.com/office/drawing/2014/main" id="{D9C2483A-5E15-C1B9-2EB8-83EE130D11E1}"/>
+              </a:ext>
+            </a:extLst>
+          </p:cNvPr>
+          <p:cNvSpPr>
+            <a:spLocks noGrp="1"/>
+          </p:cNvSpPr>
+          <p:nvPr>
+            <p:ph idx="1"/>
+          </p:nvPr>
+        </p:nvSpPr>
+        <p:spPr>
+          <a:xfrm>
+            <a:off x="5740760" y="1853754"/>
+            <a:ext cx="6291748" cy="4199727"/>
+          </a:xfrm>
+        </p:spPr>
+        <p:txBody>
+          <a:bodyPr>
+            <a:normAutofit/>
+          </a:bodyPr>
+          <a:lstStyle/>
+          <a:p>
+            <a:r>
+              <a:rPr lang="en-US" dirty="0"/>
+              <a:t>Hashing is something that exists, quietly, in several places. </a:t>
+            </a:r>
+          </a:p>
+          <a:p>
+            <a:r>
+              <a:rPr lang="en-US" dirty="0"/>
+              <a:t>Checksums for downloads and file verification.</a:t>
+            </a:r>
+          </a:p>
+          <a:p>
+            <a:pPr lvl="1"/>
+            <a:r>
+              <a:rPr lang="en-US" dirty="0"/>
+              <a:t>A slightly changed file will have a different hash. </a:t>
+            </a:r>
+          </a:p>
+          <a:p>
+            <a:pPr lvl="1"/>
+            <a:r>
+              <a:rPr lang="en-US" dirty="0"/>
+              <a:t>Can has something ‘with’ the modified date, to safeguard.</a:t>
+            </a:r>
+          </a:p>
+          <a:p>
+            <a:r>
+              <a:rPr lang="en-US" dirty="0"/>
+              <a:t>Storing passwords and other cryptography. </a:t>
+            </a:r>
+          </a:p>
+          <a:p>
+            <a:pPr lvl="1"/>
+            <a:r>
+              <a:rPr lang="en-US" dirty="0"/>
+              <a:t>Passwords generate a hash, but knowing the hash doesn’t show the password value. </a:t>
+            </a:r>
+          </a:p>
+          <a:p>
+            <a:pPr lvl="1"/>
+            <a:r>
+              <a:rPr lang="en-US" dirty="0"/>
+              <a:t>Potentially partially negated with modern tools.</a:t>
+            </a:r>
+          </a:p>
+          <a:p>
+            <a:pPr lvl="1"/>
+            <a:r>
+              <a:rPr lang="en-US" dirty="0"/>
+              <a:t>Used in some crypto mining stuff. </a:t>
+            </a:r>
+          </a:p>
+        </p:txBody>
+      </p:sp>
+    </p:spTree>
+    <p:extLst>
+      <p:ext uri="{BB962C8B-B14F-4D97-AF65-F5344CB8AC3E}">
+        <p14:creationId xmlns:p14="http://schemas.microsoft.com/office/powerpoint/2010/main" val="2071892650"/>
+      </p:ext>
+    </p:extLst>
+  </p:cSld>
+  <p:clrMapOvr>
+    <a:masterClrMapping/>
+  </p:clrMapOvr>
+</p:sld>
+</file>
+
+<file path=ppt/slides/slide27.xml><?xml version="1.0" encoding="utf-8"?>
 <p:sld xmlns:a="http://schemas.openxmlformats.org/drawingml/2006/main" xmlns:r="http://schemas.openxmlformats.org/officeDocument/2006/relationships" xmlns:p="http://schemas.openxmlformats.org/presentationml/2006/main">
   <p:cSld>
     <p:spTree>
@@ -5287,7 +6604,7 @@
           <p:cNvPr id="2" name="Title 1">
             <a:extLst>
               <a:ext uri="{FF2B5EF4-FFF2-40B4-BE49-F238E27FC236}">
-                <a16:creationId xmlns:a16="http://schemas.microsoft.com/office/drawing/2014/main" id="{9C18453F-5C6F-1BE8-DE22-C5FB0B446DA8}"/>
+                <a16:creationId xmlns:a16="http://schemas.microsoft.com/office/drawing/2014/main" id="{425BD8F5-3443-3130-BCB4-06171E5C092A}"/>
               </a:ext>
             </a:extLst>
           </p:cNvPr>
@@ -5295,7 +6612,7 @@
             <a:spLocks noGrp="1"/>
           </p:cNvSpPr>
           <p:nvPr>
-            <p:ph type="ctrTitle"/>
+            <p:ph type="title"/>
           </p:nvPr>
         </p:nvSpPr>
         <p:spPr/>
@@ -5305,17 +6622,17 @@
           <a:p>
             <a:r>
               <a:rPr lang="en-US" dirty="0"/>
-              <a:t>Searching, Sorting, and Stuff</a:t>
-            </a:r>
-          </a:p>
-        </p:txBody>
-      </p:sp>
-      <p:sp>
-        <p:nvSpPr>
-          <p:cNvPr id="3" name="Subtitle 2">
+              <a:t>Data Structure Stuff Selection</a:t>
+            </a:r>
+          </a:p>
+        </p:txBody>
+      </p:sp>
+      <p:sp>
+        <p:nvSpPr>
+          <p:cNvPr id="3" name="Content Placeholder 2">
             <a:extLst>
               <a:ext uri="{FF2B5EF4-FFF2-40B4-BE49-F238E27FC236}">
-                <a16:creationId xmlns:a16="http://schemas.microsoft.com/office/drawing/2014/main" id="{87BC3A2E-9159-2215-5197-58F01DBD33E6}"/>
+                <a16:creationId xmlns:a16="http://schemas.microsoft.com/office/drawing/2014/main" id="{520C7552-A26E-7D9F-0E7F-54E950979308}"/>
               </a:ext>
             </a:extLst>
           </p:cNvPr>
@@ -5323,22 +6640,83 @@
             <a:spLocks noGrp="1"/>
           </p:cNvSpPr>
           <p:nvPr>
-            <p:ph type="subTitle" idx="1"/>
-          </p:nvPr>
-        </p:nvSpPr>
-        <p:spPr/>
-        <p:txBody>
-          <a:bodyPr/>
-          <a:lstStyle/>
-          <a:p>
-            <a:endParaRPr lang="en-US"/>
+            <p:ph idx="1"/>
+          </p:nvPr>
+        </p:nvSpPr>
+        <p:spPr>
+          <a:xfrm>
+            <a:off x="1451579" y="1853754"/>
+            <a:ext cx="9603275" cy="4199727"/>
+          </a:xfrm>
+        </p:spPr>
+        <p:txBody>
+          <a:bodyPr/>
+          <a:lstStyle/>
+          <a:p>
+            <a:r>
+              <a:rPr lang="en-US" dirty="0"/>
+              <a:t>What we need to do with data determines the correct choice of how to store it. </a:t>
+            </a:r>
+          </a:p>
+          <a:p>
+            <a:r>
+              <a:rPr lang="en-US" dirty="0"/>
+              <a:t>For us in DS, we use DF and arrays, moving to specialized tools as data grows. </a:t>
+            </a:r>
+          </a:p>
+          <a:p>
+            <a:r>
+              <a:rPr lang="en-US" dirty="0"/>
+              <a:t>For other scenarios, other demands dictate what to use:</a:t>
+            </a:r>
+          </a:p>
+          <a:p>
+            <a:pPr lvl="1"/>
+            <a:r>
+              <a:rPr lang="en-US" dirty="0"/>
+              <a:t>If things are constantly being added (people registering for a raffle) – a list is good. </a:t>
+            </a:r>
+          </a:p>
+          <a:p>
+            <a:pPr lvl="1"/>
+            <a:r>
+              <a:rPr lang="en-US" dirty="0"/>
+              <a:t>If we need to see unique items – a set is good. </a:t>
+            </a:r>
+          </a:p>
+          <a:p>
+            <a:pPr lvl="1"/>
+            <a:r>
+              <a:rPr lang="en-US" dirty="0"/>
+              <a:t>We need to do lots of math – an array is good. </a:t>
+            </a:r>
+          </a:p>
+          <a:p>
+            <a:pPr lvl="1"/>
+            <a:r>
+              <a:rPr lang="en-US" dirty="0"/>
+              <a:t>Frequent retrieval of arbitrary values – a dictionary may be good. </a:t>
+            </a:r>
+          </a:p>
+          <a:p>
+            <a:r>
+              <a:rPr lang="en-US" dirty="0"/>
+              <a:t>These structures are generally interchangeable, but using their strengths helps us. </a:t>
+            </a:r>
+          </a:p>
+          <a:p>
+            <a:pPr lvl="1"/>
+            <a:r>
+              <a:rPr lang="en-US" dirty="0"/>
+              <a:t>We can avoid writing code to simulate what other structures do naturally. </a:t>
+            </a:r>
           </a:p>
         </p:txBody>
       </p:sp>
     </p:spTree>
     <p:extLst>
       <p:ext uri="{BB962C8B-B14F-4D97-AF65-F5344CB8AC3E}">
-        <p14:creationId xmlns:p14="http://schemas.microsoft.com/office/powerpoint/2010/main" val="1151708120"/>
+        <p14:creationId xmlns:p14="http://schemas.microsoft.com/office/powerpoint/2010/main" val="528216997"/>
       </p:ext>
     </p:extLst>
   </p:cSld>
@@ -5348,7 +6726,7 @@
 </p:sld>
 </file>
 
-<file path=ppt/slides/slide20.xml><?xml version="1.0" encoding="utf-8"?>
+<file path=ppt/slides/slide28.xml><?xml version="1.0" encoding="utf-8"?>
 <p:sld xmlns:a="http://schemas.openxmlformats.org/drawingml/2006/main" xmlns:r="http://schemas.openxmlformats.org/officeDocument/2006/relationships" xmlns:p="http://schemas.openxmlformats.org/presentationml/2006/main">
   <p:cSld>
     <p:spTree>
@@ -5370,7 +6748,7 @@
           <p:cNvPr id="2" name="Title 1">
             <a:extLst>
               <a:ext uri="{FF2B5EF4-FFF2-40B4-BE49-F238E27FC236}">
-                <a16:creationId xmlns:a16="http://schemas.microsoft.com/office/drawing/2014/main" id="{425BD8F5-3443-3130-BCB4-06171E5C092A}"/>
+                <a16:creationId xmlns:a16="http://schemas.microsoft.com/office/drawing/2014/main" id="{C4360374-E0CF-E0D8-1DB8-AC6F308DAE45}"/>
               </a:ext>
             </a:extLst>
           </p:cNvPr>
@@ -5388,7 +6766,7 @@
           <a:p>
             <a:r>
               <a:rPr lang="en-US" dirty="0"/>
-              <a:t>Data Structure Selection</a:t>
+              <a:t>Search, Sort, Structure, Selection</a:t>
             </a:r>
           </a:p>
         </p:txBody>
@@ -5398,7 +6776,7 @@
           <p:cNvPr id="3" name="Content Placeholder 2">
             <a:extLst>
               <a:ext uri="{FF2B5EF4-FFF2-40B4-BE49-F238E27FC236}">
-                <a16:creationId xmlns:a16="http://schemas.microsoft.com/office/drawing/2014/main" id="{520C7552-A26E-7D9F-0E7F-54E950979308}"/>
+                <a16:creationId xmlns:a16="http://schemas.microsoft.com/office/drawing/2014/main" id="{A29AB588-E58C-A626-58A9-BA462E0412BA}"/>
               </a:ext>
             </a:extLst>
           </p:cNvPr>
@@ -5421,60 +6799,84 @@
           <a:p>
             <a:r>
               <a:rPr lang="en-US" dirty="0"/>
-              <a:t>What we need to do with data determines the correct choice of how to store it. </a:t>
-            </a:r>
-          </a:p>
-          <a:p>
-            <a:r>
-              <a:rPr lang="en-US" dirty="0"/>
-              <a:t>For us in DS, we use DF and arrays, moving to specialized things as data grows. </a:t>
-            </a:r>
-          </a:p>
-          <a:p>
-            <a:r>
-              <a:rPr lang="en-US" dirty="0"/>
-              <a:t>For other scenarios, other demands dictate what to use:</a:t>
-            </a:r>
-          </a:p>
-          <a:p>
-            <a:pPr lvl="1"/>
-            <a:r>
-              <a:rPr lang="en-US" dirty="0"/>
-              <a:t>If things are constantly being added (people registering for a raffle) – a list is good. </a:t>
-            </a:r>
-          </a:p>
-          <a:p>
-            <a:pPr lvl="1"/>
-            <a:r>
-              <a:rPr lang="en-US" dirty="0"/>
-              <a:t>If we need to see unique items – a set is good. </a:t>
-            </a:r>
-          </a:p>
-          <a:p>
-            <a:pPr lvl="1"/>
-            <a:r>
-              <a:rPr lang="en-US" dirty="0"/>
-              <a:t>We need to do lots of math – an array is good. </a:t>
-            </a:r>
-          </a:p>
-          <a:p>
-            <a:pPr lvl="1"/>
-            <a:r>
-              <a:rPr lang="en-US" dirty="0"/>
-              <a:t>Frequent retrieval of arbitrary values – a dictionary may be good. </a:t>
-            </a:r>
-          </a:p>
-          <a:p>
-            <a:r>
-              <a:rPr lang="en-US" dirty="0"/>
-              <a:t>These structures are generally interchangeable, but using their strengths helps us. </a:t>
-            </a:r>
-          </a:p>
-          <a:p>
-            <a:pPr lvl="1"/>
-            <a:r>
-              <a:rPr lang="en-US" dirty="0"/>
-              <a:t>We can avoid writing code to simulate what other structures do naturally. </a:t>
+              <a:t>Choices on searching, sorting, and storing are both trivial and critical. </a:t>
+            </a:r>
+          </a:p>
+          <a:p>
+            <a:pPr lvl="1"/>
+            <a:r>
+              <a:rPr lang="en-US" dirty="0"/>
+              <a:t>For the most part, things will work fine with any option (especially in python). </a:t>
+            </a:r>
+          </a:p>
+          <a:p>
+            <a:pPr lvl="1"/>
+            <a:r>
+              <a:rPr lang="en-US" dirty="0"/>
+              <a:t>If we pick something that has worst case scenarios for your code, results can be slow. </a:t>
+            </a:r>
+          </a:p>
+          <a:p>
+            <a:r>
+              <a:rPr lang="en-US" dirty="0"/>
+              <a:t>This allows us to separate concern over making something, and concern on performance.</a:t>
+            </a:r>
+          </a:p>
+          <a:p>
+            <a:pPr lvl="1"/>
+            <a:r>
+              <a:rPr lang="en-US" dirty="0"/>
+              <a:t>Start with what works and makes sense, then evaluate if changes are needed. </a:t>
+            </a:r>
+          </a:p>
+          <a:p>
+            <a:pPr lvl="1"/>
+            <a:r>
+              <a:rPr lang="en-US" dirty="0"/>
+              <a:t>Performance is usually constrained by a few steps, often looping ones – target those. </a:t>
+            </a:r>
+          </a:p>
+          <a:p>
+            <a:r>
+              <a:rPr lang="en-US" dirty="0"/>
+              <a:t>The real-world constraints will define what to do (if they occur):</a:t>
+            </a:r>
+          </a:p>
+          <a:p>
+            <a:pPr lvl="1"/>
+            <a:r>
+              <a:rPr lang="en-US" dirty="0"/>
+              <a:t>In ds, we’ll hit limits on memory size, reading data from disk, preprocessing, and training. </a:t>
+            </a:r>
+          </a:p>
+          <a:p>
+            <a:pPr lvl="1"/>
+            <a:r>
+              <a:rPr lang="en-US" dirty="0"/>
+              <a:t>Other programs are likely limited by reading everything, mass updates, </a:t>
+            </a:r>
+            <a:r>
+              <a:rPr lang="en-US" dirty="0" err="1"/>
+              <a:t>etc</a:t>
+            </a:r>
+            <a:r>
+              <a:rPr lang="en-US" dirty="0"/>
+              <a:t>…</a:t>
+            </a:r>
+          </a:p>
+          <a:p>
+            <a:pPr lvl="1"/>
+            <a:r>
+              <a:rPr lang="en-US" dirty="0"/>
+              <a:t>Depending on </a:t>
+            </a:r>
+            <a:r>
+              <a:rPr lang="en-US" dirty="0" err="1"/>
+              <a:t>useage</a:t>
+            </a:r>
+            <a:r>
+              <a:rPr lang="en-US" dirty="0"/>
+              <a:t>, this can change – e.g. incoming data format for sorting. </a:t>
             </a:r>
           </a:p>
         </p:txBody>
@@ -5482,7 +6884,7 @@
     </p:spTree>
     <p:extLst>
       <p:ext uri="{BB962C8B-B14F-4D97-AF65-F5344CB8AC3E}">
-        <p14:creationId xmlns:p14="http://schemas.microsoft.com/office/powerpoint/2010/main" val="528216997"/>
+        <p14:creationId xmlns:p14="http://schemas.microsoft.com/office/powerpoint/2010/main" val="2449891106"/>
       </p:ext>
     </p:extLst>
   </p:cSld>
@@ -5492,7 +6894,7 @@
 </p:sld>
 </file>
 
-<file path=ppt/slides/slide21.xml><?xml version="1.0" encoding="utf-8"?>
+<file path=ppt/slides/slide29.xml><?xml version="1.0" encoding="utf-8"?>
 <p:sld xmlns:a="http://schemas.openxmlformats.org/drawingml/2006/main" xmlns:r="http://schemas.openxmlformats.org/officeDocument/2006/relationships" xmlns:p="http://schemas.openxmlformats.org/presentationml/2006/main">
   <p:cSld>
     <p:spTree>
@@ -5514,6 +6916,776 @@
           <p:cNvPr id="2" name="Title 1">
             <a:extLst>
               <a:ext uri="{FF2B5EF4-FFF2-40B4-BE49-F238E27FC236}">
+                <a16:creationId xmlns:a16="http://schemas.microsoft.com/office/drawing/2014/main" id="{991BD142-6B0C-23B7-0ECC-D64310D7E4CC}"/>
+              </a:ext>
+            </a:extLst>
+          </p:cNvPr>
+          <p:cNvSpPr>
+            <a:spLocks noGrp="1"/>
+          </p:cNvSpPr>
+          <p:nvPr>
+            <p:ph type="title"/>
+          </p:nvPr>
+        </p:nvSpPr>
+        <p:spPr/>
+        <p:txBody>
+          <a:bodyPr/>
+          <a:lstStyle/>
+          <a:p>
+            <a:r>
+              <a:rPr lang="en-US" dirty="0"/>
+              <a:t>Generators</a:t>
+            </a:r>
+          </a:p>
+        </p:txBody>
+      </p:sp>
+      <p:sp>
+        <p:nvSpPr>
+          <p:cNvPr id="3" name="Content Placeholder 2">
+            <a:extLst>
+              <a:ext uri="{FF2B5EF4-FFF2-40B4-BE49-F238E27FC236}">
+                <a16:creationId xmlns:a16="http://schemas.microsoft.com/office/drawing/2014/main" id="{392FCE19-5771-776C-D8F6-A3A1E62E705B}"/>
+              </a:ext>
+            </a:extLst>
+          </p:cNvPr>
+          <p:cNvSpPr>
+            <a:spLocks noGrp="1"/>
+          </p:cNvSpPr>
+          <p:nvPr>
+            <p:ph idx="1"/>
+          </p:nvPr>
+        </p:nvSpPr>
+        <p:spPr>
+          <a:xfrm>
+            <a:off x="1451579" y="1853754"/>
+            <a:ext cx="9603275" cy="4199727"/>
+          </a:xfrm>
+        </p:spPr>
+        <p:txBody>
+          <a:bodyPr>
+            <a:normAutofit lnSpcReduction="10000"/>
+          </a:bodyPr>
+          <a:lstStyle/>
+          <a:p>
+            <a:r>
+              <a:rPr lang="en-US" dirty="0"/>
+              <a:t>Brief note on generators… a different way to do the same things. </a:t>
+            </a:r>
+          </a:p>
+          <a:p>
+            <a:pPr lvl="1"/>
+            <a:r>
+              <a:rPr lang="en-US" dirty="0"/>
+              <a:t>Good example of interchangeable objects. </a:t>
+            </a:r>
+          </a:p>
+          <a:p>
+            <a:r>
+              <a:rPr lang="en-US" dirty="0"/>
+              <a:t>Generators are a data-structure adjacent type of structure. </a:t>
+            </a:r>
+          </a:p>
+          <a:p>
+            <a:pPr lvl="1"/>
+            <a:r>
+              <a:rPr lang="en-US" dirty="0"/>
+              <a:t>They provide data to a loop, function, whatever…</a:t>
+            </a:r>
+          </a:p>
+          <a:p>
+            <a:pPr lvl="1"/>
+            <a:r>
+              <a:rPr lang="en-US" dirty="0"/>
+              <a:t>Generators work like any other </a:t>
+            </a:r>
+            <a:r>
+              <a:rPr lang="en-US" dirty="0" err="1"/>
+              <a:t>iterable</a:t>
+            </a:r>
+            <a:r>
+              <a:rPr lang="en-US" dirty="0"/>
+              <a:t> from a user’s perspective. </a:t>
+            </a:r>
+          </a:p>
+          <a:p>
+            <a:r>
+              <a:rPr lang="en-US" dirty="0"/>
+              <a:t>They don’t hold the data like a data structure does, they gather it as it is demanded. </a:t>
+            </a:r>
+          </a:p>
+          <a:p>
+            <a:pPr lvl="1"/>
+            <a:r>
+              <a:rPr lang="en-US" dirty="0"/>
+              <a:t>I.e. a generator will read data from disk, but only a chunk at a time, such as each loop. </a:t>
+            </a:r>
+          </a:p>
+          <a:p>
+            <a:pPr lvl="1"/>
+            <a:r>
+              <a:rPr lang="en-US" dirty="0"/>
+              <a:t>A data structure would have all data read into it, then used in the loop. </a:t>
+            </a:r>
+          </a:p>
+          <a:p>
+            <a:r>
+              <a:rPr lang="en-US" dirty="0"/>
+              <a:t>Why? Generally to make things faster when the data is large. </a:t>
+            </a:r>
+          </a:p>
+          <a:p>
+            <a:pPr lvl="1"/>
+            <a:r>
+              <a:rPr lang="en-US" dirty="0"/>
+              <a:t>If data &gt; memory we can’t load it all, or we can have disk access ‘timed’ for efficiency. </a:t>
+            </a:r>
+          </a:p>
+        </p:txBody>
+      </p:sp>
+    </p:spTree>
+    <p:extLst>
+      <p:ext uri="{BB962C8B-B14F-4D97-AF65-F5344CB8AC3E}">
+        <p14:creationId xmlns:p14="http://schemas.microsoft.com/office/powerpoint/2010/main" val="1500232641"/>
+      </p:ext>
+    </p:extLst>
+  </p:cSld>
+  <p:clrMapOvr>
+    <a:masterClrMapping/>
+  </p:clrMapOvr>
+</p:sld>
+</file>
+
+<file path=ppt/slides/slide3.xml><?xml version="1.0" encoding="utf-8"?>
+<p:sld xmlns:a="http://schemas.openxmlformats.org/drawingml/2006/main" xmlns:r="http://schemas.openxmlformats.org/officeDocument/2006/relationships" xmlns:p="http://schemas.openxmlformats.org/presentationml/2006/main">
+  <p:cSld>
+    <p:spTree>
+      <p:nvGrpSpPr>
+        <p:cNvPr id="1" name=""/>
+        <p:cNvGrpSpPr/>
+        <p:nvPr/>
+      </p:nvGrpSpPr>
+      <p:grpSpPr>
+        <a:xfrm>
+          <a:off x="0" y="0"/>
+          <a:ext cx="0" cy="0"/>
+          <a:chOff x="0" y="0"/>
+          <a:chExt cx="0" cy="0"/>
+        </a:xfrm>
+      </p:grpSpPr>
+      <p:sp>
+        <p:nvSpPr>
+          <p:cNvPr id="2" name="Title 1">
+            <a:extLst>
+              <a:ext uri="{FF2B5EF4-FFF2-40B4-BE49-F238E27FC236}">
+                <a16:creationId xmlns:a16="http://schemas.microsoft.com/office/drawing/2014/main" id="{31CCD820-E225-7346-947A-A7F52CA256DB}"/>
+              </a:ext>
+            </a:extLst>
+          </p:cNvPr>
+          <p:cNvSpPr>
+            <a:spLocks noGrp="1"/>
+          </p:cNvSpPr>
+          <p:nvPr>
+            <p:ph type="title"/>
+          </p:nvPr>
+        </p:nvSpPr>
+        <p:spPr/>
+        <p:txBody>
+          <a:bodyPr/>
+          <a:lstStyle/>
+          <a:p>
+            <a:r>
+              <a:rPr lang="en-US" dirty="0"/>
+              <a:t>From Here on Out…</a:t>
+            </a:r>
+          </a:p>
+        </p:txBody>
+      </p:sp>
+      <p:sp>
+        <p:nvSpPr>
+          <p:cNvPr id="3" name="Content Placeholder 2">
+            <a:extLst>
+              <a:ext uri="{FF2B5EF4-FFF2-40B4-BE49-F238E27FC236}">
+                <a16:creationId xmlns:a16="http://schemas.microsoft.com/office/drawing/2014/main" id="{3980AAEE-D749-4E0D-9C60-E3228942C14F}"/>
+              </a:ext>
+            </a:extLst>
+          </p:cNvPr>
+          <p:cNvSpPr>
+            <a:spLocks noGrp="1"/>
+          </p:cNvSpPr>
+          <p:nvPr>
+            <p:ph idx="1"/>
+          </p:nvPr>
+        </p:nvSpPr>
+        <p:spPr>
+          <a:xfrm>
+            <a:off x="1451579" y="1853754"/>
+            <a:ext cx="9868462" cy="4199727"/>
+          </a:xfrm>
+        </p:spPr>
+        <p:txBody>
+          <a:bodyPr/>
+          <a:lstStyle/>
+          <a:p>
+            <a:r>
+              <a:rPr lang="en-US" dirty="0"/>
+              <a:t>Solidify code skills:</a:t>
+            </a:r>
+          </a:p>
+          <a:p>
+            <a:pPr lvl="1"/>
+            <a:r>
+              <a:rPr lang="en-US" dirty="0"/>
+              <a:t>Most directly required: making/using functions, manipulating data structures (</a:t>
+            </a:r>
+            <a:r>
+              <a:rPr lang="en-US" dirty="0" err="1"/>
+              <a:t>df</a:t>
+            </a:r>
+            <a:r>
+              <a:rPr lang="en-US" dirty="0"/>
+              <a:t>/series/array), </a:t>
+            </a:r>
+            <a:r>
+              <a:rPr lang="en-US" b="1" dirty="0"/>
+              <a:t>using libraries</a:t>
+            </a:r>
+            <a:r>
+              <a:rPr lang="en-US" dirty="0"/>
+              <a:t>, testing/troubleshooting. </a:t>
+            </a:r>
+          </a:p>
+          <a:p>
+            <a:pPr lvl="1"/>
+            <a:r>
+              <a:rPr lang="en-US" dirty="0"/>
+              <a:t>Workbooks and the think python book have review exercises at the end, these should be ok.</a:t>
+            </a:r>
+          </a:p>
+          <a:p>
+            <a:pPr lvl="1"/>
+            <a:r>
+              <a:rPr lang="en-US" dirty="0"/>
+              <a:t>Focus on trying to read from documentation and implement based on that. </a:t>
+            </a:r>
+          </a:p>
+          <a:p>
+            <a:pPr lvl="1"/>
+            <a:r>
+              <a:rPr lang="en-US" dirty="0"/>
+              <a:t>Read/review/ask/whatever to make sure that you’re reasonably comfortable. </a:t>
+            </a:r>
+          </a:p>
+          <a:p>
+            <a:r>
+              <a:rPr lang="en-US" dirty="0"/>
+              <a:t>Next week and week after we’ll do some pipelines (good self check) and then visualization. </a:t>
+            </a:r>
+          </a:p>
+          <a:p>
+            <a:pPr lvl="1"/>
+            <a:r>
+              <a:rPr lang="en-US" dirty="0"/>
+              <a:t>If there’s specifics that you need/want to cover/review, we can work them in. </a:t>
+            </a:r>
+          </a:p>
+          <a:p>
+            <a:r>
+              <a:rPr lang="en-US" dirty="0"/>
+              <a:t>Exam – code will be multiple inheritance (in some way). </a:t>
+            </a:r>
+          </a:p>
+        </p:txBody>
+      </p:sp>
+    </p:spTree>
+    <p:extLst>
+      <p:ext uri="{BB962C8B-B14F-4D97-AF65-F5344CB8AC3E}">
+        <p14:creationId xmlns:p14="http://schemas.microsoft.com/office/powerpoint/2010/main" val="1422341840"/>
+      </p:ext>
+    </p:extLst>
+  </p:cSld>
+  <p:clrMapOvr>
+    <a:masterClrMapping/>
+  </p:clrMapOvr>
+</p:sld>
+</file>
+
+<file path=ppt/slides/slide30.xml><?xml version="1.0" encoding="utf-8"?>
+<p:sld xmlns:a="http://schemas.openxmlformats.org/drawingml/2006/main" xmlns:r="http://schemas.openxmlformats.org/officeDocument/2006/relationships" xmlns:p="http://schemas.openxmlformats.org/presentationml/2006/main">
+  <p:cSld>
+    <p:spTree>
+      <p:nvGrpSpPr>
+        <p:cNvPr id="1" name=""/>
+        <p:cNvGrpSpPr/>
+        <p:nvPr/>
+      </p:nvGrpSpPr>
+      <p:grpSpPr>
+        <a:xfrm>
+          <a:off x="0" y="0"/>
+          <a:ext cx="0" cy="0"/>
+          <a:chOff x="0" y="0"/>
+          <a:chExt cx="0" cy="0"/>
+        </a:xfrm>
+      </p:grpSpPr>
+      <p:sp>
+        <p:nvSpPr>
+          <p:cNvPr id="2" name="Title 1">
+            <a:extLst>
+              <a:ext uri="{FF2B5EF4-FFF2-40B4-BE49-F238E27FC236}">
+                <a16:creationId xmlns:a16="http://schemas.microsoft.com/office/drawing/2014/main" id="{84063807-5828-8AB4-9AD3-CF80CC9AAFF1}"/>
+              </a:ext>
+            </a:extLst>
+          </p:cNvPr>
+          <p:cNvSpPr>
+            <a:spLocks noGrp="1"/>
+          </p:cNvSpPr>
+          <p:nvPr>
+            <p:ph type="title"/>
+          </p:nvPr>
+        </p:nvSpPr>
+        <p:spPr/>
+        <p:txBody>
+          <a:bodyPr/>
+          <a:lstStyle/>
+          <a:p>
+            <a:endParaRPr lang="en-US"/>
+          </a:p>
+        </p:txBody>
+      </p:sp>
+      <p:sp>
+        <p:nvSpPr>
+          <p:cNvPr id="3" name="Content Placeholder 2">
+            <a:extLst>
+              <a:ext uri="{FF2B5EF4-FFF2-40B4-BE49-F238E27FC236}">
+                <a16:creationId xmlns:a16="http://schemas.microsoft.com/office/drawing/2014/main" id="{B145B7AC-0D02-2447-258F-1D26D1C050C3}"/>
+              </a:ext>
+            </a:extLst>
+          </p:cNvPr>
+          <p:cNvSpPr>
+            <a:spLocks noGrp="1"/>
+          </p:cNvSpPr>
+          <p:nvPr>
+            <p:ph idx="1"/>
+          </p:nvPr>
+        </p:nvSpPr>
+        <p:spPr/>
+        <p:txBody>
+          <a:bodyPr/>
+          <a:lstStyle/>
+          <a:p>
+            <a:endParaRPr lang="en-US"/>
+          </a:p>
+        </p:txBody>
+      </p:sp>
+      <p:pic>
+        <p:nvPicPr>
+          <p:cNvPr id="4098" name="Picture 2">
+            <a:extLst>
+              <a:ext uri="{FF2B5EF4-FFF2-40B4-BE49-F238E27FC236}">
+                <a16:creationId xmlns:a16="http://schemas.microsoft.com/office/drawing/2014/main" id="{1C68F363-A87B-B88A-D6A2-DACAD5ECA440}"/>
+              </a:ext>
+            </a:extLst>
+          </p:cNvPr>
+          <p:cNvPicPr>
+            <a:picLocks noChangeAspect="1" noChangeArrowheads="1"/>
+          </p:cNvPicPr>
+          <p:nvPr/>
+        </p:nvPicPr>
+        <p:blipFill>
+          <a:blip r:embed="rId2">
+            <a:extLst>
+              <a:ext uri="{28A0092B-C50C-407E-A947-70E740481C1C}">
+                <a14:useLocalDpi xmlns:a14="http://schemas.microsoft.com/office/drawing/2010/main" val="0"/>
+              </a:ext>
+            </a:extLst>
+          </a:blip>
+          <a:srcRect/>
+          <a:stretch>
+            <a:fillRect/>
+          </a:stretch>
+        </p:blipFill>
+        <p:spPr bwMode="auto">
+          <a:xfrm>
+            <a:off x="0" y="677863"/>
+            <a:ext cx="12192000" cy="5502275"/>
+          </a:xfrm>
+          <a:prstGeom prst="rect">
+            <a:avLst/>
+          </a:prstGeom>
+          <a:noFill/>
+          <a:extLst>
+            <a:ext uri="{909E8E84-426E-40DD-AFC4-6F175D3DCCD1}">
+              <a14:hiddenFill xmlns:a14="http://schemas.microsoft.com/office/drawing/2010/main">
+                <a:solidFill>
+                  <a:srgbClr val="FFFFFF"/>
+                </a:solidFill>
+              </a14:hiddenFill>
+            </a:ext>
+          </a:extLst>
+        </p:spPr>
+      </p:pic>
+    </p:spTree>
+    <p:extLst>
+      <p:ext uri="{BB962C8B-B14F-4D97-AF65-F5344CB8AC3E}">
+        <p14:creationId xmlns:p14="http://schemas.microsoft.com/office/powerpoint/2010/main" val="663518089"/>
+      </p:ext>
+    </p:extLst>
+  </p:cSld>
+  <p:clrMapOvr>
+    <a:masterClrMapping/>
+  </p:clrMapOvr>
+</p:sld>
+</file>
+
+<file path=ppt/slides/slide31.xml><?xml version="1.0" encoding="utf-8"?>
+<p:sld xmlns:a="http://schemas.openxmlformats.org/drawingml/2006/main" xmlns:r="http://schemas.openxmlformats.org/officeDocument/2006/relationships" xmlns:p="http://schemas.openxmlformats.org/presentationml/2006/main">
+  <p:cSld>
+    <p:bg>
+      <p:bgPr>
+        <a:gradFill rotWithShape="1">
+          <a:gsLst>
+            <a:gs pos="0">
+              <a:schemeClr val="bg2">
+                <a:tint val="94000"/>
+                <a:satMod val="80000"/>
+                <a:lumMod val="106000"/>
+              </a:schemeClr>
+            </a:gs>
+            <a:gs pos="100000">
+              <a:schemeClr val="bg2">
+                <a:shade val="80000"/>
+              </a:schemeClr>
+            </a:gs>
+          </a:gsLst>
+          <a:path path="circle">
+            <a:fillToRect l="43000" r="43000" b="100000"/>
+          </a:path>
+        </a:gradFill>
+        <a:effectLst/>
+      </p:bgPr>
+    </p:bg>
+    <p:spTree>
+      <p:nvGrpSpPr>
+        <p:cNvPr id="1" name=""/>
+        <p:cNvGrpSpPr/>
+        <p:nvPr/>
+      </p:nvGrpSpPr>
+      <p:grpSpPr>
+        <a:xfrm>
+          <a:off x="0" y="0"/>
+          <a:ext cx="0" cy="0"/>
+          <a:chOff x="0" y="0"/>
+          <a:chExt cx="0" cy="0"/>
+        </a:xfrm>
+      </p:grpSpPr>
+      <p:sp>
+        <p:nvSpPr>
+          <p:cNvPr id="2" name="Title 1">
+            <a:extLst>
+              <a:ext uri="{FF2B5EF4-FFF2-40B4-BE49-F238E27FC236}">
+                <a16:creationId xmlns:a16="http://schemas.microsoft.com/office/drawing/2014/main" id="{E4CBE71F-A18E-2D2C-A838-870DA0293E33}"/>
+              </a:ext>
+            </a:extLst>
+          </p:cNvPr>
+          <p:cNvSpPr>
+            <a:spLocks noGrp="1"/>
+          </p:cNvSpPr>
+          <p:nvPr>
+            <p:ph type="title"/>
+          </p:nvPr>
+        </p:nvSpPr>
+        <p:spPr>
+          <a:xfrm>
+            <a:off x="1451579" y="804519"/>
+            <a:ext cx="9603275" cy="1049235"/>
+          </a:xfrm>
+        </p:spPr>
+        <p:txBody>
+          <a:bodyPr>
+            <a:normAutofit/>
+          </a:bodyPr>
+          <a:lstStyle/>
+          <a:p>
+            <a:r>
+              <a:rPr lang="en-US" dirty="0"/>
+              <a:t>Generator Parts</a:t>
+            </a:r>
+          </a:p>
+        </p:txBody>
+      </p:sp>
+      <p:sp>
+        <p:nvSpPr>
+          <p:cNvPr id="3" name="Content Placeholder 2">
+            <a:extLst>
+              <a:ext uri="{FF2B5EF4-FFF2-40B4-BE49-F238E27FC236}">
+                <a16:creationId xmlns:a16="http://schemas.microsoft.com/office/drawing/2014/main" id="{E6823609-2B77-47C8-A094-DCAF761F29F5}"/>
+              </a:ext>
+            </a:extLst>
+          </p:cNvPr>
+          <p:cNvSpPr>
+            <a:spLocks noGrp="1"/>
+          </p:cNvSpPr>
+          <p:nvPr>
+            <p:ph idx="1"/>
+          </p:nvPr>
+        </p:nvSpPr>
+        <p:spPr>
+          <a:xfrm>
+            <a:off x="277792" y="1853754"/>
+            <a:ext cx="5816619" cy="4199727"/>
+          </a:xfrm>
+        </p:spPr>
+        <p:txBody>
+          <a:bodyPr>
+            <a:normAutofit/>
+          </a:bodyPr>
+          <a:lstStyle/>
+          <a:p>
+            <a:r>
+              <a:rPr lang="en-US" dirty="0"/>
+              <a:t>Generators generate through the yield keyword. </a:t>
+            </a:r>
+          </a:p>
+          <a:p>
+            <a:r>
+              <a:rPr lang="en-US" dirty="0"/>
+              <a:t>Typically something similar to this. </a:t>
+            </a:r>
+          </a:p>
+          <a:p>
+            <a:r>
+              <a:rPr lang="en-US" dirty="0"/>
+              <a:t>Can build in any action we need:</a:t>
+            </a:r>
+          </a:p>
+          <a:p>
+            <a:pPr lvl="1"/>
+            <a:r>
+              <a:rPr lang="en-US" dirty="0"/>
+              <a:t>Processing like the strip() command. </a:t>
+            </a:r>
+          </a:p>
+          <a:p>
+            <a:pPr lvl="1"/>
+            <a:r>
+              <a:rPr lang="en-US" dirty="0"/>
+              <a:t>E.g. clean data, transform images to different format, pull a chunk of stuff from a database, </a:t>
+            </a:r>
+            <a:r>
+              <a:rPr lang="en-US" dirty="0" err="1"/>
+              <a:t>etc</a:t>
+            </a:r>
+            <a:r>
+              <a:rPr lang="en-US" dirty="0"/>
+              <a:t>…</a:t>
+            </a:r>
+          </a:p>
+          <a:p>
+            <a:pPr lvl="1"/>
+            <a:r>
+              <a:rPr lang="en-US" dirty="0"/>
+              <a:t>This will happen one chunk at a time, not all </a:t>
+            </a:r>
+            <a:r>
+              <a:rPr lang="en-US"/>
+              <a:t>at once.</a:t>
+            </a:r>
+            <a:endParaRPr lang="en-US" dirty="0"/>
+          </a:p>
+          <a:p>
+            <a:endParaRPr lang="en-US" dirty="0"/>
+          </a:p>
+        </p:txBody>
+      </p:sp>
+      <p:pic>
+        <p:nvPicPr>
+          <p:cNvPr id="4" name="Picture 3">
+            <a:extLst>
+              <a:ext uri="{FF2B5EF4-FFF2-40B4-BE49-F238E27FC236}">
+                <a16:creationId xmlns:a16="http://schemas.microsoft.com/office/drawing/2014/main" id="{C296F7D2-A042-756F-5641-76EA1D28203B}"/>
+              </a:ext>
+            </a:extLst>
+          </p:cNvPr>
+          <p:cNvPicPr>
+            <a:picLocks noChangeAspect="1"/>
+          </p:cNvPicPr>
+          <p:nvPr/>
+        </p:nvPicPr>
+        <p:blipFill>
+          <a:blip r:embed="rId2"/>
+          <a:stretch>
+            <a:fillRect/>
+          </a:stretch>
+        </p:blipFill>
+        <p:spPr>
+          <a:xfrm>
+            <a:off x="6094411" y="2152892"/>
+            <a:ext cx="6089655" cy="2679446"/>
+          </a:xfrm>
+          <a:prstGeom prst="rect">
+            <a:avLst/>
+          </a:prstGeom>
+        </p:spPr>
+      </p:pic>
+    </p:spTree>
+    <p:extLst>
+      <p:ext uri="{BB962C8B-B14F-4D97-AF65-F5344CB8AC3E}">
+        <p14:creationId xmlns:p14="http://schemas.microsoft.com/office/powerpoint/2010/main" val="334451016"/>
+      </p:ext>
+    </p:extLst>
+  </p:cSld>
+  <p:clrMapOvr>
+    <a:masterClrMapping/>
+  </p:clrMapOvr>
+</p:sld>
+</file>
+
+<file path=ppt/slides/slide32.xml><?xml version="1.0" encoding="utf-8"?>
+<p:sld xmlns:a="http://schemas.openxmlformats.org/drawingml/2006/main" xmlns:r="http://schemas.openxmlformats.org/officeDocument/2006/relationships" xmlns:p="http://schemas.openxmlformats.org/presentationml/2006/main">
+  <p:cSld>
+    <p:spTree>
+      <p:nvGrpSpPr>
+        <p:cNvPr id="1" name=""/>
+        <p:cNvGrpSpPr/>
+        <p:nvPr/>
+      </p:nvGrpSpPr>
+      <p:grpSpPr>
+        <a:xfrm>
+          <a:off x="0" y="0"/>
+          <a:ext cx="0" cy="0"/>
+          <a:chOff x="0" y="0"/>
+          <a:chExt cx="0" cy="0"/>
+        </a:xfrm>
+      </p:grpSpPr>
+      <p:sp>
+        <p:nvSpPr>
+          <p:cNvPr id="2" name="Title 1">
+            <a:extLst>
+              <a:ext uri="{FF2B5EF4-FFF2-40B4-BE49-F238E27FC236}">
+                <a16:creationId xmlns:a16="http://schemas.microsoft.com/office/drawing/2014/main" id="{8CD562F6-9828-BD5B-1532-651490E18E3E}"/>
+              </a:ext>
+            </a:extLst>
+          </p:cNvPr>
+          <p:cNvSpPr>
+            <a:spLocks noGrp="1"/>
+          </p:cNvSpPr>
+          <p:nvPr>
+            <p:ph type="title"/>
+          </p:nvPr>
+        </p:nvSpPr>
+        <p:spPr/>
+        <p:txBody>
+          <a:bodyPr/>
+          <a:lstStyle/>
+          <a:p>
+            <a:r>
+              <a:rPr lang="en-US" dirty="0"/>
+              <a:t>In Data Science…</a:t>
+            </a:r>
+          </a:p>
+        </p:txBody>
+      </p:sp>
+      <p:sp>
+        <p:nvSpPr>
+          <p:cNvPr id="3" name="Content Placeholder 2">
+            <a:extLst>
+              <a:ext uri="{FF2B5EF4-FFF2-40B4-BE49-F238E27FC236}">
+                <a16:creationId xmlns:a16="http://schemas.microsoft.com/office/drawing/2014/main" id="{75C4CEDB-E5F8-241F-9EE6-199763C6213D}"/>
+              </a:ext>
+            </a:extLst>
+          </p:cNvPr>
+          <p:cNvSpPr>
+            <a:spLocks noGrp="1"/>
+          </p:cNvSpPr>
+          <p:nvPr>
+            <p:ph idx="1"/>
+          </p:nvPr>
+        </p:nvSpPr>
+        <p:spPr>
+          <a:xfrm>
+            <a:off x="1451579" y="2015732"/>
+            <a:ext cx="9603275" cy="4037749"/>
+          </a:xfrm>
+        </p:spPr>
+        <p:txBody>
+          <a:bodyPr/>
+          <a:lstStyle/>
+          <a:p>
+            <a:r>
+              <a:rPr lang="en-US" dirty="0"/>
+              <a:t>In data science, these considerations mainly come up with accessing data. </a:t>
+            </a:r>
+          </a:p>
+          <a:p>
+            <a:pPr lvl="1"/>
+            <a:r>
+              <a:rPr lang="en-US" dirty="0"/>
+              <a:t>E.g. a dataset that is many GB, thousands of images, video, </a:t>
+            </a:r>
+            <a:r>
+              <a:rPr lang="en-US" dirty="0" err="1"/>
+              <a:t>etc</a:t>
+            </a:r>
+            <a:r>
+              <a:rPr lang="en-US" dirty="0"/>
+              <a:t>…</a:t>
+            </a:r>
+          </a:p>
+          <a:p>
+            <a:r>
+              <a:rPr lang="en-US" dirty="0"/>
+              <a:t>Sorting (or splitting) data can be a substantial time commitment. </a:t>
+            </a:r>
+          </a:p>
+          <a:p>
+            <a:pPr lvl="1"/>
+            <a:r>
+              <a:rPr lang="en-US" dirty="0"/>
+              <a:t>Need to minimize and/or plan for accessing data efficiently. </a:t>
+            </a:r>
+          </a:p>
+          <a:p>
+            <a:r>
+              <a:rPr lang="en-US" dirty="0"/>
+              <a:t>“Organizing” data in any way is something that you want to do, at most, once. </a:t>
+            </a:r>
+          </a:p>
+        </p:txBody>
+      </p:sp>
+    </p:spTree>
+    <p:extLst>
+      <p:ext uri="{BB962C8B-B14F-4D97-AF65-F5344CB8AC3E}">
+        <p14:creationId xmlns:p14="http://schemas.microsoft.com/office/powerpoint/2010/main" val="1083916237"/>
+      </p:ext>
+    </p:extLst>
+  </p:cSld>
+  <p:clrMapOvr>
+    <a:masterClrMapping/>
+  </p:clrMapOvr>
+</p:sld>
+</file>
+
+<file path=ppt/slides/slide33.xml><?xml version="1.0" encoding="utf-8"?>
+<p:sld xmlns:a="http://schemas.openxmlformats.org/drawingml/2006/main" xmlns:r="http://schemas.openxmlformats.org/officeDocument/2006/relationships" xmlns:p="http://schemas.openxmlformats.org/presentationml/2006/main">
+  <p:cSld>
+    <p:spTree>
+      <p:nvGrpSpPr>
+        <p:cNvPr id="1" name=""/>
+        <p:cNvGrpSpPr/>
+        <p:nvPr/>
+      </p:nvGrpSpPr>
+      <p:grpSpPr>
+        <a:xfrm>
+          <a:off x="0" y="0"/>
+          <a:ext cx="0" cy="0"/>
+          <a:chOff x="0" y="0"/>
+          <a:chExt cx="0" cy="0"/>
+        </a:xfrm>
+      </p:grpSpPr>
+      <p:sp>
+        <p:nvSpPr>
+          <p:cNvPr id="2" name="Title 1">
+            <a:extLst>
+              <a:ext uri="{FF2B5EF4-FFF2-40B4-BE49-F238E27FC236}">
                 <a16:creationId xmlns:a16="http://schemas.microsoft.com/office/drawing/2014/main" id="{432ADB98-8C40-B584-3370-303994B6EEB0}"/>
               </a:ext>
             </a:extLst>
@@ -5645,7 +7817,90 @@
 </p:sld>
 </file>
 
-<file path=ppt/slides/slide3.xml><?xml version="1.0" encoding="utf-8"?>
+<file path=ppt/slides/slide4.xml><?xml version="1.0" encoding="utf-8"?>
+<p:sld xmlns:a="http://schemas.openxmlformats.org/drawingml/2006/main" xmlns:r="http://schemas.openxmlformats.org/officeDocument/2006/relationships" xmlns:p="http://schemas.openxmlformats.org/presentationml/2006/main">
+  <p:cSld>
+    <p:spTree>
+      <p:nvGrpSpPr>
+        <p:cNvPr id="1" name=""/>
+        <p:cNvGrpSpPr/>
+        <p:nvPr/>
+      </p:nvGrpSpPr>
+      <p:grpSpPr>
+        <a:xfrm>
+          <a:off x="0" y="0"/>
+          <a:ext cx="0" cy="0"/>
+          <a:chOff x="0" y="0"/>
+          <a:chExt cx="0" cy="0"/>
+        </a:xfrm>
+      </p:grpSpPr>
+      <p:sp>
+        <p:nvSpPr>
+          <p:cNvPr id="2" name="Title 1">
+            <a:extLst>
+              <a:ext uri="{FF2B5EF4-FFF2-40B4-BE49-F238E27FC236}">
+                <a16:creationId xmlns:a16="http://schemas.microsoft.com/office/drawing/2014/main" id="{9C18453F-5C6F-1BE8-DE22-C5FB0B446DA8}"/>
+              </a:ext>
+            </a:extLst>
+          </p:cNvPr>
+          <p:cNvSpPr>
+            <a:spLocks noGrp="1"/>
+          </p:cNvSpPr>
+          <p:nvPr>
+            <p:ph type="ctrTitle"/>
+          </p:nvPr>
+        </p:nvSpPr>
+        <p:spPr/>
+        <p:txBody>
+          <a:bodyPr/>
+          <a:lstStyle/>
+          <a:p>
+            <a:r>
+              <a:rPr lang="en-US" dirty="0"/>
+              <a:t>Searching, Sorting, and Stuff</a:t>
+            </a:r>
+          </a:p>
+        </p:txBody>
+      </p:sp>
+      <p:sp>
+        <p:nvSpPr>
+          <p:cNvPr id="3" name="Subtitle 2">
+            <a:extLst>
+              <a:ext uri="{FF2B5EF4-FFF2-40B4-BE49-F238E27FC236}">
+                <a16:creationId xmlns:a16="http://schemas.microsoft.com/office/drawing/2014/main" id="{87BC3A2E-9159-2215-5197-58F01DBD33E6}"/>
+              </a:ext>
+            </a:extLst>
+          </p:cNvPr>
+          <p:cNvSpPr>
+            <a:spLocks noGrp="1"/>
+          </p:cNvSpPr>
+          <p:nvPr>
+            <p:ph type="subTitle" idx="1"/>
+          </p:nvPr>
+        </p:nvSpPr>
+        <p:spPr/>
+        <p:txBody>
+          <a:bodyPr/>
+          <a:lstStyle/>
+          <a:p>
+            <a:endParaRPr lang="en-US"/>
+          </a:p>
+        </p:txBody>
+      </p:sp>
+    </p:spTree>
+    <p:extLst>
+      <p:ext uri="{BB962C8B-B14F-4D97-AF65-F5344CB8AC3E}">
+        <p14:creationId xmlns:p14="http://schemas.microsoft.com/office/powerpoint/2010/main" val="1151708120"/>
+      </p:ext>
+    </p:extLst>
+  </p:cSld>
+  <p:clrMapOvr>
+    <a:masterClrMapping/>
+  </p:clrMapOvr>
+</p:sld>
+</file>
+
+<file path=ppt/slides/slide5.xml><?xml version="1.0" encoding="utf-8"?>
 <p:sld xmlns:a="http://schemas.openxmlformats.org/drawingml/2006/main" xmlns:r="http://schemas.openxmlformats.org/officeDocument/2006/relationships" xmlns:p="http://schemas.openxmlformats.org/presentationml/2006/main">
   <p:cSld>
     <p:spTree>
@@ -6342,7 +8597,129 @@
 </p:sld>
 </file>
 
-<file path=ppt/slides/slide4.xml><?xml version="1.0" encoding="utf-8"?>
+<file path=ppt/slides/slide6.xml><?xml version="1.0" encoding="utf-8"?>
+<p:sld xmlns:a="http://schemas.openxmlformats.org/drawingml/2006/main" xmlns:r="http://schemas.openxmlformats.org/officeDocument/2006/relationships" xmlns:p="http://schemas.openxmlformats.org/presentationml/2006/main">
+  <p:cSld>
+    <p:spTree>
+      <p:nvGrpSpPr>
+        <p:cNvPr id="1" name=""/>
+        <p:cNvGrpSpPr/>
+        <p:nvPr/>
+      </p:nvGrpSpPr>
+      <p:grpSpPr>
+        <a:xfrm>
+          <a:off x="0" y="0"/>
+          <a:ext cx="0" cy="0"/>
+          <a:chOff x="0" y="0"/>
+          <a:chExt cx="0" cy="0"/>
+        </a:xfrm>
+      </p:grpSpPr>
+      <p:sp>
+        <p:nvSpPr>
+          <p:cNvPr id="2" name="Title 1">
+            <a:extLst>
+              <a:ext uri="{FF2B5EF4-FFF2-40B4-BE49-F238E27FC236}">
+                <a16:creationId xmlns:a16="http://schemas.microsoft.com/office/drawing/2014/main" id="{9F07DF88-D874-515D-D2DC-ADD1BB7C24AA}"/>
+              </a:ext>
+            </a:extLst>
+          </p:cNvPr>
+          <p:cNvSpPr>
+            <a:spLocks noGrp="1"/>
+          </p:cNvSpPr>
+          <p:nvPr>
+            <p:ph type="title"/>
+          </p:nvPr>
+        </p:nvSpPr>
+        <p:spPr/>
+        <p:txBody>
+          <a:bodyPr/>
+          <a:lstStyle/>
+          <a:p>
+            <a:r>
+              <a:rPr lang="en-US" dirty="0"/>
+              <a:t>Sorting algorithms</a:t>
+            </a:r>
+          </a:p>
+        </p:txBody>
+      </p:sp>
+      <p:sp>
+        <p:nvSpPr>
+          <p:cNvPr id="3" name="Content Placeholder 2">
+            <a:extLst>
+              <a:ext uri="{FF2B5EF4-FFF2-40B4-BE49-F238E27FC236}">
+                <a16:creationId xmlns:a16="http://schemas.microsoft.com/office/drawing/2014/main" id="{C7230887-70BF-8A1B-9867-827B295E639A}"/>
+              </a:ext>
+            </a:extLst>
+          </p:cNvPr>
+          <p:cNvSpPr>
+            <a:spLocks noGrp="1"/>
+          </p:cNvSpPr>
+          <p:nvPr>
+            <p:ph idx="1"/>
+          </p:nvPr>
+        </p:nvSpPr>
+        <p:spPr>
+          <a:xfrm>
+            <a:off x="1451579" y="1853754"/>
+            <a:ext cx="9603275" cy="4199727"/>
+          </a:xfrm>
+        </p:spPr>
+        <p:txBody>
+          <a:bodyPr/>
+          <a:lstStyle/>
+          <a:p>
+            <a:r>
+              <a:rPr lang="en-US" dirty="0"/>
+              <a:t>Sorting algorithms are the passion project of the nerdiest grad students. </a:t>
+            </a:r>
+          </a:p>
+          <a:p>
+            <a:r>
+              <a:rPr lang="en-US" dirty="0"/>
+              <a:t>We have several different approaches to the idea of sorting. </a:t>
+            </a:r>
+          </a:p>
+          <a:p>
+            <a:r>
+              <a:rPr lang="en-US" dirty="0"/>
+              <a:t>Depending on the data that we have, different approaches might be more efficient. </a:t>
+            </a:r>
+          </a:p>
+          <a:p>
+            <a:r>
+              <a:rPr lang="en-US" dirty="0"/>
+              <a:t>Note, the details of the sort are independent of what less/greater/equals means. </a:t>
+            </a:r>
+          </a:p>
+          <a:p>
+            <a:pPr lvl="1"/>
+            <a:r>
+              <a:rPr lang="en-US" dirty="0"/>
+              <a:t>The definition of those comparisons in the object define that</a:t>
+            </a:r>
+          </a:p>
+          <a:p>
+            <a:r>
+              <a:rPr lang="en-US" dirty="0"/>
+              <a:t>All of these do the exact same thing, in different ways. </a:t>
+            </a:r>
+          </a:p>
+        </p:txBody>
+      </p:sp>
+    </p:spTree>
+    <p:extLst>
+      <p:ext uri="{BB962C8B-B14F-4D97-AF65-F5344CB8AC3E}">
+        <p14:creationId xmlns:p14="http://schemas.microsoft.com/office/powerpoint/2010/main" val="312889226"/>
+      </p:ext>
+    </p:extLst>
+  </p:cSld>
+  <p:clrMapOvr>
+    <a:masterClrMapping/>
+  </p:clrMapOvr>
+</p:sld>
+</file>
+
+<file path=ppt/slides/slide7.xml><?xml version="1.0" encoding="utf-8"?>
 <p:sld xmlns:a="http://schemas.openxmlformats.org/drawingml/2006/main" xmlns:r="http://schemas.openxmlformats.org/officeDocument/2006/relationships" xmlns:p="http://schemas.openxmlformats.org/presentationml/2006/main">
   <p:cSld>
     <p:spTree>
@@ -6501,7 +8878,7 @@
 </p:sld>
 </file>
 
-<file path=ppt/slides/slide5.xml><?xml version="1.0" encoding="utf-8"?>
+<file path=ppt/slides/slide8.xml><?xml version="1.0" encoding="utf-8"?>
 <p:sld xmlns:a="http://schemas.openxmlformats.org/drawingml/2006/main" xmlns:r="http://schemas.openxmlformats.org/officeDocument/2006/relationships" xmlns:p="http://schemas.openxmlformats.org/presentationml/2006/main">
   <p:cSld>
     <p:spTree>
@@ -6611,499 +8988,6 @@
 </p:sld>
 </file>
 
-<file path=ppt/slides/slide6.xml><?xml version="1.0" encoding="utf-8"?>
-<p:sld xmlns:a="http://schemas.openxmlformats.org/drawingml/2006/main" xmlns:r="http://schemas.openxmlformats.org/officeDocument/2006/relationships" xmlns:p="http://schemas.openxmlformats.org/presentationml/2006/main">
-  <p:cSld>
-    <p:spTree>
-      <p:nvGrpSpPr>
-        <p:cNvPr id="1" name=""/>
-        <p:cNvGrpSpPr/>
-        <p:nvPr/>
-      </p:nvGrpSpPr>
-      <p:grpSpPr>
-        <a:xfrm>
-          <a:off x="0" y="0"/>
-          <a:ext cx="0" cy="0"/>
-          <a:chOff x="0" y="0"/>
-          <a:chExt cx="0" cy="0"/>
-        </a:xfrm>
-      </p:grpSpPr>
-      <p:sp>
-        <p:nvSpPr>
-          <p:cNvPr id="2" name="Title 1">
-            <a:extLst>
-              <a:ext uri="{FF2B5EF4-FFF2-40B4-BE49-F238E27FC236}">
-                <a16:creationId xmlns:a16="http://schemas.microsoft.com/office/drawing/2014/main" id="{71687F3D-192C-84E1-1714-1CB53376EC48}"/>
-              </a:ext>
-            </a:extLst>
-          </p:cNvPr>
-          <p:cNvSpPr>
-            <a:spLocks noGrp="1"/>
-          </p:cNvSpPr>
-          <p:nvPr>
-            <p:ph type="title"/>
-          </p:nvPr>
-        </p:nvSpPr>
-        <p:spPr/>
-        <p:txBody>
-          <a:bodyPr/>
-          <a:lstStyle/>
-          <a:p>
-            <a:r>
-              <a:rPr lang="en-US" dirty="0"/>
-              <a:t>Selection Sort Performance</a:t>
-            </a:r>
-          </a:p>
-        </p:txBody>
-      </p:sp>
-      <p:sp>
-        <p:nvSpPr>
-          <p:cNvPr id="3" name="Content Placeholder 2">
-            <a:extLst>
-              <a:ext uri="{FF2B5EF4-FFF2-40B4-BE49-F238E27FC236}">
-                <a16:creationId xmlns:a16="http://schemas.microsoft.com/office/drawing/2014/main" id="{41ED2DC5-FD36-850A-E32B-C41B1324534D}"/>
-              </a:ext>
-            </a:extLst>
-          </p:cNvPr>
-          <p:cNvSpPr>
-            <a:spLocks noGrp="1"/>
-          </p:cNvSpPr>
-          <p:nvPr>
-            <p:ph idx="1"/>
-          </p:nvPr>
-        </p:nvSpPr>
-        <p:spPr>
-          <a:xfrm>
-            <a:off x="1451579" y="1853754"/>
-            <a:ext cx="9603275" cy="4294383"/>
-          </a:xfrm>
-        </p:spPr>
-        <p:txBody>
-          <a:bodyPr/>
-          <a:lstStyle/>
-          <a:p>
-            <a:r>
-              <a:rPr lang="en-US" dirty="0"/>
-              <a:t>We can think of the time that it takes to do this in terms of caparisons performed in the sorting process. </a:t>
-            </a:r>
-          </a:p>
-          <a:p>
-            <a:r>
-              <a:rPr lang="en-US" dirty="0"/>
-              <a:t>Selection sort steps:</a:t>
-            </a:r>
-          </a:p>
-          <a:p>
-            <a:pPr lvl="1"/>
-            <a:r>
-              <a:rPr lang="en-US" dirty="0"/>
-              <a:t>Finding the smallest element requires N-1 comparisons (each element against each other). </a:t>
-            </a:r>
-          </a:p>
-          <a:p>
-            <a:pPr lvl="1"/>
-            <a:r>
-              <a:rPr lang="en-US" dirty="0"/>
-              <a:t>Finding the next smallest requires N-2 (each against each item remaining). </a:t>
-            </a:r>
-          </a:p>
-          <a:p>
-            <a:pPr lvl="1"/>
-            <a:r>
-              <a:rPr lang="en-US" dirty="0"/>
-              <a:t>Next requires N-3….</a:t>
-            </a:r>
-          </a:p>
-          <a:p>
-            <a:r>
-              <a:rPr lang="en-US" dirty="0"/>
-              <a:t>As N grows we need to do ~N comparisons per item times ~N items. </a:t>
-            </a:r>
-          </a:p>
-          <a:p>
-            <a:r>
-              <a:rPr lang="en-US" dirty="0"/>
-              <a:t>The performance is N^2 or O(n2). </a:t>
-            </a:r>
-          </a:p>
-          <a:p>
-            <a:pPr lvl="1"/>
-            <a:r>
-              <a:rPr lang="en-US" dirty="0"/>
-              <a:t>This is an approximation, we ignore the details and focus on order of magnitude. </a:t>
-            </a:r>
-          </a:p>
-          <a:p>
-            <a:pPr lvl="1"/>
-            <a:r>
-              <a:rPr lang="en-US" dirty="0"/>
-              <a:t>This is probably pretty slow for large datasets…</a:t>
-            </a:r>
-          </a:p>
-        </p:txBody>
-      </p:sp>
-    </p:spTree>
-    <p:extLst>
-      <p:ext uri="{BB962C8B-B14F-4D97-AF65-F5344CB8AC3E}">
-        <p14:creationId xmlns:p14="http://schemas.microsoft.com/office/powerpoint/2010/main" val="56735384"/>
-      </p:ext>
-    </p:extLst>
-  </p:cSld>
-  <p:clrMapOvr>
-    <a:masterClrMapping/>
-  </p:clrMapOvr>
-</p:sld>
-</file>
-
-<file path=ppt/slides/slide7.xml><?xml version="1.0" encoding="utf-8"?>
-<p:sld xmlns:a="http://schemas.openxmlformats.org/drawingml/2006/main" xmlns:r="http://schemas.openxmlformats.org/officeDocument/2006/relationships" xmlns:p="http://schemas.openxmlformats.org/presentationml/2006/main">
-  <p:cSld>
-    <p:spTree>
-      <p:nvGrpSpPr>
-        <p:cNvPr id="1" name=""/>
-        <p:cNvGrpSpPr/>
-        <p:nvPr/>
-      </p:nvGrpSpPr>
-      <p:grpSpPr>
-        <a:xfrm>
-          <a:off x="0" y="0"/>
-          <a:ext cx="0" cy="0"/>
-          <a:chOff x="0" y="0"/>
-          <a:chExt cx="0" cy="0"/>
-        </a:xfrm>
-      </p:grpSpPr>
-      <p:sp>
-        <p:nvSpPr>
-          <p:cNvPr id="2" name="Title 1">
-            <a:extLst>
-              <a:ext uri="{FF2B5EF4-FFF2-40B4-BE49-F238E27FC236}">
-                <a16:creationId xmlns:a16="http://schemas.microsoft.com/office/drawing/2014/main" id="{C7961D86-7EF8-9E13-C7C0-0F7A1F5616F9}"/>
-              </a:ext>
-            </a:extLst>
-          </p:cNvPr>
-          <p:cNvSpPr>
-            <a:spLocks noGrp="1"/>
-          </p:cNvSpPr>
-          <p:nvPr>
-            <p:ph type="title"/>
-          </p:nvPr>
-        </p:nvSpPr>
-        <p:spPr>
-          <a:xfrm>
-            <a:off x="1435261" y="462987"/>
-            <a:ext cx="9619594" cy="1390768"/>
-          </a:xfrm>
-        </p:spPr>
-        <p:txBody>
-          <a:bodyPr/>
-          <a:lstStyle/>
-          <a:p>
-            <a:r>
-              <a:rPr lang="en-US" dirty="0"/>
-              <a:t>Merge sort</a:t>
-            </a:r>
-          </a:p>
-        </p:txBody>
-      </p:sp>
-      <p:sp>
-        <p:nvSpPr>
-          <p:cNvPr id="3" name="Content Placeholder 2">
-            <a:extLst>
-              <a:ext uri="{FF2B5EF4-FFF2-40B4-BE49-F238E27FC236}">
-                <a16:creationId xmlns:a16="http://schemas.microsoft.com/office/drawing/2014/main" id="{CFE55E60-A4CD-77D4-CACC-165C122A73A3}"/>
-              </a:ext>
-            </a:extLst>
-          </p:cNvPr>
-          <p:cNvSpPr>
-            <a:spLocks noGrp="1"/>
-          </p:cNvSpPr>
-          <p:nvPr>
-            <p:ph idx="1"/>
-          </p:nvPr>
-        </p:nvSpPr>
-        <p:spPr>
-          <a:xfrm>
-            <a:off x="1" y="1853754"/>
-            <a:ext cx="3240910" cy="4246104"/>
-          </a:xfrm>
-        </p:spPr>
-        <p:txBody>
-          <a:bodyPr>
-            <a:normAutofit/>
-          </a:bodyPr>
-          <a:lstStyle/>
-          <a:p>
-            <a:r>
-              <a:rPr lang="en-US" dirty="0" err="1"/>
-              <a:t>Mergesort</a:t>
-            </a:r>
-            <a:r>
-              <a:rPr lang="en-US" dirty="0"/>
-              <a:t> works by splitting the data in two, then recombining the results. </a:t>
-            </a:r>
-          </a:p>
-          <a:p>
-            <a:r>
-              <a:rPr lang="en-US" dirty="0"/>
-              <a:t>This should trigger fond memories of… recursion!!! </a:t>
-            </a:r>
-          </a:p>
-          <a:p>
-            <a:pPr lvl="1"/>
-            <a:r>
-              <a:rPr lang="en-US" dirty="0"/>
-              <a:t>Base – one item, return it. </a:t>
-            </a:r>
-          </a:p>
-          <a:p>
-            <a:pPr lvl="1"/>
-            <a:r>
-              <a:rPr lang="en-US" dirty="0"/>
-              <a:t>Recursive – return the result of the two halves, in order. </a:t>
-            </a:r>
-          </a:p>
-          <a:p>
-            <a:endParaRPr lang="en-US" dirty="0"/>
-          </a:p>
-        </p:txBody>
-      </p:sp>
-      <p:pic>
-        <p:nvPicPr>
-          <p:cNvPr id="3074" name="Picture 2" descr="Will Rosenbaum | MergeSort Animation">
-            <a:extLst>
-              <a:ext uri="{FF2B5EF4-FFF2-40B4-BE49-F238E27FC236}">
-                <a16:creationId xmlns:a16="http://schemas.microsoft.com/office/drawing/2014/main" id="{6BF59469-0766-A4BA-0E65-A3297700F2D5}"/>
-              </a:ext>
-            </a:extLst>
-          </p:cNvPr>
-          <p:cNvPicPr>
-            <a:picLocks noChangeAspect="1" noChangeArrowheads="1"/>
-          </p:cNvPicPr>
-          <p:nvPr/>
-        </p:nvPicPr>
-        <p:blipFill>
-          <a:blip r:embed="rId2">
-            <a:extLst>
-              <a:ext uri="{28A0092B-C50C-407E-A947-70E740481C1C}">
-                <a14:useLocalDpi xmlns:a14="http://schemas.microsoft.com/office/drawing/2010/main" val="0"/>
-              </a:ext>
-            </a:extLst>
-          </a:blip>
-          <a:srcRect/>
-          <a:stretch>
-            <a:fillRect/>
-          </a:stretch>
-        </p:blipFill>
-        <p:spPr bwMode="auto">
-          <a:xfrm>
-            <a:off x="3189698" y="1169043"/>
-            <a:ext cx="9002301" cy="5626438"/>
-          </a:xfrm>
-          <a:prstGeom prst="rect">
-            <a:avLst/>
-          </a:prstGeom>
-          <a:noFill/>
-          <a:extLst>
-            <a:ext uri="{909E8E84-426E-40DD-AFC4-6F175D3DCCD1}">
-              <a14:hiddenFill xmlns:a14="http://schemas.microsoft.com/office/drawing/2010/main">
-                <a:solidFill>
-                  <a:srgbClr val="FFFFFF"/>
-                </a:solidFill>
-              </a14:hiddenFill>
-            </a:ext>
-          </a:extLst>
-        </p:spPr>
-      </p:pic>
-    </p:spTree>
-    <p:extLst>
-      <p:ext uri="{BB962C8B-B14F-4D97-AF65-F5344CB8AC3E}">
-        <p14:creationId xmlns:p14="http://schemas.microsoft.com/office/powerpoint/2010/main" val="1350369813"/>
-      </p:ext>
-    </p:extLst>
-  </p:cSld>
-  <p:clrMapOvr>
-    <a:masterClrMapping/>
-  </p:clrMapOvr>
-</p:sld>
-</file>
-
-<file path=ppt/slides/slide8.xml><?xml version="1.0" encoding="utf-8"?>
-<p:sld xmlns:a="http://schemas.openxmlformats.org/drawingml/2006/main" xmlns:r="http://schemas.openxmlformats.org/officeDocument/2006/relationships" xmlns:p="http://schemas.openxmlformats.org/presentationml/2006/main">
-  <p:cSld>
-    <p:bg>
-      <p:bgPr>
-        <a:gradFill rotWithShape="1">
-          <a:gsLst>
-            <a:gs pos="0">
-              <a:schemeClr val="bg2">
-                <a:tint val="94000"/>
-                <a:satMod val="80000"/>
-                <a:lumMod val="106000"/>
-              </a:schemeClr>
-            </a:gs>
-            <a:gs pos="100000">
-              <a:schemeClr val="bg2">
-                <a:shade val="80000"/>
-              </a:schemeClr>
-            </a:gs>
-          </a:gsLst>
-          <a:path path="circle">
-            <a:fillToRect l="43000" r="43000" b="100000"/>
-          </a:path>
-        </a:gradFill>
-        <a:effectLst/>
-      </p:bgPr>
-    </p:bg>
-    <p:spTree>
-      <p:nvGrpSpPr>
-        <p:cNvPr id="1" name=""/>
-        <p:cNvGrpSpPr/>
-        <p:nvPr/>
-      </p:nvGrpSpPr>
-      <p:grpSpPr>
-        <a:xfrm>
-          <a:off x="0" y="0"/>
-          <a:ext cx="0" cy="0"/>
-          <a:chOff x="0" y="0"/>
-          <a:chExt cx="0" cy="0"/>
-        </a:xfrm>
-      </p:grpSpPr>
-      <p:sp>
-        <p:nvSpPr>
-          <p:cNvPr id="2" name="Title 1">
-            <a:extLst>
-              <a:ext uri="{FF2B5EF4-FFF2-40B4-BE49-F238E27FC236}">
-                <a16:creationId xmlns:a16="http://schemas.microsoft.com/office/drawing/2014/main" id="{861FC9A9-40B4-E985-FF7E-CF96CA9B0EB8}"/>
-              </a:ext>
-            </a:extLst>
-          </p:cNvPr>
-          <p:cNvSpPr>
-            <a:spLocks noGrp="1"/>
-          </p:cNvSpPr>
-          <p:nvPr>
-            <p:ph type="title"/>
-          </p:nvPr>
-        </p:nvSpPr>
-        <p:spPr>
-          <a:xfrm>
-            <a:off x="1451579" y="804519"/>
-            <a:ext cx="9603275" cy="1049235"/>
-          </a:xfrm>
-        </p:spPr>
-        <p:txBody>
-          <a:bodyPr>
-            <a:normAutofit/>
-          </a:bodyPr>
-          <a:lstStyle/>
-          <a:p>
-            <a:r>
-              <a:rPr lang="en-US" dirty="0"/>
-              <a:t>Merge sort Big o</a:t>
-            </a:r>
-          </a:p>
-        </p:txBody>
-      </p:sp>
-      <p:pic>
-        <p:nvPicPr>
-          <p:cNvPr id="4098" name="Picture 2" descr="Sorting">
-            <a:extLst>
-              <a:ext uri="{FF2B5EF4-FFF2-40B4-BE49-F238E27FC236}">
-                <a16:creationId xmlns:a16="http://schemas.microsoft.com/office/drawing/2014/main" id="{86FA9D9C-E69E-B58B-B1A0-9C6F2DF5DD2E}"/>
-              </a:ext>
-            </a:extLst>
-          </p:cNvPr>
-          <p:cNvPicPr>
-            <a:picLocks noChangeAspect="1" noChangeArrowheads="1"/>
-          </p:cNvPicPr>
-          <p:nvPr/>
-        </p:nvPicPr>
-        <p:blipFill>
-          <a:blip r:embed="rId2">
-            <a:extLst>
-              <a:ext uri="{28A0092B-C50C-407E-A947-70E740481C1C}">
-                <a14:useLocalDpi xmlns:a14="http://schemas.microsoft.com/office/drawing/2010/main" val="0"/>
-              </a:ext>
-            </a:extLst>
-          </a:blip>
-          <a:stretch>
-            <a:fillRect/>
-          </a:stretch>
-        </p:blipFill>
-        <p:spPr bwMode="auto">
-          <a:xfrm>
-            <a:off x="0" y="1458761"/>
-            <a:ext cx="8021053" cy="5377027"/>
-          </a:xfrm>
-          <a:prstGeom prst="rect">
-            <a:avLst/>
-          </a:prstGeom>
-          <a:noFill/>
-          <a:extLst>
-            <a:ext uri="{909E8E84-426E-40DD-AFC4-6F175D3DCCD1}">
-              <a14:hiddenFill xmlns:a14="http://schemas.microsoft.com/office/drawing/2010/main">
-                <a:solidFill>
-                  <a:srgbClr val="FFFFFF"/>
-                </a:solidFill>
-              </a14:hiddenFill>
-            </a:ext>
-          </a:extLst>
-        </p:spPr>
-      </p:pic>
-      <p:sp>
-        <p:nvSpPr>
-          <p:cNvPr id="3" name="Content Placeholder 2">
-            <a:extLst>
-              <a:ext uri="{FF2B5EF4-FFF2-40B4-BE49-F238E27FC236}">
-                <a16:creationId xmlns:a16="http://schemas.microsoft.com/office/drawing/2014/main" id="{C11D37F8-8385-B56E-35FD-781A5ED7233E}"/>
-              </a:ext>
-            </a:extLst>
-          </p:cNvPr>
-          <p:cNvSpPr>
-            <a:spLocks noGrp="1"/>
-          </p:cNvSpPr>
-          <p:nvPr>
-            <p:ph idx="1"/>
-          </p:nvPr>
-        </p:nvSpPr>
-        <p:spPr>
-          <a:xfrm>
-            <a:off x="8197516" y="2015734"/>
-            <a:ext cx="3994484" cy="4130423"/>
-          </a:xfrm>
-        </p:spPr>
-        <p:txBody>
-          <a:bodyPr>
-            <a:normAutofit/>
-          </a:bodyPr>
-          <a:lstStyle/>
-          <a:p>
-            <a:r>
-              <a:rPr lang="en-US" sz="2800" dirty="0"/>
-              <a:t>Merge sort performance tends better as data grows. </a:t>
-            </a:r>
-          </a:p>
-          <a:p>
-            <a:pPr lvl="1"/>
-            <a:r>
-              <a:rPr lang="en-US" sz="2400" dirty="0"/>
-              <a:t>The splitting of data in two is a good indication that the performance may be logarithmic in some way. </a:t>
-            </a:r>
-          </a:p>
-        </p:txBody>
-      </p:sp>
-    </p:spTree>
-    <p:extLst>
-      <p:ext uri="{BB962C8B-B14F-4D97-AF65-F5344CB8AC3E}">
-        <p14:creationId xmlns:p14="http://schemas.microsoft.com/office/powerpoint/2010/main" val="1670934009"/>
-      </p:ext>
-    </p:extLst>
-  </p:cSld>
-  <p:clrMapOvr>
-    <a:masterClrMapping/>
-  </p:clrMapOvr>
-</p:sld>
-</file>
-
 <file path=ppt/slides/slide9.xml><?xml version="1.0" encoding="utf-8"?>
 <p:sld xmlns:a="http://schemas.openxmlformats.org/drawingml/2006/main" xmlns:r="http://schemas.openxmlformats.org/officeDocument/2006/relationships" xmlns:p="http://schemas.openxmlformats.org/presentationml/2006/main">
   <p:cSld>
@@ -7126,7 +9010,7 @@
           <p:cNvPr id="2" name="Title 1">
             <a:extLst>
               <a:ext uri="{FF2B5EF4-FFF2-40B4-BE49-F238E27FC236}">
-                <a16:creationId xmlns:a16="http://schemas.microsoft.com/office/drawing/2014/main" id="{441C2C55-7720-116C-E510-F6CD40E15109}"/>
+                <a16:creationId xmlns:a16="http://schemas.microsoft.com/office/drawing/2014/main" id="{71687F3D-192C-84E1-1714-1CB53376EC48}"/>
               </a:ext>
             </a:extLst>
           </p:cNvPr>
@@ -7135,136 +9019,110 @@
           </p:cNvSpPr>
           <p:nvPr>
             <p:ph type="title"/>
+          </p:nvPr>
+        </p:nvSpPr>
+        <p:spPr/>
+        <p:txBody>
+          <a:bodyPr/>
+          <a:lstStyle/>
+          <a:p>
+            <a:r>
+              <a:rPr lang="en-US" dirty="0"/>
+              <a:t>Selection Sort Performance</a:t>
+            </a:r>
+          </a:p>
+        </p:txBody>
+      </p:sp>
+      <p:sp>
+        <p:nvSpPr>
+          <p:cNvPr id="3" name="Content Placeholder 2">
+            <a:extLst>
+              <a:ext uri="{FF2B5EF4-FFF2-40B4-BE49-F238E27FC236}">
+                <a16:creationId xmlns:a16="http://schemas.microsoft.com/office/drawing/2014/main" id="{41ED2DC5-FD36-850A-E32B-C41B1324534D}"/>
+              </a:ext>
+            </a:extLst>
+          </p:cNvPr>
+          <p:cNvSpPr>
+            <a:spLocks noGrp="1"/>
+          </p:cNvSpPr>
+          <p:nvPr>
+            <p:ph idx="1"/>
           </p:nvPr>
         </p:nvSpPr>
         <p:spPr>
           <a:xfrm>
-            <a:off x="66503" y="804519"/>
-            <a:ext cx="3632661" cy="1049235"/>
+            <a:off x="1451579" y="1853754"/>
+            <a:ext cx="9603275" cy="4294383"/>
           </a:xfrm>
         </p:spPr>
         <p:txBody>
-          <a:bodyPr>
-            <a:normAutofit/>
-          </a:bodyPr>
-          <a:lstStyle/>
-          <a:p>
-            <a:r>
-              <a:rPr lang="en-US" dirty="0"/>
-              <a:t>Big O Approximations</a:t>
-            </a:r>
-          </a:p>
-        </p:txBody>
-      </p:sp>
-      <p:sp>
-        <p:nvSpPr>
-          <p:cNvPr id="3" name="Content Placeholder 2">
-            <a:extLst>
-              <a:ext uri="{FF2B5EF4-FFF2-40B4-BE49-F238E27FC236}">
-                <a16:creationId xmlns:a16="http://schemas.microsoft.com/office/drawing/2014/main" id="{1B5322B5-A115-D5D6-A629-A1F5A6FAAB62}"/>
-              </a:ext>
-            </a:extLst>
-          </p:cNvPr>
-          <p:cNvSpPr>
-            <a:spLocks noGrp="1"/>
-          </p:cNvSpPr>
-          <p:nvPr>
-            <p:ph idx="1"/>
-          </p:nvPr>
-        </p:nvSpPr>
-        <p:spPr>
-          <a:xfrm>
-            <a:off x="66502" y="2015732"/>
-            <a:ext cx="3931920" cy="4037749"/>
-          </a:xfrm>
-        </p:spPr>
-        <p:txBody>
-          <a:bodyPr>
-            <a:normAutofit fontScale="92500" lnSpcReduction="20000"/>
-          </a:bodyPr>
-          <a:lstStyle/>
-          <a:p>
-            <a:r>
-              <a:rPr lang="en-US" dirty="0"/>
-              <a:t>The Big O notation is meant to capture a rough estimate of time. </a:t>
-            </a:r>
-          </a:p>
-          <a:p>
-            <a:r>
-              <a:rPr lang="en-US" dirty="0"/>
-              <a:t>The exact details are ignored as they don’t matter much when things grow. </a:t>
-            </a:r>
-          </a:p>
-          <a:p>
-            <a:r>
-              <a:rPr lang="en-US" dirty="0"/>
-              <a:t>Nested looping is the one thing to really try to avoid. </a:t>
-            </a:r>
-          </a:p>
-          <a:p>
-            <a:r>
-              <a:rPr lang="en-US" dirty="0"/>
-              <a:t>For sorting we can think of the number of comparisons as the driver of speed. </a:t>
-            </a:r>
-          </a:p>
-          <a:p>
-            <a:pPr lvl="1"/>
-            <a:r>
-              <a:rPr lang="en-US" dirty="0"/>
-              <a:t>Other algorithms are similar – accessing data is an “action”. </a:t>
-            </a:r>
-          </a:p>
-        </p:txBody>
-      </p:sp>
-      <p:pic>
-        <p:nvPicPr>
-          <p:cNvPr id="5122" name="Picture 2" descr="Sorting And Searching Algorithms - Time Complexities Cheat Sheet |  HackerEarth">
-            <a:extLst>
-              <a:ext uri="{FF2B5EF4-FFF2-40B4-BE49-F238E27FC236}">
-                <a16:creationId xmlns:a16="http://schemas.microsoft.com/office/drawing/2014/main" id="{94F3D9D9-DE19-A7D1-4A97-A0F54D159303}"/>
-              </a:ext>
-            </a:extLst>
-          </p:cNvPr>
-          <p:cNvPicPr>
-            <a:picLocks noChangeAspect="1" noChangeArrowheads="1"/>
-          </p:cNvPicPr>
-          <p:nvPr/>
-        </p:nvPicPr>
-        <p:blipFill rotWithShape="1">
-          <a:blip r:embed="rId2">
-            <a:extLst>
-              <a:ext uri="{28A0092B-C50C-407E-A947-70E740481C1C}">
-                <a14:useLocalDpi xmlns:a14="http://schemas.microsoft.com/office/drawing/2010/main" val="0"/>
-              </a:ext>
-            </a:extLst>
-          </a:blip>
-          <a:srcRect r="11467"/>
-          <a:stretch/>
-        </p:blipFill>
-        <p:spPr bwMode="auto">
-          <a:xfrm>
-            <a:off x="3998422" y="431214"/>
-            <a:ext cx="8193578" cy="5995571"/>
-          </a:xfrm>
-          <a:prstGeom prst="rect">
-            <a:avLst/>
-          </a:prstGeom>
-          <a:noFill/>
-          <a:extLst>
-            <a:ext uri="{909E8E84-426E-40DD-AFC4-6F175D3DCCD1}">
-              <a14:hiddenFill xmlns:a14="http://schemas.microsoft.com/office/drawing/2010/main">
-                <a:solidFill>
-                  <a:srgbClr val="FFFFFF"/>
-                </a:solidFill>
-              </a14:hiddenFill>
-            </a:ext>
-          </a:extLst>
-        </p:spPr>
-      </p:pic>
+          <a:bodyPr/>
+          <a:lstStyle/>
+          <a:p>
+            <a:r>
+              <a:rPr lang="en-US" dirty="0"/>
+              <a:t>We can think of the time that it takes to do this in terms of caparisons performed in the sorting process. </a:t>
+            </a:r>
+          </a:p>
+          <a:p>
+            <a:r>
+              <a:rPr lang="en-US" dirty="0"/>
+              <a:t>Selection sort steps:</a:t>
+            </a:r>
+          </a:p>
+          <a:p>
+            <a:pPr lvl="1"/>
+            <a:r>
+              <a:rPr lang="en-US" dirty="0"/>
+              <a:t>Finding the smallest element requires N-1 comparisons (each element against each other). </a:t>
+            </a:r>
+          </a:p>
+          <a:p>
+            <a:pPr lvl="1"/>
+            <a:r>
+              <a:rPr lang="en-US" dirty="0"/>
+              <a:t>Finding the next smallest requires N-2 (each against each item remaining). </a:t>
+            </a:r>
+          </a:p>
+          <a:p>
+            <a:pPr lvl="1"/>
+            <a:r>
+              <a:rPr lang="en-US" dirty="0"/>
+              <a:t>Next requires N-3….</a:t>
+            </a:r>
+          </a:p>
+          <a:p>
+            <a:r>
+              <a:rPr lang="en-US" dirty="0"/>
+              <a:t>As N grows we need to do ~N comparisons per item times ~N items. </a:t>
+            </a:r>
+          </a:p>
+          <a:p>
+            <a:r>
+              <a:rPr lang="en-US" dirty="0"/>
+              <a:t>The performance is N^2 or O(n2). </a:t>
+            </a:r>
+          </a:p>
+          <a:p>
+            <a:pPr lvl="1"/>
+            <a:r>
+              <a:rPr lang="en-US" dirty="0"/>
+              <a:t>This is an approximation, we ignore the details and focus on order of magnitude. </a:t>
+            </a:r>
+          </a:p>
+          <a:p>
+            <a:pPr lvl="1"/>
+            <a:r>
+              <a:rPr lang="en-US" dirty="0"/>
+              <a:t>This is probably pretty slow for large datasets…</a:t>
+            </a:r>
+          </a:p>
+        </p:txBody>
+      </p:sp>
     </p:spTree>
     <p:extLst>
       <p:ext uri="{BB962C8B-B14F-4D97-AF65-F5344CB8AC3E}">
-        <p14:creationId xmlns:p14="http://schemas.microsoft.com/office/powerpoint/2010/main" val="1639990967"/>
+        <p14:creationId xmlns:p14="http://schemas.microsoft.com/office/powerpoint/2010/main" val="56735384"/>
       </p:ext>
     </p:extLst>
   </p:cSld>

--- a/reference_material/slides/024_search_sort.pptx
+++ b/reference_material/slides/024_search_sort.pptx
@@ -6,38 +6,41 @@
   </p:sldMasterIdLst>
   <p:sldIdLst>
     <p:sldId id="275" r:id="rId2"/>
-    <p:sldId id="283" r:id="rId3"/>
-    <p:sldId id="285" r:id="rId4"/>
+    <p:sldId id="285" r:id="rId3"/>
+    <p:sldId id="283" r:id="rId4"/>
     <p:sldId id="256" r:id="rId5"/>
-    <p:sldId id="257" r:id="rId6"/>
-    <p:sldId id="280" r:id="rId7"/>
-    <p:sldId id="258" r:id="rId8"/>
-    <p:sldId id="260" r:id="rId9"/>
-    <p:sldId id="259" r:id="rId10"/>
-    <p:sldId id="262" r:id="rId11"/>
-    <p:sldId id="263" r:id="rId12"/>
-    <p:sldId id="281" r:id="rId13"/>
-    <p:sldId id="282" r:id="rId14"/>
-    <p:sldId id="261" r:id="rId15"/>
-    <p:sldId id="274" r:id="rId16"/>
-    <p:sldId id="264" r:id="rId17"/>
-    <p:sldId id="265" r:id="rId18"/>
-    <p:sldId id="266" r:id="rId19"/>
-    <p:sldId id="279" r:id="rId20"/>
-    <p:sldId id="267" r:id="rId21"/>
-    <p:sldId id="268" r:id="rId22"/>
-    <p:sldId id="269" r:id="rId23"/>
-    <p:sldId id="276" r:id="rId24"/>
-    <p:sldId id="270" r:id="rId25"/>
-    <p:sldId id="273" r:id="rId26"/>
-    <p:sldId id="277" r:id="rId27"/>
-    <p:sldId id="271" r:id="rId28"/>
-    <p:sldId id="278" r:id="rId29"/>
-    <p:sldId id="286" r:id="rId30"/>
-    <p:sldId id="287" r:id="rId31"/>
-    <p:sldId id="288" r:id="rId32"/>
-    <p:sldId id="284" r:id="rId33"/>
-    <p:sldId id="272" r:id="rId34"/>
+    <p:sldId id="289" r:id="rId6"/>
+    <p:sldId id="257" r:id="rId7"/>
+    <p:sldId id="280" r:id="rId8"/>
+    <p:sldId id="258" r:id="rId9"/>
+    <p:sldId id="260" r:id="rId10"/>
+    <p:sldId id="259" r:id="rId11"/>
+    <p:sldId id="262" r:id="rId12"/>
+    <p:sldId id="263" r:id="rId13"/>
+    <p:sldId id="281" r:id="rId14"/>
+    <p:sldId id="282" r:id="rId15"/>
+    <p:sldId id="261" r:id="rId16"/>
+    <p:sldId id="274" r:id="rId17"/>
+    <p:sldId id="264" r:id="rId18"/>
+    <p:sldId id="265" r:id="rId19"/>
+    <p:sldId id="290" r:id="rId20"/>
+    <p:sldId id="291" r:id="rId21"/>
+    <p:sldId id="266" r:id="rId22"/>
+    <p:sldId id="279" r:id="rId23"/>
+    <p:sldId id="267" r:id="rId24"/>
+    <p:sldId id="268" r:id="rId25"/>
+    <p:sldId id="269" r:id="rId26"/>
+    <p:sldId id="276" r:id="rId27"/>
+    <p:sldId id="270" r:id="rId28"/>
+    <p:sldId id="273" r:id="rId29"/>
+    <p:sldId id="277" r:id="rId30"/>
+    <p:sldId id="271" r:id="rId31"/>
+    <p:sldId id="278" r:id="rId32"/>
+    <p:sldId id="286" r:id="rId33"/>
+    <p:sldId id="287" r:id="rId34"/>
+    <p:sldId id="288" r:id="rId35"/>
+    <p:sldId id="284" r:id="rId36"/>
+    <p:sldId id="272" r:id="rId37"/>
   </p:sldIdLst>
   <p:sldSz cx="12192000" cy="6858000"/>
   <p:notesSz cx="6858000" cy="9144000"/>
@@ -3773,6 +3776,21 @@
               <a:t> </a:t>
             </a:r>
           </a:p>
+          <a:p>
+            <a:pPr lvl="1"/>
+            <a:r>
+              <a:rPr lang="en-US" dirty="0"/>
+              <a:t>Similar idea to using any ‘display’ library to make an app, website, dashboard, </a:t>
+            </a:r>
+            <a:r>
+              <a:rPr lang="en-US" dirty="0" err="1"/>
+              <a:t>etc</a:t>
+            </a:r>
+            <a:r>
+              <a:rPr lang="en-US" dirty="0"/>
+              <a:t>…</a:t>
+            </a:r>
+          </a:p>
         </p:txBody>
       </p:sp>
     </p:spTree>
@@ -3789,6 +3807,150 @@
 </file>
 
 <file path=ppt/slides/slide10.xml><?xml version="1.0" encoding="utf-8"?>
+<p:sld xmlns:a="http://schemas.openxmlformats.org/drawingml/2006/main" xmlns:r="http://schemas.openxmlformats.org/officeDocument/2006/relationships" xmlns:p="http://schemas.openxmlformats.org/presentationml/2006/main">
+  <p:cSld>
+    <p:spTree>
+      <p:nvGrpSpPr>
+        <p:cNvPr id="1" name=""/>
+        <p:cNvGrpSpPr/>
+        <p:nvPr/>
+      </p:nvGrpSpPr>
+      <p:grpSpPr>
+        <a:xfrm>
+          <a:off x="0" y="0"/>
+          <a:ext cx="0" cy="0"/>
+          <a:chOff x="0" y="0"/>
+          <a:chExt cx="0" cy="0"/>
+        </a:xfrm>
+      </p:grpSpPr>
+      <p:sp>
+        <p:nvSpPr>
+          <p:cNvPr id="2" name="Title 1">
+            <a:extLst>
+              <a:ext uri="{FF2B5EF4-FFF2-40B4-BE49-F238E27FC236}">
+                <a16:creationId xmlns:a16="http://schemas.microsoft.com/office/drawing/2014/main" id="{71687F3D-192C-84E1-1714-1CB53376EC48}"/>
+              </a:ext>
+            </a:extLst>
+          </p:cNvPr>
+          <p:cNvSpPr>
+            <a:spLocks noGrp="1"/>
+          </p:cNvSpPr>
+          <p:nvPr>
+            <p:ph type="title"/>
+          </p:nvPr>
+        </p:nvSpPr>
+        <p:spPr/>
+        <p:txBody>
+          <a:bodyPr/>
+          <a:lstStyle/>
+          <a:p>
+            <a:r>
+              <a:rPr lang="en-US" dirty="0"/>
+              <a:t>Selection Sort Performance</a:t>
+            </a:r>
+          </a:p>
+        </p:txBody>
+      </p:sp>
+      <p:sp>
+        <p:nvSpPr>
+          <p:cNvPr id="3" name="Content Placeholder 2">
+            <a:extLst>
+              <a:ext uri="{FF2B5EF4-FFF2-40B4-BE49-F238E27FC236}">
+                <a16:creationId xmlns:a16="http://schemas.microsoft.com/office/drawing/2014/main" id="{41ED2DC5-FD36-850A-E32B-C41B1324534D}"/>
+              </a:ext>
+            </a:extLst>
+          </p:cNvPr>
+          <p:cNvSpPr>
+            <a:spLocks noGrp="1"/>
+          </p:cNvSpPr>
+          <p:nvPr>
+            <p:ph idx="1"/>
+          </p:nvPr>
+        </p:nvSpPr>
+        <p:spPr>
+          <a:xfrm>
+            <a:off x="1451579" y="1853754"/>
+            <a:ext cx="9603275" cy="4294383"/>
+          </a:xfrm>
+        </p:spPr>
+        <p:txBody>
+          <a:bodyPr/>
+          <a:lstStyle/>
+          <a:p>
+            <a:r>
+              <a:rPr lang="en-US" dirty="0"/>
+              <a:t>We can think of the time that it takes to do this in terms of caparisons performed in the sorting process. </a:t>
+            </a:r>
+          </a:p>
+          <a:p>
+            <a:r>
+              <a:rPr lang="en-US" dirty="0"/>
+              <a:t>Selection sort steps:</a:t>
+            </a:r>
+          </a:p>
+          <a:p>
+            <a:pPr lvl="1"/>
+            <a:r>
+              <a:rPr lang="en-US" dirty="0"/>
+              <a:t>Finding the smallest element requires N-1 comparisons (each element against each other). </a:t>
+            </a:r>
+          </a:p>
+          <a:p>
+            <a:pPr lvl="1"/>
+            <a:r>
+              <a:rPr lang="en-US" dirty="0"/>
+              <a:t>Finding the next smallest requires N-2 (each against each item remaining). </a:t>
+            </a:r>
+          </a:p>
+          <a:p>
+            <a:pPr lvl="1"/>
+            <a:r>
+              <a:rPr lang="en-US" dirty="0"/>
+              <a:t>Next requires N-3….</a:t>
+            </a:r>
+          </a:p>
+          <a:p>
+            <a:r>
+              <a:rPr lang="en-US" dirty="0"/>
+              <a:t>As N grows we need to do ~N comparisons per item times ~N items. </a:t>
+            </a:r>
+          </a:p>
+          <a:p>
+            <a:r>
+              <a:rPr lang="en-US" dirty="0"/>
+              <a:t>The performance is N^2 or O(n2). </a:t>
+            </a:r>
+          </a:p>
+          <a:p>
+            <a:pPr lvl="1"/>
+            <a:r>
+              <a:rPr lang="en-US" dirty="0"/>
+              <a:t>This is an approximation, we ignore the details and focus on order of magnitude. </a:t>
+            </a:r>
+          </a:p>
+          <a:p>
+            <a:pPr lvl="1"/>
+            <a:r>
+              <a:rPr lang="en-US" dirty="0"/>
+              <a:t>This is probably pretty slow for large datasets…</a:t>
+            </a:r>
+          </a:p>
+        </p:txBody>
+      </p:sp>
+    </p:spTree>
+    <p:extLst>
+      <p:ext uri="{BB962C8B-B14F-4D97-AF65-F5344CB8AC3E}">
+        <p14:creationId xmlns:p14="http://schemas.microsoft.com/office/powerpoint/2010/main" val="56735384"/>
+      </p:ext>
+    </p:extLst>
+  </p:cSld>
+  <p:clrMapOvr>
+    <a:masterClrMapping/>
+  </p:clrMapOvr>
+</p:sld>
+</file>
+
+<file path=ppt/slides/slide11.xml><?xml version="1.0" encoding="utf-8"?>
 <p:sld xmlns:a="http://schemas.openxmlformats.org/drawingml/2006/main" xmlns:r="http://schemas.openxmlformats.org/officeDocument/2006/relationships" xmlns:p="http://schemas.openxmlformats.org/presentationml/2006/main">
   <p:cSld>
     <p:spTree>
@@ -3960,7 +4122,7 @@
 </p:sld>
 </file>
 
-<file path=ppt/slides/slide11.xml><?xml version="1.0" encoding="utf-8"?>
+<file path=ppt/slides/slide12.xml><?xml version="1.0" encoding="utf-8"?>
 <p:sld xmlns:a="http://schemas.openxmlformats.org/drawingml/2006/main" xmlns:r="http://schemas.openxmlformats.org/officeDocument/2006/relationships" xmlns:p="http://schemas.openxmlformats.org/presentationml/2006/main">
   <p:cSld>
     <p:bg>
@@ -4137,7 +4299,7 @@
 </p:sld>
 </file>
 
-<file path=ppt/slides/slide12.xml><?xml version="1.0" encoding="utf-8"?>
+<file path=ppt/slides/slide13.xml><?xml version="1.0" encoding="utf-8"?>
 <p:sld xmlns:a="http://schemas.openxmlformats.org/drawingml/2006/main" xmlns:r="http://schemas.openxmlformats.org/officeDocument/2006/relationships" xmlns:p="http://schemas.openxmlformats.org/presentationml/2006/main">
   <p:cSld>
     <p:spTree>
@@ -4330,7 +4492,7 @@
 </p:sld>
 </file>
 
-<file path=ppt/slides/slide13.xml><?xml version="1.0" encoding="utf-8"?>
+<file path=ppt/slides/slide14.xml><?xml version="1.0" encoding="utf-8"?>
 <p:sld xmlns:a="http://schemas.openxmlformats.org/drawingml/2006/main" xmlns:r="http://schemas.openxmlformats.org/officeDocument/2006/relationships" xmlns:p="http://schemas.openxmlformats.org/presentationml/2006/main">
   <p:cSld>
     <p:spTree>
@@ -4457,7 +4619,7 @@
 </p:sld>
 </file>
 
-<file path=ppt/slides/slide14.xml><?xml version="1.0" encoding="utf-8"?>
+<file path=ppt/slides/slide15.xml><?xml version="1.0" encoding="utf-8"?>
 <p:sld xmlns:a="http://schemas.openxmlformats.org/drawingml/2006/main" xmlns:r="http://schemas.openxmlformats.org/officeDocument/2006/relationships" xmlns:p="http://schemas.openxmlformats.org/presentationml/2006/main">
   <p:cSld>
     <p:spTree>
@@ -4596,7 +4758,7 @@
         </p:blipFill>
         <p:spPr bwMode="auto">
           <a:xfrm>
-            <a:off x="3998422" y="431214"/>
+            <a:off x="4286746" y="431214"/>
             <a:ext cx="8193578" cy="5995571"/>
           </a:xfrm>
           <a:prstGeom prst="rect">
@@ -4627,7 +4789,7 @@
 </p:sld>
 </file>
 
-<file path=ppt/slides/slide15.xml><?xml version="1.0" encoding="utf-8"?>
+<file path=ppt/slides/slide16.xml><?xml version="1.0" encoding="utf-8"?>
 <p:sld xmlns:a="http://schemas.openxmlformats.org/drawingml/2006/main" xmlns:r="http://schemas.openxmlformats.org/officeDocument/2006/relationships" xmlns:p="http://schemas.openxmlformats.org/presentationml/2006/main">
   <p:cSld>
     <p:spTree>
@@ -4714,7 +4876,7 @@
             <a:pPr lvl="1"/>
             <a:r>
               <a:rPr lang="en-US" dirty="0"/>
-              <a:t>Others increase memory usage. </a:t>
+              <a:t>Others increase memory usage by copying data. </a:t>
             </a:r>
           </a:p>
           <a:p>
@@ -4741,7 +4903,7 @@
             <a:pPr lvl="1"/>
             <a:r>
               <a:rPr lang="en-US" dirty="0"/>
-              <a:t>This may matter, in some cases. In DS we often split/combine large datasets. </a:t>
+              <a:t>This may matter, in some cases. In DS we often split/combine large datasets. This is a consideration in several other places. </a:t>
             </a:r>
           </a:p>
           <a:p>
@@ -4811,167 +4973,6 @@
 </p:sld>
 </file>
 
-<file path=ppt/slides/slide16.xml><?xml version="1.0" encoding="utf-8"?>
-<p:sld xmlns:a="http://schemas.openxmlformats.org/drawingml/2006/main" xmlns:r="http://schemas.openxmlformats.org/officeDocument/2006/relationships" xmlns:p="http://schemas.openxmlformats.org/presentationml/2006/main">
-  <p:cSld>
-    <p:spTree>
-      <p:nvGrpSpPr>
-        <p:cNvPr id="1" name=""/>
-        <p:cNvGrpSpPr/>
-        <p:nvPr/>
-      </p:nvGrpSpPr>
-      <p:grpSpPr>
-        <a:xfrm>
-          <a:off x="0" y="0"/>
-          <a:ext cx="0" cy="0"/>
-          <a:chOff x="0" y="0"/>
-          <a:chExt cx="0" cy="0"/>
-        </a:xfrm>
-      </p:grpSpPr>
-      <p:sp>
-        <p:nvSpPr>
-          <p:cNvPr id="2" name="Title 1">
-            <a:extLst>
-              <a:ext uri="{FF2B5EF4-FFF2-40B4-BE49-F238E27FC236}">
-                <a16:creationId xmlns:a16="http://schemas.microsoft.com/office/drawing/2014/main" id="{8F08E3A5-2F78-A10E-18D5-2236ADA8C29F}"/>
-              </a:ext>
-            </a:extLst>
-          </p:cNvPr>
-          <p:cNvSpPr>
-            <a:spLocks noGrp="1"/>
-          </p:cNvSpPr>
-          <p:nvPr>
-            <p:ph type="title"/>
-          </p:nvPr>
-        </p:nvSpPr>
-        <p:spPr/>
-        <p:txBody>
-          <a:bodyPr/>
-          <a:lstStyle/>
-          <a:p>
-            <a:r>
-              <a:rPr lang="en-US" dirty="0"/>
-              <a:t>Other Sorting Algorithms</a:t>
-            </a:r>
-          </a:p>
-        </p:txBody>
-      </p:sp>
-      <p:sp>
-        <p:nvSpPr>
-          <p:cNvPr id="3" name="Content Placeholder 2">
-            <a:extLst>
-              <a:ext uri="{FF2B5EF4-FFF2-40B4-BE49-F238E27FC236}">
-                <a16:creationId xmlns:a16="http://schemas.microsoft.com/office/drawing/2014/main" id="{2BB2CBC0-86FA-8317-7546-ABB1435573A2}"/>
-              </a:ext>
-            </a:extLst>
-          </p:cNvPr>
-          <p:cNvSpPr>
-            <a:spLocks noGrp="1"/>
-          </p:cNvSpPr>
-          <p:nvPr>
-            <p:ph idx="1"/>
-          </p:nvPr>
-        </p:nvSpPr>
-        <p:spPr>
-          <a:xfrm>
-            <a:off x="1451579" y="1853754"/>
-            <a:ext cx="9603275" cy="4199727"/>
-          </a:xfrm>
-        </p:spPr>
-        <p:txBody>
-          <a:bodyPr/>
-          <a:lstStyle/>
-          <a:p>
-            <a:r>
-              <a:rPr lang="en-US" dirty="0"/>
-              <a:t>There are lots of sorting algorithms out there. </a:t>
-            </a:r>
-          </a:p>
-          <a:p>
-            <a:pPr lvl="1"/>
-            <a:r>
-              <a:rPr lang="en-US" dirty="0"/>
-              <a:t>If you’re ever “lucky” enough to take math-computer science, nerds love ‘</a:t>
-            </a:r>
-            <a:r>
-              <a:rPr lang="en-US" dirty="0" err="1"/>
-              <a:t>em</a:t>
-            </a:r>
-            <a:r>
-              <a:rPr lang="en-US" dirty="0"/>
-              <a:t>. </a:t>
-            </a:r>
-          </a:p>
-          <a:p>
-            <a:pPr lvl="1"/>
-            <a:r>
-              <a:rPr lang="en-US" dirty="0"/>
-              <a:t>The Wikipedia page for Sorting Algorithms has a solid list. </a:t>
-            </a:r>
-          </a:p>
-          <a:p>
-            <a:pPr lvl="1"/>
-            <a:r>
-              <a:rPr lang="en-US" dirty="0"/>
-              <a:t>This used to matter more as resources were precious. </a:t>
-            </a:r>
-          </a:p>
-          <a:p>
-            <a:r>
-              <a:rPr lang="en-US" dirty="0"/>
-              <a:t>Sorting is generally a solved problem for most cases we may encounter. </a:t>
-            </a:r>
-          </a:p>
-          <a:p>
-            <a:pPr lvl="1"/>
-            <a:r>
-              <a:rPr lang="en-US" dirty="0"/>
-              <a:t>The default sorts are fine for all by a few edge cases. </a:t>
-            </a:r>
-          </a:p>
-          <a:p>
-            <a:pPr lvl="1"/>
-            <a:r>
-              <a:rPr lang="en-US" dirty="0"/>
-              <a:t>We don’t sort all the time in data science work. </a:t>
-            </a:r>
-          </a:p>
-          <a:p>
-            <a:pPr lvl="1"/>
-            <a:r>
-              <a:rPr lang="en-US" dirty="0"/>
-              <a:t>If we are able to define </a:t>
-            </a:r>
-            <a:r>
-              <a:rPr lang="en-US" dirty="0" err="1"/>
-              <a:t>lt</a:t>
-            </a:r>
-            <a:r>
-              <a:rPr lang="en-US" dirty="0"/>
-              <a:t> and eq for our classes, we get the rest for free. </a:t>
-            </a:r>
-          </a:p>
-          <a:p>
-            <a:r>
-              <a:rPr lang="en-US" dirty="0"/>
-              <a:t>It is special cases – frequent sorts, large data, edge case distribution where we may care. </a:t>
-            </a:r>
-          </a:p>
-        </p:txBody>
-      </p:sp>
-    </p:spTree>
-    <p:extLst>
-      <p:ext uri="{BB962C8B-B14F-4D97-AF65-F5344CB8AC3E}">
-        <p14:creationId xmlns:p14="http://schemas.microsoft.com/office/powerpoint/2010/main" val="385143650"/>
-      </p:ext>
-    </p:extLst>
-  </p:cSld>
-  <p:clrMapOvr>
-    <a:masterClrMapping/>
-  </p:clrMapOvr>
-</p:sld>
-</file>
-
 <file path=ppt/slides/slide17.xml><?xml version="1.0" encoding="utf-8"?>
 <p:sld xmlns:a="http://schemas.openxmlformats.org/drawingml/2006/main" xmlns:r="http://schemas.openxmlformats.org/officeDocument/2006/relationships" xmlns:p="http://schemas.openxmlformats.org/presentationml/2006/main">
   <p:cSld>
@@ -4994,6 +4995,167 @@
           <p:cNvPr id="2" name="Title 1">
             <a:extLst>
               <a:ext uri="{FF2B5EF4-FFF2-40B4-BE49-F238E27FC236}">
+                <a16:creationId xmlns:a16="http://schemas.microsoft.com/office/drawing/2014/main" id="{8F08E3A5-2F78-A10E-18D5-2236ADA8C29F}"/>
+              </a:ext>
+            </a:extLst>
+          </p:cNvPr>
+          <p:cNvSpPr>
+            <a:spLocks noGrp="1"/>
+          </p:cNvSpPr>
+          <p:nvPr>
+            <p:ph type="title"/>
+          </p:nvPr>
+        </p:nvSpPr>
+        <p:spPr/>
+        <p:txBody>
+          <a:bodyPr/>
+          <a:lstStyle/>
+          <a:p>
+            <a:r>
+              <a:rPr lang="en-US" dirty="0"/>
+              <a:t>Other Sorting Algorithms</a:t>
+            </a:r>
+          </a:p>
+        </p:txBody>
+      </p:sp>
+      <p:sp>
+        <p:nvSpPr>
+          <p:cNvPr id="3" name="Content Placeholder 2">
+            <a:extLst>
+              <a:ext uri="{FF2B5EF4-FFF2-40B4-BE49-F238E27FC236}">
+                <a16:creationId xmlns:a16="http://schemas.microsoft.com/office/drawing/2014/main" id="{2BB2CBC0-86FA-8317-7546-ABB1435573A2}"/>
+              </a:ext>
+            </a:extLst>
+          </p:cNvPr>
+          <p:cNvSpPr>
+            <a:spLocks noGrp="1"/>
+          </p:cNvSpPr>
+          <p:nvPr>
+            <p:ph idx="1"/>
+          </p:nvPr>
+        </p:nvSpPr>
+        <p:spPr>
+          <a:xfrm>
+            <a:off x="1451579" y="1853754"/>
+            <a:ext cx="9603275" cy="4199727"/>
+          </a:xfrm>
+        </p:spPr>
+        <p:txBody>
+          <a:bodyPr/>
+          <a:lstStyle/>
+          <a:p>
+            <a:r>
+              <a:rPr lang="en-US" dirty="0"/>
+              <a:t>There are lots of sorting algorithms out there. </a:t>
+            </a:r>
+          </a:p>
+          <a:p>
+            <a:pPr lvl="1"/>
+            <a:r>
+              <a:rPr lang="en-US" dirty="0"/>
+              <a:t>If you’re ever “lucky” enough to take math-computer science, nerds love ‘</a:t>
+            </a:r>
+            <a:r>
+              <a:rPr lang="en-US" dirty="0" err="1"/>
+              <a:t>em</a:t>
+            </a:r>
+            <a:r>
+              <a:rPr lang="en-US" dirty="0"/>
+              <a:t>. </a:t>
+            </a:r>
+          </a:p>
+          <a:p>
+            <a:pPr lvl="1"/>
+            <a:r>
+              <a:rPr lang="en-US" dirty="0"/>
+              <a:t>The Wikipedia page for Sorting Algorithms has a solid list. </a:t>
+            </a:r>
+          </a:p>
+          <a:p>
+            <a:pPr lvl="1"/>
+            <a:r>
+              <a:rPr lang="en-US" dirty="0"/>
+              <a:t>This used to matter more as resources were precious. </a:t>
+            </a:r>
+          </a:p>
+          <a:p>
+            <a:r>
+              <a:rPr lang="en-US" dirty="0"/>
+              <a:t>Sorting is generally a solved problem for most cases we may encounter. </a:t>
+            </a:r>
+          </a:p>
+          <a:p>
+            <a:pPr lvl="1"/>
+            <a:r>
+              <a:rPr lang="en-US" dirty="0"/>
+              <a:t>The default sorts are fine for all by a few edge cases. </a:t>
+            </a:r>
+          </a:p>
+          <a:p>
+            <a:pPr lvl="1"/>
+            <a:r>
+              <a:rPr lang="en-US" dirty="0"/>
+              <a:t>We don’t sort all the time in data science work. </a:t>
+            </a:r>
+          </a:p>
+          <a:p>
+            <a:pPr lvl="1"/>
+            <a:r>
+              <a:rPr lang="en-US" dirty="0"/>
+              <a:t>If we are able to define </a:t>
+            </a:r>
+            <a:r>
+              <a:rPr lang="en-US" dirty="0" err="1"/>
+              <a:t>lt</a:t>
+            </a:r>
+            <a:r>
+              <a:rPr lang="en-US" dirty="0"/>
+              <a:t> and eq for our classes, we get the rest for free. </a:t>
+            </a:r>
+          </a:p>
+          <a:p>
+            <a:r>
+              <a:rPr lang="en-US" dirty="0"/>
+              <a:t>It is special cases – frequent sorts, large data, edge case distribution where we may care. </a:t>
+            </a:r>
+          </a:p>
+        </p:txBody>
+      </p:sp>
+    </p:spTree>
+    <p:extLst>
+      <p:ext uri="{BB962C8B-B14F-4D97-AF65-F5344CB8AC3E}">
+        <p14:creationId xmlns:p14="http://schemas.microsoft.com/office/powerpoint/2010/main" val="385143650"/>
+      </p:ext>
+    </p:extLst>
+  </p:cSld>
+  <p:clrMapOvr>
+    <a:masterClrMapping/>
+  </p:clrMapOvr>
+</p:sld>
+</file>
+
+<file path=ppt/slides/slide18.xml><?xml version="1.0" encoding="utf-8"?>
+<p:sld xmlns:a="http://schemas.openxmlformats.org/drawingml/2006/main" xmlns:r="http://schemas.openxmlformats.org/officeDocument/2006/relationships" xmlns:p="http://schemas.openxmlformats.org/presentationml/2006/main">
+  <p:cSld>
+    <p:spTree>
+      <p:nvGrpSpPr>
+        <p:cNvPr id="1" name=""/>
+        <p:cNvGrpSpPr/>
+        <p:nvPr/>
+      </p:nvGrpSpPr>
+      <p:grpSpPr>
+        <a:xfrm>
+          <a:off x="0" y="0"/>
+          <a:ext cx="0" cy="0"/>
+          <a:chOff x="0" y="0"/>
+          <a:chExt cx="0" cy="0"/>
+        </a:xfrm>
+      </p:grpSpPr>
+      <p:sp>
+        <p:nvSpPr>
+          <p:cNvPr id="2" name="Title 1">
+            <a:extLst>
+              <a:ext uri="{FF2B5EF4-FFF2-40B4-BE49-F238E27FC236}">
                 <a16:creationId xmlns:a16="http://schemas.microsoft.com/office/drawing/2014/main" id="{7BCD748B-F155-CFF8-5140-1EC10D5B2E35}"/>
               </a:ext>
             </a:extLst>
@@ -5040,8 +5202,8 @@
         </p:nvSpPr>
         <p:spPr>
           <a:xfrm>
-            <a:off x="7439890" y="2015731"/>
-            <a:ext cx="4630189" cy="4119062"/>
+            <a:off x="6812692" y="1853754"/>
+            <a:ext cx="5379307" cy="4281039"/>
           </a:xfrm>
         </p:spPr>
         <p:txBody>
@@ -5075,6 +5237,25 @@
             </a:r>
           </a:p>
           <a:p>
+            <a:pPr lvl="1"/>
+            <a:r>
+              <a:rPr lang="en-US" dirty="0"/>
+              <a:t>Sorted subsets </a:t>
+            </a:r>
+            <a:r>
+              <a:rPr lang="en-US"/>
+              <a:t>save time – no moves needed.</a:t>
+            </a:r>
+            <a:endParaRPr lang="en-US" dirty="0"/>
+          </a:p>
+          <a:p>
+            <a:pPr lvl="1"/>
+            <a:r>
+              <a:rPr lang="en-US" dirty="0"/>
+              <a:t>Reverse sorted subsets are reversed. </a:t>
+            </a:r>
+          </a:p>
+          <a:p>
             <a:r>
               <a:rPr lang="en-US" dirty="0"/>
               <a:t>A hybrid of merge and insert. </a:t>
@@ -5083,7 +5264,7 @@
           <a:p>
             <a:r>
               <a:rPr lang="en-US" dirty="0"/>
-              <a:t>Data often has sorted parts, this saves time on those parts. </a:t>
+              <a:t>Data often has sorted parts, this saves time.</a:t>
             </a:r>
           </a:p>
         </p:txBody>
@@ -5110,13 +5291,13 @@
               </a:ext>
             </a:extLst>
           </a:blip>
-          <a:srcRect l="11108" t="14093" r="10983"/>
+          <a:srcRect l="11108" t="14093" r="17551"/>
           <a:stretch/>
         </p:blipFill>
         <p:spPr bwMode="auto">
           <a:xfrm>
             <a:off x="-1" y="483242"/>
-            <a:ext cx="7439891" cy="6337625"/>
+            <a:ext cx="6812693" cy="6337625"/>
           </a:xfrm>
           <a:prstGeom prst="rect">
             <a:avLst/>
@@ -5146,152 +5327,6 @@
 </p:sld>
 </file>
 
-<file path=ppt/slides/slide18.xml><?xml version="1.0" encoding="utf-8"?>
-<p:sld xmlns:a="http://schemas.openxmlformats.org/drawingml/2006/main" xmlns:r="http://schemas.openxmlformats.org/officeDocument/2006/relationships" xmlns:p="http://schemas.openxmlformats.org/presentationml/2006/main">
-  <p:cSld>
-    <p:spTree>
-      <p:nvGrpSpPr>
-        <p:cNvPr id="1" name=""/>
-        <p:cNvGrpSpPr/>
-        <p:nvPr/>
-      </p:nvGrpSpPr>
-      <p:grpSpPr>
-        <a:xfrm>
-          <a:off x="0" y="0"/>
-          <a:ext cx="0" cy="0"/>
-          <a:chOff x="0" y="0"/>
-          <a:chExt cx="0" cy="0"/>
-        </a:xfrm>
-      </p:grpSpPr>
-      <p:sp>
-        <p:nvSpPr>
-          <p:cNvPr id="2" name="Title 1">
-            <a:extLst>
-              <a:ext uri="{FF2B5EF4-FFF2-40B4-BE49-F238E27FC236}">
-                <a16:creationId xmlns:a16="http://schemas.microsoft.com/office/drawing/2014/main" id="{B2CE541B-74E3-F8D0-2C40-D076D120B958}"/>
-              </a:ext>
-            </a:extLst>
-          </p:cNvPr>
-          <p:cNvSpPr>
-            <a:spLocks noGrp="1"/>
-          </p:cNvSpPr>
-          <p:nvPr>
-            <p:ph type="title"/>
-          </p:nvPr>
-        </p:nvSpPr>
-        <p:spPr/>
-        <p:txBody>
-          <a:bodyPr/>
-          <a:lstStyle/>
-          <a:p>
-            <a:r>
-              <a:rPr lang="en-US" dirty="0"/>
-              <a:t>So what do I use?</a:t>
-            </a:r>
-          </a:p>
-        </p:txBody>
-      </p:sp>
-      <p:sp>
-        <p:nvSpPr>
-          <p:cNvPr id="3" name="Content Placeholder 2">
-            <a:extLst>
-              <a:ext uri="{FF2B5EF4-FFF2-40B4-BE49-F238E27FC236}">
-                <a16:creationId xmlns:a16="http://schemas.microsoft.com/office/drawing/2014/main" id="{1AA50029-A3EB-2CFF-0581-4ADB92EEB7D9}"/>
-              </a:ext>
-            </a:extLst>
-          </p:cNvPr>
-          <p:cNvSpPr>
-            <a:spLocks noGrp="1"/>
-          </p:cNvSpPr>
-          <p:nvPr>
-            <p:ph idx="1"/>
-          </p:nvPr>
-        </p:nvSpPr>
-        <p:spPr>
-          <a:xfrm>
-            <a:off x="1451579" y="2015732"/>
-            <a:ext cx="9603275" cy="4037749"/>
-          </a:xfrm>
-        </p:spPr>
-        <p:txBody>
-          <a:bodyPr/>
-          <a:lstStyle/>
-          <a:p>
-            <a:r>
-              <a:rPr lang="en-US" dirty="0"/>
-              <a:t>For the most part sorting is a solved problem, we can use the built-in tools. </a:t>
-            </a:r>
-          </a:p>
-          <a:p>
-            <a:r>
-              <a:rPr lang="en-US" dirty="0"/>
-              <a:t>There are specific edge conditions where algorithm matters:</a:t>
-            </a:r>
-          </a:p>
-          <a:p>
-            <a:pPr lvl="1"/>
-            <a:r>
-              <a:rPr lang="en-US" dirty="0"/>
-              <a:t>“Natural” start of the data is worst case scenario for an algorithm (maximizes actions)</a:t>
-            </a:r>
-          </a:p>
-          <a:p>
-            <a:pPr lvl="1"/>
-            <a:r>
-              <a:rPr lang="en-US" dirty="0"/>
-              <a:t>Specific resource constraints such as memory size.</a:t>
-            </a:r>
-          </a:p>
-          <a:p>
-            <a:r>
-              <a:rPr lang="en-US" dirty="0"/>
-              <a:t>In real scenarios, lots of large/expensive sorts are major decisions:</a:t>
-            </a:r>
-          </a:p>
-          <a:p>
-            <a:pPr lvl="1"/>
-            <a:r>
-              <a:rPr lang="en-US" dirty="0"/>
-              <a:t>Likely solution will be specific to exact demands in that case. </a:t>
-            </a:r>
-          </a:p>
-          <a:p>
-            <a:pPr lvl="1"/>
-            <a:r>
-              <a:rPr lang="en-US" dirty="0"/>
-              <a:t>Likely some combo of storing data in a </a:t>
-            </a:r>
-            <a:r>
-              <a:rPr lang="en-US" dirty="0" err="1"/>
-              <a:t>db</a:t>
-            </a:r>
-            <a:r>
-              <a:rPr lang="en-US" dirty="0"/>
-              <a:t> with an index, maintaining interim datasets (to batch resorts), and bulk operations to make changes. </a:t>
-            </a:r>
-          </a:p>
-          <a:p>
-            <a:pPr lvl="1"/>
-            <a:r>
-              <a:rPr lang="en-US" dirty="0"/>
-              <a:t>E.g. LMS HR data – learners indexed by ID. Changes queued in custom ds, processed at night. </a:t>
-            </a:r>
-          </a:p>
-        </p:txBody>
-      </p:sp>
-    </p:spTree>
-    <p:extLst>
-      <p:ext uri="{BB962C8B-B14F-4D97-AF65-F5344CB8AC3E}">
-        <p14:creationId xmlns:p14="http://schemas.microsoft.com/office/powerpoint/2010/main" val="984941482"/>
-      </p:ext>
-    </p:extLst>
-  </p:cSld>
-  <p:clrMapOvr>
-    <a:masterClrMapping/>
-  </p:clrMapOvr>
-</p:sld>
-</file>
-
 <file path=ppt/slides/slide19.xml><?xml version="1.0" encoding="utf-8"?>
 <p:sld xmlns:a="http://schemas.openxmlformats.org/drawingml/2006/main" xmlns:r="http://schemas.openxmlformats.org/officeDocument/2006/relationships" xmlns:p="http://schemas.openxmlformats.org/presentationml/2006/main">
   <p:cSld>
@@ -5314,7 +5349,7 @@
           <p:cNvPr id="2" name="Title 1">
             <a:extLst>
               <a:ext uri="{FF2B5EF4-FFF2-40B4-BE49-F238E27FC236}">
-                <a16:creationId xmlns:a16="http://schemas.microsoft.com/office/drawing/2014/main" id="{CCB275D6-7ECD-8041-0977-57A53A3031A4}"/>
+                <a16:creationId xmlns:a16="http://schemas.microsoft.com/office/drawing/2014/main" id="{B88E4B4D-9B67-3718-4EAA-D1F135860567}"/>
               </a:ext>
             </a:extLst>
           </p:cNvPr>
@@ -5339,7 +5374,7 @@
           <p:cNvPr id="3" name="Content Placeholder 2">
             <a:extLst>
               <a:ext uri="{FF2B5EF4-FFF2-40B4-BE49-F238E27FC236}">
-                <a16:creationId xmlns:a16="http://schemas.microsoft.com/office/drawing/2014/main" id="{60D44E6A-F161-914F-C68A-A70E22417039}"/>
+                <a16:creationId xmlns:a16="http://schemas.microsoft.com/office/drawing/2014/main" id="{C5C0264D-058E-BF31-CDEC-2F901E31C053}"/>
               </a:ext>
             </a:extLst>
           </p:cNvPr>
@@ -5359,10 +5394,57 @@
           </a:p>
         </p:txBody>
       </p:sp>
+      <p:pic>
+        <p:nvPicPr>
+          <p:cNvPr id="7170" name="Picture 2" descr="Exploring Tim Sort Algorithm with Real-Life Applications | by Attar Suhaib  | Medium">
+            <a:extLst>
+              <a:ext uri="{FF2B5EF4-FFF2-40B4-BE49-F238E27FC236}">
+                <a16:creationId xmlns:a16="http://schemas.microsoft.com/office/drawing/2014/main" id="{090947F0-6205-7F49-64DC-1E68AB55D444}"/>
+              </a:ext>
+            </a:extLst>
+          </p:cNvPr>
+          <p:cNvPicPr>
+            <a:picLocks noChangeAspect="1" noChangeArrowheads="1"/>
+          </p:cNvPicPr>
+          <p:nvPr/>
+        </p:nvPicPr>
+        <p:blipFill>
+          <a:blip r:embed="rId2">
+            <a:extLst>
+              <a:ext uri="{28A0092B-C50C-407E-A947-70E740481C1C}">
+                <a14:useLocalDpi xmlns:a14="http://schemas.microsoft.com/office/drawing/2010/main" val="0"/>
+              </a:ext>
+            </a:extLst>
+          </a:blip>
+          <a:srcRect/>
+          <a:stretch>
+            <a:fillRect/>
+          </a:stretch>
+        </p:blipFill>
+        <p:spPr bwMode="auto">
+          <a:xfrm>
+            <a:off x="2533650" y="0"/>
+            <a:ext cx="7123113" cy="6858000"/>
+          </a:xfrm>
+          <a:prstGeom prst="rect">
+            <a:avLst/>
+          </a:prstGeom>
+          <a:noFill/>
+          <a:extLst>
+            <a:ext uri="{909E8E84-426E-40DD-AFC4-6F175D3DCCD1}">
+              <a14:hiddenFill xmlns:a14="http://schemas.microsoft.com/office/drawing/2010/main">
+                <a:solidFill>
+                  <a:srgbClr val="FFFFFF"/>
+                </a:solidFill>
+              </a14:hiddenFill>
+            </a:ext>
+          </a:extLst>
+        </p:spPr>
+      </p:pic>
     </p:spTree>
     <p:extLst>
       <p:ext uri="{BB962C8B-B14F-4D97-AF65-F5344CB8AC3E}">
-        <p14:creationId xmlns:p14="http://schemas.microsoft.com/office/powerpoint/2010/main" val="4046686185"/>
+        <p14:creationId xmlns:p14="http://schemas.microsoft.com/office/powerpoint/2010/main" val="1238447986"/>
       </p:ext>
     </p:extLst>
   </p:cSld>
@@ -5394,7 +5476,7 @@
           <p:cNvPr id="2" name="Title 1">
             <a:extLst>
               <a:ext uri="{FF2B5EF4-FFF2-40B4-BE49-F238E27FC236}">
-                <a16:creationId xmlns:a16="http://schemas.microsoft.com/office/drawing/2014/main" id="{848AE31D-0707-245C-B367-5A4BD2DA5C77}"/>
+                <a16:creationId xmlns:a16="http://schemas.microsoft.com/office/drawing/2014/main" id="{31CCD820-E225-7346-947A-A7F52CA256DB}"/>
               </a:ext>
             </a:extLst>
           </p:cNvPr>
@@ -5412,7 +5494,7 @@
           <a:p>
             <a:r>
               <a:rPr lang="en-US" dirty="0"/>
-              <a:t>Test Tendencies</a:t>
+              <a:t>From Here on Out…</a:t>
             </a:r>
           </a:p>
         </p:txBody>
@@ -5422,7 +5504,7 @@
           <p:cNvPr id="3" name="Content Placeholder 2">
             <a:extLst>
               <a:ext uri="{FF2B5EF4-FFF2-40B4-BE49-F238E27FC236}">
-                <a16:creationId xmlns:a16="http://schemas.microsoft.com/office/drawing/2014/main" id="{CF536D8B-60AC-FC3C-68D6-17352AE26BE6}"/>
+                <a16:creationId xmlns:a16="http://schemas.microsoft.com/office/drawing/2014/main" id="{3980AAEE-D749-4E0D-9C60-E3228942C14F}"/>
               </a:ext>
             </a:extLst>
           </p:cNvPr>
@@ -5436,7 +5518,7 @@
         <p:spPr>
           <a:xfrm>
             <a:off x="1451579" y="1853754"/>
-            <a:ext cx="10424046" cy="4199727"/>
+            <a:ext cx="9868462" cy="4199727"/>
           </a:xfrm>
         </p:spPr>
         <p:txBody>
@@ -5445,69 +5527,77 @@
           <a:p>
             <a:r>
               <a:rPr lang="en-US" dirty="0"/>
-              <a:t>Most of the code, by volume, looked ok. </a:t>
-            </a:r>
-          </a:p>
-          <a:p>
-            <a:pPr lvl="1"/>
-            <a:r>
-              <a:rPr lang="en-US" dirty="0"/>
-              <a:t>I attempted to estimate a reasonable grade based on the fraction that was done/good. </a:t>
-            </a:r>
-          </a:p>
-          <a:p>
-            <a:pPr lvl="1"/>
-            <a:r>
-              <a:rPr lang="en-US" dirty="0"/>
-              <a:t>I capped the “it doesn’t pass tests but looked ok” code to 5.5/7, roughly 80%. </a:t>
-            </a:r>
-          </a:p>
-          <a:p>
-            <a:r>
-              <a:rPr lang="en-US" dirty="0"/>
-              <a:t>Some common things:</a:t>
-            </a:r>
-          </a:p>
-          <a:p>
-            <a:pPr lvl="1"/>
-            <a:r>
-              <a:rPr lang="en-US" dirty="0"/>
-              <a:t>A few people just missed return statements at the end of a function. </a:t>
-            </a:r>
-          </a:p>
-          <a:p>
-            <a:pPr lvl="1"/>
-            <a:r>
-              <a:rPr lang="en-US" dirty="0"/>
-              <a:t>Error checking – divide by 0. I think this may have caused a fatal error for some. </a:t>
-            </a:r>
-          </a:p>
-          <a:p>
-            <a:r>
-              <a:rPr lang="en-US" dirty="0"/>
-              <a:t>Some people had low # of commits, largely ok-</a:t>
+              <a:t>Solidify code skills:</a:t>
+            </a:r>
+          </a:p>
+          <a:p>
+            <a:pPr lvl="1"/>
+            <a:r>
+              <a:rPr lang="en-US" dirty="0"/>
+              <a:t>Most directly required: making/using functions, manipulating data structures (</a:t>
             </a:r>
             <a:r>
               <a:rPr lang="en-US" dirty="0" err="1"/>
-              <a:t>ish</a:t>
-            </a:r>
-            <a:r>
-              <a:rPr lang="en-US" dirty="0"/>
-              <a:t> code, and passed 0 tests. </a:t>
-            </a:r>
-          </a:p>
-          <a:p>
-            <a:pPr lvl="1"/>
-            <a:r>
-              <a:rPr lang="en-US" dirty="0"/>
-              <a:t>Likely did most of it, committed, then saw everything fail (due to error), and it’s hard to pinpoint.</a:t>
-            </a:r>
-          </a:p>
-          <a:p>
-            <a:pPr lvl="1"/>
-            <a:r>
-              <a:rPr lang="en-US" dirty="0"/>
-              <a:t>It’s easier to build incrementally, so parts pass and then you can see if changes break it. </a:t>
+              <a:t>df</a:t>
+            </a:r>
+            <a:r>
+              <a:rPr lang="en-US" dirty="0"/>
+              <a:t>/series/array), </a:t>
+            </a:r>
+            <a:r>
+              <a:rPr lang="en-US" b="1" dirty="0"/>
+              <a:t>using libraries</a:t>
+            </a:r>
+            <a:r>
+              <a:rPr lang="en-US" dirty="0"/>
+              <a:t>, testing/troubleshooting. </a:t>
+            </a:r>
+          </a:p>
+          <a:p>
+            <a:pPr lvl="1"/>
+            <a:r>
+              <a:rPr lang="en-US" dirty="0"/>
+              <a:t>Workbooks and the think python book have review exercises at the end, these should be ok.</a:t>
+            </a:r>
+          </a:p>
+          <a:p>
+            <a:pPr lvl="1"/>
+            <a:r>
+              <a:rPr lang="en-US" dirty="0"/>
+              <a:t>Focus on trying to read from documentation and implement based on that. </a:t>
+            </a:r>
+          </a:p>
+          <a:p>
+            <a:pPr lvl="1"/>
+            <a:r>
+              <a:rPr lang="en-US" dirty="0"/>
+              <a:t>Read/review/ask/whatever to make sure that you’re reasonably comfortable. </a:t>
+            </a:r>
+          </a:p>
+          <a:p>
+            <a:r>
+              <a:rPr lang="en-US" dirty="0"/>
+              <a:t>Next week and week after we’ll do some pipelines (good self check) and then visualization. </a:t>
+            </a:r>
+          </a:p>
+          <a:p>
+            <a:pPr lvl="1"/>
+            <a:r>
+              <a:rPr lang="en-US" dirty="0"/>
+              <a:t>If there’s specifics that you need/want to cover/review, we can work them in. </a:t>
+            </a:r>
+          </a:p>
+          <a:p>
+            <a:pPr lvl="1"/>
+            <a:r>
+              <a:rPr lang="en-US" dirty="0"/>
+              <a:t>The pipeline stuff is at the core of what we need for ML, so it is a good self-check. </a:t>
+            </a:r>
+          </a:p>
+          <a:p>
+            <a:r>
+              <a:rPr lang="en-US" dirty="0"/>
+              <a:t>Exam – code will be multiple inheritance (in some way). </a:t>
             </a:r>
           </a:p>
         </p:txBody>
@@ -5515,7 +5605,7 @@
     </p:spTree>
     <p:extLst>
       <p:ext uri="{BB962C8B-B14F-4D97-AF65-F5344CB8AC3E}">
-        <p14:creationId xmlns:p14="http://schemas.microsoft.com/office/powerpoint/2010/main" val="2829476044"/>
+        <p14:creationId xmlns:p14="http://schemas.microsoft.com/office/powerpoint/2010/main" val="1422341840"/>
       </p:ext>
     </p:extLst>
   </p:cSld>
@@ -5547,6 +5637,359 @@
           <p:cNvPr id="2" name="Title 1">
             <a:extLst>
               <a:ext uri="{FF2B5EF4-FFF2-40B4-BE49-F238E27FC236}">
+                <a16:creationId xmlns:a16="http://schemas.microsoft.com/office/drawing/2014/main" id="{1834EB58-2957-9D53-EDD3-FBE1F1962922}"/>
+              </a:ext>
+            </a:extLst>
+          </p:cNvPr>
+          <p:cNvSpPr>
+            <a:spLocks noGrp="1"/>
+          </p:cNvSpPr>
+          <p:nvPr>
+            <p:ph type="title"/>
+          </p:nvPr>
+        </p:nvSpPr>
+        <p:spPr/>
+        <p:txBody>
+          <a:bodyPr/>
+          <a:lstStyle/>
+          <a:p>
+            <a:endParaRPr lang="en-US"/>
+          </a:p>
+        </p:txBody>
+      </p:sp>
+      <p:sp>
+        <p:nvSpPr>
+          <p:cNvPr id="3" name="Content Placeholder 2">
+            <a:extLst>
+              <a:ext uri="{FF2B5EF4-FFF2-40B4-BE49-F238E27FC236}">
+                <a16:creationId xmlns:a16="http://schemas.microsoft.com/office/drawing/2014/main" id="{6A144845-387B-D48D-9EBA-D6C18C675FE5}"/>
+              </a:ext>
+            </a:extLst>
+          </p:cNvPr>
+          <p:cNvSpPr>
+            <a:spLocks noGrp="1"/>
+          </p:cNvSpPr>
+          <p:nvPr>
+            <p:ph idx="1"/>
+          </p:nvPr>
+        </p:nvSpPr>
+        <p:spPr/>
+        <p:txBody>
+          <a:bodyPr/>
+          <a:lstStyle/>
+          <a:p>
+            <a:endParaRPr lang="en-US"/>
+          </a:p>
+        </p:txBody>
+      </p:sp>
+      <p:pic>
+        <p:nvPicPr>
+          <p:cNvPr id="8194" name="Picture 2" descr="Radix and Tim sort on waitingforcode.com - articles about Apache Spark SQL">
+            <a:extLst>
+              <a:ext uri="{FF2B5EF4-FFF2-40B4-BE49-F238E27FC236}">
+                <a16:creationId xmlns:a16="http://schemas.microsoft.com/office/drawing/2014/main" id="{9B48D4E7-5F78-CD93-161B-EAB9208AD0E5}"/>
+              </a:ext>
+            </a:extLst>
+          </p:cNvPr>
+          <p:cNvPicPr>
+            <a:picLocks noChangeAspect="1" noChangeArrowheads="1"/>
+          </p:cNvPicPr>
+          <p:nvPr/>
+        </p:nvPicPr>
+        <p:blipFill>
+          <a:blip r:embed="rId2">
+            <a:extLst>
+              <a:ext uri="{28A0092B-C50C-407E-A947-70E740481C1C}">
+                <a14:useLocalDpi xmlns:a14="http://schemas.microsoft.com/office/drawing/2010/main" val="0"/>
+              </a:ext>
+            </a:extLst>
+          </a:blip>
+          <a:srcRect/>
+          <a:stretch>
+            <a:fillRect/>
+          </a:stretch>
+        </p:blipFill>
+        <p:spPr bwMode="auto">
+          <a:xfrm>
+            <a:off x="2635250" y="0"/>
+            <a:ext cx="6921500" cy="6858000"/>
+          </a:xfrm>
+          <a:prstGeom prst="rect">
+            <a:avLst/>
+          </a:prstGeom>
+          <a:noFill/>
+          <a:extLst>
+            <a:ext uri="{909E8E84-426E-40DD-AFC4-6F175D3DCCD1}">
+              <a14:hiddenFill xmlns:a14="http://schemas.microsoft.com/office/drawing/2010/main">
+                <a:solidFill>
+                  <a:srgbClr val="FFFFFF"/>
+                </a:solidFill>
+              </a14:hiddenFill>
+            </a:ext>
+          </a:extLst>
+        </p:spPr>
+      </p:pic>
+    </p:spTree>
+    <p:extLst>
+      <p:ext uri="{BB962C8B-B14F-4D97-AF65-F5344CB8AC3E}">
+        <p14:creationId xmlns:p14="http://schemas.microsoft.com/office/powerpoint/2010/main" val="3047637440"/>
+      </p:ext>
+    </p:extLst>
+  </p:cSld>
+  <p:clrMapOvr>
+    <a:masterClrMapping/>
+  </p:clrMapOvr>
+</p:sld>
+</file>
+
+<file path=ppt/slides/slide21.xml><?xml version="1.0" encoding="utf-8"?>
+<p:sld xmlns:a="http://schemas.openxmlformats.org/drawingml/2006/main" xmlns:r="http://schemas.openxmlformats.org/officeDocument/2006/relationships" xmlns:p="http://schemas.openxmlformats.org/presentationml/2006/main">
+  <p:cSld>
+    <p:spTree>
+      <p:nvGrpSpPr>
+        <p:cNvPr id="1" name=""/>
+        <p:cNvGrpSpPr/>
+        <p:nvPr/>
+      </p:nvGrpSpPr>
+      <p:grpSpPr>
+        <a:xfrm>
+          <a:off x="0" y="0"/>
+          <a:ext cx="0" cy="0"/>
+          <a:chOff x="0" y="0"/>
+          <a:chExt cx="0" cy="0"/>
+        </a:xfrm>
+      </p:grpSpPr>
+      <p:sp>
+        <p:nvSpPr>
+          <p:cNvPr id="2" name="Title 1">
+            <a:extLst>
+              <a:ext uri="{FF2B5EF4-FFF2-40B4-BE49-F238E27FC236}">
+                <a16:creationId xmlns:a16="http://schemas.microsoft.com/office/drawing/2014/main" id="{B2CE541B-74E3-F8D0-2C40-D076D120B958}"/>
+              </a:ext>
+            </a:extLst>
+          </p:cNvPr>
+          <p:cNvSpPr>
+            <a:spLocks noGrp="1"/>
+          </p:cNvSpPr>
+          <p:nvPr>
+            <p:ph type="title"/>
+          </p:nvPr>
+        </p:nvSpPr>
+        <p:spPr/>
+        <p:txBody>
+          <a:bodyPr/>
+          <a:lstStyle/>
+          <a:p>
+            <a:r>
+              <a:rPr lang="en-US" dirty="0"/>
+              <a:t>So what do I use?</a:t>
+            </a:r>
+          </a:p>
+        </p:txBody>
+      </p:sp>
+      <p:sp>
+        <p:nvSpPr>
+          <p:cNvPr id="3" name="Content Placeholder 2">
+            <a:extLst>
+              <a:ext uri="{FF2B5EF4-FFF2-40B4-BE49-F238E27FC236}">
+                <a16:creationId xmlns:a16="http://schemas.microsoft.com/office/drawing/2014/main" id="{1AA50029-A3EB-2CFF-0581-4ADB92EEB7D9}"/>
+              </a:ext>
+            </a:extLst>
+          </p:cNvPr>
+          <p:cNvSpPr>
+            <a:spLocks noGrp="1"/>
+          </p:cNvSpPr>
+          <p:nvPr>
+            <p:ph idx="1"/>
+          </p:nvPr>
+        </p:nvSpPr>
+        <p:spPr>
+          <a:xfrm>
+            <a:off x="1451579" y="2015732"/>
+            <a:ext cx="9603275" cy="4037749"/>
+          </a:xfrm>
+        </p:spPr>
+        <p:txBody>
+          <a:bodyPr/>
+          <a:lstStyle/>
+          <a:p>
+            <a:r>
+              <a:rPr lang="en-US" dirty="0"/>
+              <a:t>For the most part sorting is a solved problem, we can use the built-in tools. </a:t>
+            </a:r>
+          </a:p>
+          <a:p>
+            <a:r>
+              <a:rPr lang="en-US" dirty="0"/>
+              <a:t>There are specific edge conditions where algorithm matters:</a:t>
+            </a:r>
+          </a:p>
+          <a:p>
+            <a:pPr lvl="1"/>
+            <a:r>
+              <a:rPr lang="en-US" dirty="0"/>
+              <a:t>“Natural” start of the data is worst case scenario for an algorithm (maximizes actions)</a:t>
+            </a:r>
+          </a:p>
+          <a:p>
+            <a:pPr lvl="1"/>
+            <a:r>
+              <a:rPr lang="en-US" dirty="0"/>
+              <a:t>Specific resource constraints such as memory size.</a:t>
+            </a:r>
+          </a:p>
+          <a:p>
+            <a:r>
+              <a:rPr lang="en-US" dirty="0"/>
+              <a:t>In real scenarios, lots of large/expensive sorts are major decisions:</a:t>
+            </a:r>
+          </a:p>
+          <a:p>
+            <a:pPr lvl="1"/>
+            <a:r>
+              <a:rPr lang="en-US" dirty="0"/>
+              <a:t>Likely solution will be specific to exact demands in that case. </a:t>
+            </a:r>
+          </a:p>
+          <a:p>
+            <a:pPr lvl="1"/>
+            <a:r>
+              <a:rPr lang="en-US" dirty="0"/>
+              <a:t>Likely some combo of storing data in a </a:t>
+            </a:r>
+            <a:r>
+              <a:rPr lang="en-US" dirty="0" err="1"/>
+              <a:t>db</a:t>
+            </a:r>
+            <a:r>
+              <a:rPr lang="en-US" dirty="0"/>
+              <a:t> with an index, maintaining interim datasets (to batch resorts), and bulk operations to make changes. </a:t>
+            </a:r>
+          </a:p>
+          <a:p>
+            <a:pPr lvl="1"/>
+            <a:r>
+              <a:rPr lang="en-US" dirty="0"/>
+              <a:t>E.g. LMS HR data – learners indexed by ID. Changes queued in custom ds, processed at night. </a:t>
+            </a:r>
+          </a:p>
+        </p:txBody>
+      </p:sp>
+    </p:spTree>
+    <p:extLst>
+      <p:ext uri="{BB962C8B-B14F-4D97-AF65-F5344CB8AC3E}">
+        <p14:creationId xmlns:p14="http://schemas.microsoft.com/office/powerpoint/2010/main" val="984941482"/>
+      </p:ext>
+    </p:extLst>
+  </p:cSld>
+  <p:clrMapOvr>
+    <a:masterClrMapping/>
+  </p:clrMapOvr>
+</p:sld>
+</file>
+
+<file path=ppt/slides/slide22.xml><?xml version="1.0" encoding="utf-8"?>
+<p:sld xmlns:a="http://schemas.openxmlformats.org/drawingml/2006/main" xmlns:r="http://schemas.openxmlformats.org/officeDocument/2006/relationships" xmlns:p="http://schemas.openxmlformats.org/presentationml/2006/main">
+  <p:cSld>
+    <p:spTree>
+      <p:nvGrpSpPr>
+        <p:cNvPr id="1" name=""/>
+        <p:cNvGrpSpPr/>
+        <p:nvPr/>
+      </p:nvGrpSpPr>
+      <p:grpSpPr>
+        <a:xfrm>
+          <a:off x="0" y="0"/>
+          <a:ext cx="0" cy="0"/>
+          <a:chOff x="0" y="0"/>
+          <a:chExt cx="0" cy="0"/>
+        </a:xfrm>
+      </p:grpSpPr>
+      <p:sp>
+        <p:nvSpPr>
+          <p:cNvPr id="2" name="Title 1">
+            <a:extLst>
+              <a:ext uri="{FF2B5EF4-FFF2-40B4-BE49-F238E27FC236}">
+                <a16:creationId xmlns:a16="http://schemas.microsoft.com/office/drawing/2014/main" id="{CCB275D6-7ECD-8041-0977-57A53A3031A4}"/>
+              </a:ext>
+            </a:extLst>
+          </p:cNvPr>
+          <p:cNvSpPr>
+            <a:spLocks noGrp="1"/>
+          </p:cNvSpPr>
+          <p:nvPr>
+            <p:ph type="title"/>
+          </p:nvPr>
+        </p:nvSpPr>
+        <p:spPr/>
+        <p:txBody>
+          <a:bodyPr/>
+          <a:lstStyle/>
+          <a:p>
+            <a:endParaRPr lang="en-US"/>
+          </a:p>
+        </p:txBody>
+      </p:sp>
+      <p:sp>
+        <p:nvSpPr>
+          <p:cNvPr id="3" name="Content Placeholder 2">
+            <a:extLst>
+              <a:ext uri="{FF2B5EF4-FFF2-40B4-BE49-F238E27FC236}">
+                <a16:creationId xmlns:a16="http://schemas.microsoft.com/office/drawing/2014/main" id="{60D44E6A-F161-914F-C68A-A70E22417039}"/>
+              </a:ext>
+            </a:extLst>
+          </p:cNvPr>
+          <p:cNvSpPr>
+            <a:spLocks noGrp="1"/>
+          </p:cNvSpPr>
+          <p:nvPr>
+            <p:ph idx="1"/>
+          </p:nvPr>
+        </p:nvSpPr>
+        <p:spPr/>
+        <p:txBody>
+          <a:bodyPr/>
+          <a:lstStyle/>
+          <a:p>
+            <a:endParaRPr lang="en-US"/>
+          </a:p>
+        </p:txBody>
+      </p:sp>
+    </p:spTree>
+    <p:extLst>
+      <p:ext uri="{BB962C8B-B14F-4D97-AF65-F5344CB8AC3E}">
+        <p14:creationId xmlns:p14="http://schemas.microsoft.com/office/powerpoint/2010/main" val="4046686185"/>
+      </p:ext>
+    </p:extLst>
+  </p:cSld>
+  <p:clrMapOvr>
+    <a:masterClrMapping/>
+  </p:clrMapOvr>
+</p:sld>
+</file>
+
+<file path=ppt/slides/slide23.xml><?xml version="1.0" encoding="utf-8"?>
+<p:sld xmlns:a="http://schemas.openxmlformats.org/drawingml/2006/main" xmlns:r="http://schemas.openxmlformats.org/officeDocument/2006/relationships" xmlns:p="http://schemas.openxmlformats.org/presentationml/2006/main">
+  <p:cSld>
+    <p:spTree>
+      <p:nvGrpSpPr>
+        <p:cNvPr id="1" name=""/>
+        <p:cNvGrpSpPr/>
+        <p:nvPr/>
+      </p:nvGrpSpPr>
+      <p:grpSpPr>
+        <a:xfrm>
+          <a:off x="0" y="0"/>
+          <a:ext cx="0" cy="0"/>
+          <a:chOff x="0" y="0"/>
+          <a:chExt cx="0" cy="0"/>
+        </a:xfrm>
+      </p:grpSpPr>
+      <p:sp>
+        <p:nvSpPr>
+          <p:cNvPr id="2" name="Title 1">
+            <a:extLst>
+              <a:ext uri="{FF2B5EF4-FFF2-40B4-BE49-F238E27FC236}">
                 <a16:creationId xmlns:a16="http://schemas.microsoft.com/office/drawing/2014/main" id="{C2F0A73B-1691-70C7-EA5B-CCE00AD9D239}"/>
               </a:ext>
             </a:extLst>
@@ -5648,7 +6091,7 @@
 </p:sld>
 </file>
 
-<file path=ppt/slides/slide21.xml><?xml version="1.0" encoding="utf-8"?>
+<file path=ppt/slides/slide24.xml><?xml version="1.0" encoding="utf-8"?>
 <p:sld xmlns:a="http://schemas.openxmlformats.org/drawingml/2006/main" xmlns:r="http://schemas.openxmlformats.org/officeDocument/2006/relationships" xmlns:p="http://schemas.openxmlformats.org/presentationml/2006/main">
   <p:cSld>
     <p:spTree>
@@ -5806,7 +6249,7 @@
 </p:sld>
 </file>
 
-<file path=ppt/slides/slide22.xml><?xml version="1.0" encoding="utf-8"?>
+<file path=ppt/slides/slide25.xml><?xml version="1.0" encoding="utf-8"?>
 <p:sld xmlns:a="http://schemas.openxmlformats.org/drawingml/2006/main" xmlns:r="http://schemas.openxmlformats.org/officeDocument/2006/relationships" xmlns:p="http://schemas.openxmlformats.org/presentationml/2006/main">
   <p:cSld>
     <p:spTree>
@@ -5940,7 +6383,7 @@
 </p:sld>
 </file>
 
-<file path=ppt/slides/slide23.xml><?xml version="1.0" encoding="utf-8"?>
+<file path=ppt/slides/slide26.xml><?xml version="1.0" encoding="utf-8"?>
 <p:sld xmlns:a="http://schemas.openxmlformats.org/drawingml/2006/main" xmlns:r="http://schemas.openxmlformats.org/officeDocument/2006/relationships" xmlns:p="http://schemas.openxmlformats.org/presentationml/2006/main">
   <p:cSld>
     <p:spTree>
@@ -6067,7 +6510,7 @@
 </p:sld>
 </file>
 
-<file path=ppt/slides/slide24.xml><?xml version="1.0" encoding="utf-8"?>
+<file path=ppt/slides/slide27.xml><?xml version="1.0" encoding="utf-8"?>
 <p:sld xmlns:a="http://schemas.openxmlformats.org/drawingml/2006/main" xmlns:r="http://schemas.openxmlformats.org/officeDocument/2006/relationships" xmlns:p="http://schemas.openxmlformats.org/presentationml/2006/main">
   <p:cSld>
     <p:spTree>
@@ -6238,7 +6681,7 @@
 </p:sld>
 </file>
 
-<file path=ppt/slides/slide25.xml><?xml version="1.0" encoding="utf-8"?>
+<file path=ppt/slides/slide28.xml><?xml version="1.0" encoding="utf-8"?>
 <p:sld xmlns:a="http://schemas.openxmlformats.org/drawingml/2006/main" xmlns:r="http://schemas.openxmlformats.org/officeDocument/2006/relationships" xmlns:p="http://schemas.openxmlformats.org/presentationml/2006/main">
   <p:cSld>
     <p:spTree>
@@ -6365,7 +6808,7 @@
 </p:sld>
 </file>
 
-<file path=ppt/slides/slide26.xml><?xml version="1.0" encoding="utf-8"?>
+<file path=ppt/slides/slide29.xml><?xml version="1.0" encoding="utf-8"?>
 <p:sld xmlns:a="http://schemas.openxmlformats.org/drawingml/2006/main" xmlns:r="http://schemas.openxmlformats.org/officeDocument/2006/relationships" xmlns:p="http://schemas.openxmlformats.org/presentationml/2006/main">
   <p:cSld>
     <p:bg>
@@ -6582,479 +7025,6 @@
 </p:sld>
 </file>
 
-<file path=ppt/slides/slide27.xml><?xml version="1.0" encoding="utf-8"?>
-<p:sld xmlns:a="http://schemas.openxmlformats.org/drawingml/2006/main" xmlns:r="http://schemas.openxmlformats.org/officeDocument/2006/relationships" xmlns:p="http://schemas.openxmlformats.org/presentationml/2006/main">
-  <p:cSld>
-    <p:spTree>
-      <p:nvGrpSpPr>
-        <p:cNvPr id="1" name=""/>
-        <p:cNvGrpSpPr/>
-        <p:nvPr/>
-      </p:nvGrpSpPr>
-      <p:grpSpPr>
-        <a:xfrm>
-          <a:off x="0" y="0"/>
-          <a:ext cx="0" cy="0"/>
-          <a:chOff x="0" y="0"/>
-          <a:chExt cx="0" cy="0"/>
-        </a:xfrm>
-      </p:grpSpPr>
-      <p:sp>
-        <p:nvSpPr>
-          <p:cNvPr id="2" name="Title 1">
-            <a:extLst>
-              <a:ext uri="{FF2B5EF4-FFF2-40B4-BE49-F238E27FC236}">
-                <a16:creationId xmlns:a16="http://schemas.microsoft.com/office/drawing/2014/main" id="{425BD8F5-3443-3130-BCB4-06171E5C092A}"/>
-              </a:ext>
-            </a:extLst>
-          </p:cNvPr>
-          <p:cNvSpPr>
-            <a:spLocks noGrp="1"/>
-          </p:cNvSpPr>
-          <p:nvPr>
-            <p:ph type="title"/>
-          </p:nvPr>
-        </p:nvSpPr>
-        <p:spPr/>
-        <p:txBody>
-          <a:bodyPr/>
-          <a:lstStyle/>
-          <a:p>
-            <a:r>
-              <a:rPr lang="en-US" dirty="0"/>
-              <a:t>Data Structure Stuff Selection</a:t>
-            </a:r>
-          </a:p>
-        </p:txBody>
-      </p:sp>
-      <p:sp>
-        <p:nvSpPr>
-          <p:cNvPr id="3" name="Content Placeholder 2">
-            <a:extLst>
-              <a:ext uri="{FF2B5EF4-FFF2-40B4-BE49-F238E27FC236}">
-                <a16:creationId xmlns:a16="http://schemas.microsoft.com/office/drawing/2014/main" id="{520C7552-A26E-7D9F-0E7F-54E950979308}"/>
-              </a:ext>
-            </a:extLst>
-          </p:cNvPr>
-          <p:cNvSpPr>
-            <a:spLocks noGrp="1"/>
-          </p:cNvSpPr>
-          <p:nvPr>
-            <p:ph idx="1"/>
-          </p:nvPr>
-        </p:nvSpPr>
-        <p:spPr>
-          <a:xfrm>
-            <a:off x="1451579" y="1853754"/>
-            <a:ext cx="9603275" cy="4199727"/>
-          </a:xfrm>
-        </p:spPr>
-        <p:txBody>
-          <a:bodyPr/>
-          <a:lstStyle/>
-          <a:p>
-            <a:r>
-              <a:rPr lang="en-US" dirty="0"/>
-              <a:t>What we need to do with data determines the correct choice of how to store it. </a:t>
-            </a:r>
-          </a:p>
-          <a:p>
-            <a:r>
-              <a:rPr lang="en-US" dirty="0"/>
-              <a:t>For us in DS, we use DF and arrays, moving to specialized tools as data grows. </a:t>
-            </a:r>
-          </a:p>
-          <a:p>
-            <a:r>
-              <a:rPr lang="en-US" dirty="0"/>
-              <a:t>For other scenarios, other demands dictate what to use:</a:t>
-            </a:r>
-          </a:p>
-          <a:p>
-            <a:pPr lvl="1"/>
-            <a:r>
-              <a:rPr lang="en-US" dirty="0"/>
-              <a:t>If things are constantly being added (people registering for a raffle) – a list is good. </a:t>
-            </a:r>
-          </a:p>
-          <a:p>
-            <a:pPr lvl="1"/>
-            <a:r>
-              <a:rPr lang="en-US" dirty="0"/>
-              <a:t>If we need to see unique items – a set is good. </a:t>
-            </a:r>
-          </a:p>
-          <a:p>
-            <a:pPr lvl="1"/>
-            <a:r>
-              <a:rPr lang="en-US" dirty="0"/>
-              <a:t>We need to do lots of math – an array is good. </a:t>
-            </a:r>
-          </a:p>
-          <a:p>
-            <a:pPr lvl="1"/>
-            <a:r>
-              <a:rPr lang="en-US" dirty="0"/>
-              <a:t>Frequent retrieval of arbitrary values – a dictionary may be good. </a:t>
-            </a:r>
-          </a:p>
-          <a:p>
-            <a:r>
-              <a:rPr lang="en-US" dirty="0"/>
-              <a:t>These structures are generally interchangeable, but using their strengths helps us. </a:t>
-            </a:r>
-          </a:p>
-          <a:p>
-            <a:pPr lvl="1"/>
-            <a:r>
-              <a:rPr lang="en-US" dirty="0"/>
-              <a:t>We can avoid writing code to simulate what other structures do naturally. </a:t>
-            </a:r>
-          </a:p>
-        </p:txBody>
-      </p:sp>
-    </p:spTree>
-    <p:extLst>
-      <p:ext uri="{BB962C8B-B14F-4D97-AF65-F5344CB8AC3E}">
-        <p14:creationId xmlns:p14="http://schemas.microsoft.com/office/powerpoint/2010/main" val="528216997"/>
-      </p:ext>
-    </p:extLst>
-  </p:cSld>
-  <p:clrMapOvr>
-    <a:masterClrMapping/>
-  </p:clrMapOvr>
-</p:sld>
-</file>
-
-<file path=ppt/slides/slide28.xml><?xml version="1.0" encoding="utf-8"?>
-<p:sld xmlns:a="http://schemas.openxmlformats.org/drawingml/2006/main" xmlns:r="http://schemas.openxmlformats.org/officeDocument/2006/relationships" xmlns:p="http://schemas.openxmlformats.org/presentationml/2006/main">
-  <p:cSld>
-    <p:spTree>
-      <p:nvGrpSpPr>
-        <p:cNvPr id="1" name=""/>
-        <p:cNvGrpSpPr/>
-        <p:nvPr/>
-      </p:nvGrpSpPr>
-      <p:grpSpPr>
-        <a:xfrm>
-          <a:off x="0" y="0"/>
-          <a:ext cx="0" cy="0"/>
-          <a:chOff x="0" y="0"/>
-          <a:chExt cx="0" cy="0"/>
-        </a:xfrm>
-      </p:grpSpPr>
-      <p:sp>
-        <p:nvSpPr>
-          <p:cNvPr id="2" name="Title 1">
-            <a:extLst>
-              <a:ext uri="{FF2B5EF4-FFF2-40B4-BE49-F238E27FC236}">
-                <a16:creationId xmlns:a16="http://schemas.microsoft.com/office/drawing/2014/main" id="{C4360374-E0CF-E0D8-1DB8-AC6F308DAE45}"/>
-              </a:ext>
-            </a:extLst>
-          </p:cNvPr>
-          <p:cNvSpPr>
-            <a:spLocks noGrp="1"/>
-          </p:cNvSpPr>
-          <p:nvPr>
-            <p:ph type="title"/>
-          </p:nvPr>
-        </p:nvSpPr>
-        <p:spPr/>
-        <p:txBody>
-          <a:bodyPr/>
-          <a:lstStyle/>
-          <a:p>
-            <a:r>
-              <a:rPr lang="en-US" dirty="0"/>
-              <a:t>Search, Sort, Structure, Selection</a:t>
-            </a:r>
-          </a:p>
-        </p:txBody>
-      </p:sp>
-      <p:sp>
-        <p:nvSpPr>
-          <p:cNvPr id="3" name="Content Placeholder 2">
-            <a:extLst>
-              <a:ext uri="{FF2B5EF4-FFF2-40B4-BE49-F238E27FC236}">
-                <a16:creationId xmlns:a16="http://schemas.microsoft.com/office/drawing/2014/main" id="{A29AB588-E58C-A626-58A9-BA462E0412BA}"/>
-              </a:ext>
-            </a:extLst>
-          </p:cNvPr>
-          <p:cNvSpPr>
-            <a:spLocks noGrp="1"/>
-          </p:cNvSpPr>
-          <p:nvPr>
-            <p:ph idx="1"/>
-          </p:nvPr>
-        </p:nvSpPr>
-        <p:spPr>
-          <a:xfrm>
-            <a:off x="1451579" y="1853754"/>
-            <a:ext cx="9603275" cy="4199727"/>
-          </a:xfrm>
-        </p:spPr>
-        <p:txBody>
-          <a:bodyPr/>
-          <a:lstStyle/>
-          <a:p>
-            <a:r>
-              <a:rPr lang="en-US" dirty="0"/>
-              <a:t>Choices on searching, sorting, and storing are both trivial and critical. </a:t>
-            </a:r>
-          </a:p>
-          <a:p>
-            <a:pPr lvl="1"/>
-            <a:r>
-              <a:rPr lang="en-US" dirty="0"/>
-              <a:t>For the most part, things will work fine with any option (especially in python). </a:t>
-            </a:r>
-          </a:p>
-          <a:p>
-            <a:pPr lvl="1"/>
-            <a:r>
-              <a:rPr lang="en-US" dirty="0"/>
-              <a:t>If we pick something that has worst case scenarios for your code, results can be slow. </a:t>
-            </a:r>
-          </a:p>
-          <a:p>
-            <a:r>
-              <a:rPr lang="en-US" dirty="0"/>
-              <a:t>This allows us to separate concern over making something, and concern on performance.</a:t>
-            </a:r>
-          </a:p>
-          <a:p>
-            <a:pPr lvl="1"/>
-            <a:r>
-              <a:rPr lang="en-US" dirty="0"/>
-              <a:t>Start with what works and makes sense, then evaluate if changes are needed. </a:t>
-            </a:r>
-          </a:p>
-          <a:p>
-            <a:pPr lvl="1"/>
-            <a:r>
-              <a:rPr lang="en-US" dirty="0"/>
-              <a:t>Performance is usually constrained by a few steps, often looping ones – target those. </a:t>
-            </a:r>
-          </a:p>
-          <a:p>
-            <a:r>
-              <a:rPr lang="en-US" dirty="0"/>
-              <a:t>The real-world constraints will define what to do (if they occur):</a:t>
-            </a:r>
-          </a:p>
-          <a:p>
-            <a:pPr lvl="1"/>
-            <a:r>
-              <a:rPr lang="en-US" dirty="0"/>
-              <a:t>In ds, we’ll hit limits on memory size, reading data from disk, preprocessing, and training. </a:t>
-            </a:r>
-          </a:p>
-          <a:p>
-            <a:pPr lvl="1"/>
-            <a:r>
-              <a:rPr lang="en-US" dirty="0"/>
-              <a:t>Other programs are likely limited by reading everything, mass updates, </a:t>
-            </a:r>
-            <a:r>
-              <a:rPr lang="en-US" dirty="0" err="1"/>
-              <a:t>etc</a:t>
-            </a:r>
-            <a:r>
-              <a:rPr lang="en-US" dirty="0"/>
-              <a:t>…</a:t>
-            </a:r>
-          </a:p>
-          <a:p>
-            <a:pPr lvl="1"/>
-            <a:r>
-              <a:rPr lang="en-US" dirty="0"/>
-              <a:t>Depending on </a:t>
-            </a:r>
-            <a:r>
-              <a:rPr lang="en-US" dirty="0" err="1"/>
-              <a:t>useage</a:t>
-            </a:r>
-            <a:r>
-              <a:rPr lang="en-US" dirty="0"/>
-              <a:t>, this can change – e.g. incoming data format for sorting. </a:t>
-            </a:r>
-          </a:p>
-        </p:txBody>
-      </p:sp>
-    </p:spTree>
-    <p:extLst>
-      <p:ext uri="{BB962C8B-B14F-4D97-AF65-F5344CB8AC3E}">
-        <p14:creationId xmlns:p14="http://schemas.microsoft.com/office/powerpoint/2010/main" val="2449891106"/>
-      </p:ext>
-    </p:extLst>
-  </p:cSld>
-  <p:clrMapOvr>
-    <a:masterClrMapping/>
-  </p:clrMapOvr>
-</p:sld>
-</file>
-
-<file path=ppt/slides/slide29.xml><?xml version="1.0" encoding="utf-8"?>
-<p:sld xmlns:a="http://schemas.openxmlformats.org/drawingml/2006/main" xmlns:r="http://schemas.openxmlformats.org/officeDocument/2006/relationships" xmlns:p="http://schemas.openxmlformats.org/presentationml/2006/main">
-  <p:cSld>
-    <p:spTree>
-      <p:nvGrpSpPr>
-        <p:cNvPr id="1" name=""/>
-        <p:cNvGrpSpPr/>
-        <p:nvPr/>
-      </p:nvGrpSpPr>
-      <p:grpSpPr>
-        <a:xfrm>
-          <a:off x="0" y="0"/>
-          <a:ext cx="0" cy="0"/>
-          <a:chOff x="0" y="0"/>
-          <a:chExt cx="0" cy="0"/>
-        </a:xfrm>
-      </p:grpSpPr>
-      <p:sp>
-        <p:nvSpPr>
-          <p:cNvPr id="2" name="Title 1">
-            <a:extLst>
-              <a:ext uri="{FF2B5EF4-FFF2-40B4-BE49-F238E27FC236}">
-                <a16:creationId xmlns:a16="http://schemas.microsoft.com/office/drawing/2014/main" id="{991BD142-6B0C-23B7-0ECC-D64310D7E4CC}"/>
-              </a:ext>
-            </a:extLst>
-          </p:cNvPr>
-          <p:cNvSpPr>
-            <a:spLocks noGrp="1"/>
-          </p:cNvSpPr>
-          <p:nvPr>
-            <p:ph type="title"/>
-          </p:nvPr>
-        </p:nvSpPr>
-        <p:spPr/>
-        <p:txBody>
-          <a:bodyPr/>
-          <a:lstStyle/>
-          <a:p>
-            <a:r>
-              <a:rPr lang="en-US" dirty="0"/>
-              <a:t>Generators</a:t>
-            </a:r>
-          </a:p>
-        </p:txBody>
-      </p:sp>
-      <p:sp>
-        <p:nvSpPr>
-          <p:cNvPr id="3" name="Content Placeholder 2">
-            <a:extLst>
-              <a:ext uri="{FF2B5EF4-FFF2-40B4-BE49-F238E27FC236}">
-                <a16:creationId xmlns:a16="http://schemas.microsoft.com/office/drawing/2014/main" id="{392FCE19-5771-776C-D8F6-A3A1E62E705B}"/>
-              </a:ext>
-            </a:extLst>
-          </p:cNvPr>
-          <p:cNvSpPr>
-            <a:spLocks noGrp="1"/>
-          </p:cNvSpPr>
-          <p:nvPr>
-            <p:ph idx="1"/>
-          </p:nvPr>
-        </p:nvSpPr>
-        <p:spPr>
-          <a:xfrm>
-            <a:off x="1451579" y="1853754"/>
-            <a:ext cx="9603275" cy="4199727"/>
-          </a:xfrm>
-        </p:spPr>
-        <p:txBody>
-          <a:bodyPr>
-            <a:normAutofit lnSpcReduction="10000"/>
-          </a:bodyPr>
-          <a:lstStyle/>
-          <a:p>
-            <a:r>
-              <a:rPr lang="en-US" dirty="0"/>
-              <a:t>Brief note on generators… a different way to do the same things. </a:t>
-            </a:r>
-          </a:p>
-          <a:p>
-            <a:pPr lvl="1"/>
-            <a:r>
-              <a:rPr lang="en-US" dirty="0"/>
-              <a:t>Good example of interchangeable objects. </a:t>
-            </a:r>
-          </a:p>
-          <a:p>
-            <a:r>
-              <a:rPr lang="en-US" dirty="0"/>
-              <a:t>Generators are a data-structure adjacent type of structure. </a:t>
-            </a:r>
-          </a:p>
-          <a:p>
-            <a:pPr lvl="1"/>
-            <a:r>
-              <a:rPr lang="en-US" dirty="0"/>
-              <a:t>They provide data to a loop, function, whatever…</a:t>
-            </a:r>
-          </a:p>
-          <a:p>
-            <a:pPr lvl="1"/>
-            <a:r>
-              <a:rPr lang="en-US" dirty="0"/>
-              <a:t>Generators work like any other </a:t>
-            </a:r>
-            <a:r>
-              <a:rPr lang="en-US" dirty="0" err="1"/>
-              <a:t>iterable</a:t>
-            </a:r>
-            <a:r>
-              <a:rPr lang="en-US" dirty="0"/>
-              <a:t> from a user’s perspective. </a:t>
-            </a:r>
-          </a:p>
-          <a:p>
-            <a:r>
-              <a:rPr lang="en-US" dirty="0"/>
-              <a:t>They don’t hold the data like a data structure does, they gather it as it is demanded. </a:t>
-            </a:r>
-          </a:p>
-          <a:p>
-            <a:pPr lvl="1"/>
-            <a:r>
-              <a:rPr lang="en-US" dirty="0"/>
-              <a:t>I.e. a generator will read data from disk, but only a chunk at a time, such as each loop. </a:t>
-            </a:r>
-          </a:p>
-          <a:p>
-            <a:pPr lvl="1"/>
-            <a:r>
-              <a:rPr lang="en-US" dirty="0"/>
-              <a:t>A data structure would have all data read into it, then used in the loop. </a:t>
-            </a:r>
-          </a:p>
-          <a:p>
-            <a:r>
-              <a:rPr lang="en-US" dirty="0"/>
-              <a:t>Why? Generally to make things faster when the data is large. </a:t>
-            </a:r>
-          </a:p>
-          <a:p>
-            <a:pPr lvl="1"/>
-            <a:r>
-              <a:rPr lang="en-US" dirty="0"/>
-              <a:t>If data &gt; memory we can’t load it all, or we can have disk access ‘timed’ for efficiency. </a:t>
-            </a:r>
-          </a:p>
-        </p:txBody>
-      </p:sp>
-    </p:spTree>
-    <p:extLst>
-      <p:ext uri="{BB962C8B-B14F-4D97-AF65-F5344CB8AC3E}">
-        <p14:creationId xmlns:p14="http://schemas.microsoft.com/office/powerpoint/2010/main" val="1500232641"/>
-      </p:ext>
-    </p:extLst>
-  </p:cSld>
-  <p:clrMapOvr>
-    <a:masterClrMapping/>
-  </p:clrMapOvr>
-</p:sld>
-</file>
-
 <file path=ppt/slides/slide3.xml><?xml version="1.0" encoding="utf-8"?>
 <p:sld xmlns:a="http://schemas.openxmlformats.org/drawingml/2006/main" xmlns:r="http://schemas.openxmlformats.org/officeDocument/2006/relationships" xmlns:p="http://schemas.openxmlformats.org/presentationml/2006/main">
   <p:cSld>
@@ -7077,7 +7047,7 @@
           <p:cNvPr id="2" name="Title 1">
             <a:extLst>
               <a:ext uri="{FF2B5EF4-FFF2-40B4-BE49-F238E27FC236}">
-                <a16:creationId xmlns:a16="http://schemas.microsoft.com/office/drawing/2014/main" id="{31CCD820-E225-7346-947A-A7F52CA256DB}"/>
+                <a16:creationId xmlns:a16="http://schemas.microsoft.com/office/drawing/2014/main" id="{848AE31D-0707-245C-B367-5A4BD2DA5C77}"/>
               </a:ext>
             </a:extLst>
           </p:cNvPr>
@@ -7095,7 +7065,7 @@
           <a:p>
             <a:r>
               <a:rPr lang="en-US" dirty="0"/>
-              <a:t>From Here on Out…</a:t>
+              <a:t>Test Tendencies</a:t>
             </a:r>
           </a:p>
         </p:txBody>
@@ -7105,7 +7075,7 @@
           <p:cNvPr id="3" name="Content Placeholder 2">
             <a:extLst>
               <a:ext uri="{FF2B5EF4-FFF2-40B4-BE49-F238E27FC236}">
-                <a16:creationId xmlns:a16="http://schemas.microsoft.com/office/drawing/2014/main" id="{3980AAEE-D749-4E0D-9C60-E3228942C14F}"/>
+                <a16:creationId xmlns:a16="http://schemas.microsoft.com/office/drawing/2014/main" id="{CF536D8B-60AC-FC3C-68D6-17352AE26BE6}"/>
               </a:ext>
             </a:extLst>
           </p:cNvPr>
@@ -7119,7 +7089,7 @@
         <p:spPr>
           <a:xfrm>
             <a:off x="1451579" y="1853754"/>
-            <a:ext cx="9868462" cy="4199727"/>
+            <a:ext cx="10424046" cy="4199727"/>
           </a:xfrm>
         </p:spPr>
         <p:txBody>
@@ -7128,70 +7098,69 @@
           <a:p>
             <a:r>
               <a:rPr lang="en-US" dirty="0"/>
-              <a:t>Solidify code skills:</a:t>
-            </a:r>
-          </a:p>
-          <a:p>
-            <a:pPr lvl="1"/>
-            <a:r>
-              <a:rPr lang="en-US" dirty="0"/>
-              <a:t>Most directly required: making/using functions, manipulating data structures (</a:t>
+              <a:t>Most of the code, by volume, looked ok. </a:t>
+            </a:r>
+          </a:p>
+          <a:p>
+            <a:pPr lvl="1"/>
+            <a:r>
+              <a:rPr lang="en-US" dirty="0"/>
+              <a:t>I attempted to estimate a reasonable grade based on the fraction that was done/good. </a:t>
+            </a:r>
+          </a:p>
+          <a:p>
+            <a:pPr lvl="1"/>
+            <a:r>
+              <a:rPr lang="en-US" dirty="0"/>
+              <a:t>I capped the “it doesn’t pass tests but looked ok” code to 5.5/7, roughly 80%. </a:t>
+            </a:r>
+          </a:p>
+          <a:p>
+            <a:r>
+              <a:rPr lang="en-US" dirty="0"/>
+              <a:t>Some common things:</a:t>
+            </a:r>
+          </a:p>
+          <a:p>
+            <a:pPr lvl="1"/>
+            <a:r>
+              <a:rPr lang="en-US" dirty="0"/>
+              <a:t>A few people just missed return statements at the end of a function. </a:t>
+            </a:r>
+          </a:p>
+          <a:p>
+            <a:pPr lvl="1"/>
+            <a:r>
+              <a:rPr lang="en-US" dirty="0"/>
+              <a:t>Error checking – divide by 0. I think this may have caused a fatal error for some. </a:t>
+            </a:r>
+          </a:p>
+          <a:p>
+            <a:r>
+              <a:rPr lang="en-US" dirty="0"/>
+              <a:t>Some people had low # of commits, largely ok-</a:t>
             </a:r>
             <a:r>
               <a:rPr lang="en-US" dirty="0" err="1"/>
-              <a:t>df</a:t>
-            </a:r>
-            <a:r>
-              <a:rPr lang="en-US" dirty="0"/>
-              <a:t>/series/array), </a:t>
-            </a:r>
-            <a:r>
-              <a:rPr lang="en-US" b="1" dirty="0"/>
-              <a:t>using libraries</a:t>
-            </a:r>
-            <a:r>
-              <a:rPr lang="en-US" dirty="0"/>
-              <a:t>, testing/troubleshooting. </a:t>
-            </a:r>
-          </a:p>
-          <a:p>
-            <a:pPr lvl="1"/>
-            <a:r>
-              <a:rPr lang="en-US" dirty="0"/>
-              <a:t>Workbooks and the think python book have review exercises at the end, these should be ok.</a:t>
-            </a:r>
-          </a:p>
-          <a:p>
-            <a:pPr lvl="1"/>
-            <a:r>
-              <a:rPr lang="en-US" dirty="0"/>
-              <a:t>Focus on trying to read from documentation and implement based on that. </a:t>
-            </a:r>
-          </a:p>
-          <a:p>
-            <a:pPr lvl="1"/>
-            <a:r>
-              <a:rPr lang="en-US" dirty="0"/>
-              <a:t>Read/review/ask/whatever to make sure that you’re reasonably comfortable. </a:t>
-            </a:r>
-          </a:p>
-          <a:p>
-            <a:r>
-              <a:rPr lang="en-US" dirty="0"/>
-              <a:t>Next week and week after we’ll do some pipelines (good self check) and then visualization. </a:t>
-            </a:r>
-          </a:p>
-          <a:p>
-            <a:pPr lvl="1"/>
-            <a:r>
-              <a:rPr lang="en-US" dirty="0"/>
-              <a:t>If there’s specifics that you need/want to cover/review, we can work them in. </a:t>
-            </a:r>
-          </a:p>
-          <a:p>
-            <a:r>
-              <a:rPr lang="en-US" dirty="0"/>
-              <a:t>Exam – code will be multiple inheritance (in some way). </a:t>
+              <a:t>ish</a:t>
+            </a:r>
+            <a:r>
+              <a:rPr lang="en-US" dirty="0"/>
+              <a:t> code, and passed 0 tests. </a:t>
+            </a:r>
+          </a:p>
+          <a:p>
+            <a:pPr lvl="1"/>
+            <a:r>
+              <a:rPr lang="en-US" dirty="0"/>
+              <a:t>Likely did most of it, committed, then saw everything fail (due to error), and it’s hard to pinpoint.</a:t>
+            </a:r>
+          </a:p>
+          <a:p>
+            <a:pPr lvl="1"/>
+            <a:r>
+              <a:rPr lang="en-US" dirty="0"/>
+              <a:t>It’s easier to build incrementally, so parts pass and then you can see if changes break it. </a:t>
             </a:r>
           </a:p>
         </p:txBody>
@@ -7199,7 +7168,7 @@
     </p:spTree>
     <p:extLst>
       <p:ext uri="{BB962C8B-B14F-4D97-AF65-F5344CB8AC3E}">
-        <p14:creationId xmlns:p14="http://schemas.microsoft.com/office/powerpoint/2010/main" val="1422341840"/>
+        <p14:creationId xmlns:p14="http://schemas.microsoft.com/office/powerpoint/2010/main" val="2829476044"/>
       </p:ext>
     </p:extLst>
   </p:cSld>
@@ -7210,6 +7179,479 @@
 </file>
 
 <file path=ppt/slides/slide30.xml><?xml version="1.0" encoding="utf-8"?>
+<p:sld xmlns:a="http://schemas.openxmlformats.org/drawingml/2006/main" xmlns:r="http://schemas.openxmlformats.org/officeDocument/2006/relationships" xmlns:p="http://schemas.openxmlformats.org/presentationml/2006/main">
+  <p:cSld>
+    <p:spTree>
+      <p:nvGrpSpPr>
+        <p:cNvPr id="1" name=""/>
+        <p:cNvGrpSpPr/>
+        <p:nvPr/>
+      </p:nvGrpSpPr>
+      <p:grpSpPr>
+        <a:xfrm>
+          <a:off x="0" y="0"/>
+          <a:ext cx="0" cy="0"/>
+          <a:chOff x="0" y="0"/>
+          <a:chExt cx="0" cy="0"/>
+        </a:xfrm>
+      </p:grpSpPr>
+      <p:sp>
+        <p:nvSpPr>
+          <p:cNvPr id="2" name="Title 1">
+            <a:extLst>
+              <a:ext uri="{FF2B5EF4-FFF2-40B4-BE49-F238E27FC236}">
+                <a16:creationId xmlns:a16="http://schemas.microsoft.com/office/drawing/2014/main" id="{425BD8F5-3443-3130-BCB4-06171E5C092A}"/>
+              </a:ext>
+            </a:extLst>
+          </p:cNvPr>
+          <p:cNvSpPr>
+            <a:spLocks noGrp="1"/>
+          </p:cNvSpPr>
+          <p:nvPr>
+            <p:ph type="title"/>
+          </p:nvPr>
+        </p:nvSpPr>
+        <p:spPr/>
+        <p:txBody>
+          <a:bodyPr/>
+          <a:lstStyle/>
+          <a:p>
+            <a:r>
+              <a:rPr lang="en-US" dirty="0"/>
+              <a:t>Data Structure Stuff Selection</a:t>
+            </a:r>
+          </a:p>
+        </p:txBody>
+      </p:sp>
+      <p:sp>
+        <p:nvSpPr>
+          <p:cNvPr id="3" name="Content Placeholder 2">
+            <a:extLst>
+              <a:ext uri="{FF2B5EF4-FFF2-40B4-BE49-F238E27FC236}">
+                <a16:creationId xmlns:a16="http://schemas.microsoft.com/office/drawing/2014/main" id="{520C7552-A26E-7D9F-0E7F-54E950979308}"/>
+              </a:ext>
+            </a:extLst>
+          </p:cNvPr>
+          <p:cNvSpPr>
+            <a:spLocks noGrp="1"/>
+          </p:cNvSpPr>
+          <p:nvPr>
+            <p:ph idx="1"/>
+          </p:nvPr>
+        </p:nvSpPr>
+        <p:spPr>
+          <a:xfrm>
+            <a:off x="1451579" y="1853754"/>
+            <a:ext cx="9603275" cy="4199727"/>
+          </a:xfrm>
+        </p:spPr>
+        <p:txBody>
+          <a:bodyPr/>
+          <a:lstStyle/>
+          <a:p>
+            <a:r>
+              <a:rPr lang="en-US" dirty="0"/>
+              <a:t>What we need to do with data determines the correct choice of how to store it. </a:t>
+            </a:r>
+          </a:p>
+          <a:p>
+            <a:r>
+              <a:rPr lang="en-US" dirty="0"/>
+              <a:t>For us in DS, we use DF and arrays, moving to specialized tools as data grows. </a:t>
+            </a:r>
+          </a:p>
+          <a:p>
+            <a:r>
+              <a:rPr lang="en-US" dirty="0"/>
+              <a:t>For other scenarios, other demands dictate what to use:</a:t>
+            </a:r>
+          </a:p>
+          <a:p>
+            <a:pPr lvl="1"/>
+            <a:r>
+              <a:rPr lang="en-US" dirty="0"/>
+              <a:t>If things are constantly being added (people registering for a raffle) – a list is good. </a:t>
+            </a:r>
+          </a:p>
+          <a:p>
+            <a:pPr lvl="1"/>
+            <a:r>
+              <a:rPr lang="en-US" dirty="0"/>
+              <a:t>If we need to see unique items – a set is good. </a:t>
+            </a:r>
+          </a:p>
+          <a:p>
+            <a:pPr lvl="1"/>
+            <a:r>
+              <a:rPr lang="en-US" dirty="0"/>
+              <a:t>We need to do lots of math – an array is good. </a:t>
+            </a:r>
+          </a:p>
+          <a:p>
+            <a:pPr lvl="1"/>
+            <a:r>
+              <a:rPr lang="en-US" dirty="0"/>
+              <a:t>Frequent retrieval of arbitrary values – a dictionary may be good. </a:t>
+            </a:r>
+          </a:p>
+          <a:p>
+            <a:r>
+              <a:rPr lang="en-US" dirty="0"/>
+              <a:t>These structures are generally interchangeable, but using their strengths helps us. </a:t>
+            </a:r>
+          </a:p>
+          <a:p>
+            <a:pPr lvl="1"/>
+            <a:r>
+              <a:rPr lang="en-US" dirty="0"/>
+              <a:t>We can avoid writing code to simulate what other structures do naturally. </a:t>
+            </a:r>
+          </a:p>
+        </p:txBody>
+      </p:sp>
+    </p:spTree>
+    <p:extLst>
+      <p:ext uri="{BB962C8B-B14F-4D97-AF65-F5344CB8AC3E}">
+        <p14:creationId xmlns:p14="http://schemas.microsoft.com/office/powerpoint/2010/main" val="528216997"/>
+      </p:ext>
+    </p:extLst>
+  </p:cSld>
+  <p:clrMapOvr>
+    <a:masterClrMapping/>
+  </p:clrMapOvr>
+</p:sld>
+</file>
+
+<file path=ppt/slides/slide31.xml><?xml version="1.0" encoding="utf-8"?>
+<p:sld xmlns:a="http://schemas.openxmlformats.org/drawingml/2006/main" xmlns:r="http://schemas.openxmlformats.org/officeDocument/2006/relationships" xmlns:p="http://schemas.openxmlformats.org/presentationml/2006/main">
+  <p:cSld>
+    <p:spTree>
+      <p:nvGrpSpPr>
+        <p:cNvPr id="1" name=""/>
+        <p:cNvGrpSpPr/>
+        <p:nvPr/>
+      </p:nvGrpSpPr>
+      <p:grpSpPr>
+        <a:xfrm>
+          <a:off x="0" y="0"/>
+          <a:ext cx="0" cy="0"/>
+          <a:chOff x="0" y="0"/>
+          <a:chExt cx="0" cy="0"/>
+        </a:xfrm>
+      </p:grpSpPr>
+      <p:sp>
+        <p:nvSpPr>
+          <p:cNvPr id="2" name="Title 1">
+            <a:extLst>
+              <a:ext uri="{FF2B5EF4-FFF2-40B4-BE49-F238E27FC236}">
+                <a16:creationId xmlns:a16="http://schemas.microsoft.com/office/drawing/2014/main" id="{C4360374-E0CF-E0D8-1DB8-AC6F308DAE45}"/>
+              </a:ext>
+            </a:extLst>
+          </p:cNvPr>
+          <p:cNvSpPr>
+            <a:spLocks noGrp="1"/>
+          </p:cNvSpPr>
+          <p:nvPr>
+            <p:ph type="title"/>
+          </p:nvPr>
+        </p:nvSpPr>
+        <p:spPr/>
+        <p:txBody>
+          <a:bodyPr/>
+          <a:lstStyle/>
+          <a:p>
+            <a:r>
+              <a:rPr lang="en-US" dirty="0"/>
+              <a:t>Search, Sort, Structure, Selection</a:t>
+            </a:r>
+          </a:p>
+        </p:txBody>
+      </p:sp>
+      <p:sp>
+        <p:nvSpPr>
+          <p:cNvPr id="3" name="Content Placeholder 2">
+            <a:extLst>
+              <a:ext uri="{FF2B5EF4-FFF2-40B4-BE49-F238E27FC236}">
+                <a16:creationId xmlns:a16="http://schemas.microsoft.com/office/drawing/2014/main" id="{A29AB588-E58C-A626-58A9-BA462E0412BA}"/>
+              </a:ext>
+            </a:extLst>
+          </p:cNvPr>
+          <p:cNvSpPr>
+            <a:spLocks noGrp="1"/>
+          </p:cNvSpPr>
+          <p:nvPr>
+            <p:ph idx="1"/>
+          </p:nvPr>
+        </p:nvSpPr>
+        <p:spPr>
+          <a:xfrm>
+            <a:off x="1451579" y="1853754"/>
+            <a:ext cx="9603275" cy="4199727"/>
+          </a:xfrm>
+        </p:spPr>
+        <p:txBody>
+          <a:bodyPr/>
+          <a:lstStyle/>
+          <a:p>
+            <a:r>
+              <a:rPr lang="en-US" dirty="0"/>
+              <a:t>Choices on searching, sorting, and storing are both trivial and critical. </a:t>
+            </a:r>
+          </a:p>
+          <a:p>
+            <a:pPr lvl="1"/>
+            <a:r>
+              <a:rPr lang="en-US" dirty="0"/>
+              <a:t>For the most part, things will work fine with any option (especially in python). </a:t>
+            </a:r>
+          </a:p>
+          <a:p>
+            <a:pPr lvl="1"/>
+            <a:r>
+              <a:rPr lang="en-US" dirty="0"/>
+              <a:t>If we pick something that has worst case scenarios for your code, results can be slow. </a:t>
+            </a:r>
+          </a:p>
+          <a:p>
+            <a:r>
+              <a:rPr lang="en-US" dirty="0"/>
+              <a:t>This allows us to separate concern over making something, and concern on performance.</a:t>
+            </a:r>
+          </a:p>
+          <a:p>
+            <a:pPr lvl="1"/>
+            <a:r>
+              <a:rPr lang="en-US" dirty="0"/>
+              <a:t>Start with what works and makes sense, then evaluate if changes are needed. </a:t>
+            </a:r>
+          </a:p>
+          <a:p>
+            <a:pPr lvl="1"/>
+            <a:r>
+              <a:rPr lang="en-US" dirty="0"/>
+              <a:t>Performance is usually constrained by a few steps, often looping ones – target those. </a:t>
+            </a:r>
+          </a:p>
+          <a:p>
+            <a:r>
+              <a:rPr lang="en-US" dirty="0"/>
+              <a:t>The real-world constraints will define what to do (if they occur):</a:t>
+            </a:r>
+          </a:p>
+          <a:p>
+            <a:pPr lvl="1"/>
+            <a:r>
+              <a:rPr lang="en-US" dirty="0"/>
+              <a:t>In ds, we’ll hit limits on memory size, reading data from disk, preprocessing, and training. </a:t>
+            </a:r>
+          </a:p>
+          <a:p>
+            <a:pPr lvl="1"/>
+            <a:r>
+              <a:rPr lang="en-US" dirty="0"/>
+              <a:t>Other programs are likely limited by reading everything, mass updates, </a:t>
+            </a:r>
+            <a:r>
+              <a:rPr lang="en-US" dirty="0" err="1"/>
+              <a:t>etc</a:t>
+            </a:r>
+            <a:r>
+              <a:rPr lang="en-US" dirty="0"/>
+              <a:t>…</a:t>
+            </a:r>
+          </a:p>
+          <a:p>
+            <a:pPr lvl="1"/>
+            <a:r>
+              <a:rPr lang="en-US" dirty="0"/>
+              <a:t>Depending on </a:t>
+            </a:r>
+            <a:r>
+              <a:rPr lang="en-US" dirty="0" err="1"/>
+              <a:t>useage</a:t>
+            </a:r>
+            <a:r>
+              <a:rPr lang="en-US" dirty="0"/>
+              <a:t>, this can change – e.g. incoming data format for sorting. </a:t>
+            </a:r>
+          </a:p>
+        </p:txBody>
+      </p:sp>
+    </p:spTree>
+    <p:extLst>
+      <p:ext uri="{BB962C8B-B14F-4D97-AF65-F5344CB8AC3E}">
+        <p14:creationId xmlns:p14="http://schemas.microsoft.com/office/powerpoint/2010/main" val="2449891106"/>
+      </p:ext>
+    </p:extLst>
+  </p:cSld>
+  <p:clrMapOvr>
+    <a:masterClrMapping/>
+  </p:clrMapOvr>
+</p:sld>
+</file>
+
+<file path=ppt/slides/slide32.xml><?xml version="1.0" encoding="utf-8"?>
+<p:sld xmlns:a="http://schemas.openxmlformats.org/drawingml/2006/main" xmlns:r="http://schemas.openxmlformats.org/officeDocument/2006/relationships" xmlns:p="http://schemas.openxmlformats.org/presentationml/2006/main">
+  <p:cSld>
+    <p:spTree>
+      <p:nvGrpSpPr>
+        <p:cNvPr id="1" name=""/>
+        <p:cNvGrpSpPr/>
+        <p:nvPr/>
+      </p:nvGrpSpPr>
+      <p:grpSpPr>
+        <a:xfrm>
+          <a:off x="0" y="0"/>
+          <a:ext cx="0" cy="0"/>
+          <a:chOff x="0" y="0"/>
+          <a:chExt cx="0" cy="0"/>
+        </a:xfrm>
+      </p:grpSpPr>
+      <p:sp>
+        <p:nvSpPr>
+          <p:cNvPr id="2" name="Title 1">
+            <a:extLst>
+              <a:ext uri="{FF2B5EF4-FFF2-40B4-BE49-F238E27FC236}">
+                <a16:creationId xmlns:a16="http://schemas.microsoft.com/office/drawing/2014/main" id="{991BD142-6B0C-23B7-0ECC-D64310D7E4CC}"/>
+              </a:ext>
+            </a:extLst>
+          </p:cNvPr>
+          <p:cNvSpPr>
+            <a:spLocks noGrp="1"/>
+          </p:cNvSpPr>
+          <p:nvPr>
+            <p:ph type="title"/>
+          </p:nvPr>
+        </p:nvSpPr>
+        <p:spPr/>
+        <p:txBody>
+          <a:bodyPr/>
+          <a:lstStyle/>
+          <a:p>
+            <a:r>
+              <a:rPr lang="en-US" dirty="0"/>
+              <a:t>Generators</a:t>
+            </a:r>
+          </a:p>
+        </p:txBody>
+      </p:sp>
+      <p:sp>
+        <p:nvSpPr>
+          <p:cNvPr id="3" name="Content Placeholder 2">
+            <a:extLst>
+              <a:ext uri="{FF2B5EF4-FFF2-40B4-BE49-F238E27FC236}">
+                <a16:creationId xmlns:a16="http://schemas.microsoft.com/office/drawing/2014/main" id="{392FCE19-5771-776C-D8F6-A3A1E62E705B}"/>
+              </a:ext>
+            </a:extLst>
+          </p:cNvPr>
+          <p:cNvSpPr>
+            <a:spLocks noGrp="1"/>
+          </p:cNvSpPr>
+          <p:nvPr>
+            <p:ph idx="1"/>
+          </p:nvPr>
+        </p:nvSpPr>
+        <p:spPr>
+          <a:xfrm>
+            <a:off x="1451579" y="1853754"/>
+            <a:ext cx="9603275" cy="4199727"/>
+          </a:xfrm>
+        </p:spPr>
+        <p:txBody>
+          <a:bodyPr>
+            <a:normAutofit lnSpcReduction="10000"/>
+          </a:bodyPr>
+          <a:lstStyle/>
+          <a:p>
+            <a:r>
+              <a:rPr lang="en-US" dirty="0"/>
+              <a:t>Brief note on generators… a different way to do the same things. </a:t>
+            </a:r>
+          </a:p>
+          <a:p>
+            <a:pPr lvl="1"/>
+            <a:r>
+              <a:rPr lang="en-US" dirty="0"/>
+              <a:t>Good example of interchangeable objects. </a:t>
+            </a:r>
+          </a:p>
+          <a:p>
+            <a:r>
+              <a:rPr lang="en-US" dirty="0"/>
+              <a:t>Generators are a data-structure adjacent type of structure. </a:t>
+            </a:r>
+          </a:p>
+          <a:p>
+            <a:pPr lvl="1"/>
+            <a:r>
+              <a:rPr lang="en-US" dirty="0"/>
+              <a:t>They provide data to a loop, function, whatever…</a:t>
+            </a:r>
+          </a:p>
+          <a:p>
+            <a:pPr lvl="1"/>
+            <a:r>
+              <a:rPr lang="en-US" dirty="0"/>
+              <a:t>Generators work like any other </a:t>
+            </a:r>
+            <a:r>
+              <a:rPr lang="en-US" dirty="0" err="1"/>
+              <a:t>iterable</a:t>
+            </a:r>
+            <a:r>
+              <a:rPr lang="en-US" dirty="0"/>
+              <a:t> from a user’s perspective. </a:t>
+            </a:r>
+          </a:p>
+          <a:p>
+            <a:r>
+              <a:rPr lang="en-US" dirty="0"/>
+              <a:t>They don’t hold the data like a data structure does, they gather it as it is demanded. </a:t>
+            </a:r>
+          </a:p>
+          <a:p>
+            <a:pPr lvl="1"/>
+            <a:r>
+              <a:rPr lang="en-US" dirty="0"/>
+              <a:t>I.e. a generator will read data from disk, but only a chunk at a time, such as each loop. </a:t>
+            </a:r>
+          </a:p>
+          <a:p>
+            <a:pPr lvl="1"/>
+            <a:r>
+              <a:rPr lang="en-US" dirty="0"/>
+              <a:t>A data structure would have all data read into it, then used in the loop. </a:t>
+            </a:r>
+          </a:p>
+          <a:p>
+            <a:r>
+              <a:rPr lang="en-US" dirty="0"/>
+              <a:t>Why? Generally to make things faster when the data is large. </a:t>
+            </a:r>
+          </a:p>
+          <a:p>
+            <a:pPr lvl="1"/>
+            <a:r>
+              <a:rPr lang="en-US" dirty="0"/>
+              <a:t>If data &gt; memory we can’t load it all, or we can have disk access ‘timed’ for efficiency. </a:t>
+            </a:r>
+          </a:p>
+        </p:txBody>
+      </p:sp>
+    </p:spTree>
+    <p:extLst>
+      <p:ext uri="{BB962C8B-B14F-4D97-AF65-F5344CB8AC3E}">
+        <p14:creationId xmlns:p14="http://schemas.microsoft.com/office/powerpoint/2010/main" val="1500232641"/>
+      </p:ext>
+    </p:extLst>
+  </p:cSld>
+  <p:clrMapOvr>
+    <a:masterClrMapping/>
+  </p:clrMapOvr>
+</p:sld>
+</file>
+
+<file path=ppt/slides/slide33.xml><?xml version="1.0" encoding="utf-8"?>
 <p:sld xmlns:a="http://schemas.openxmlformats.org/drawingml/2006/main" xmlns:r="http://schemas.openxmlformats.org/officeDocument/2006/relationships" xmlns:p="http://schemas.openxmlformats.org/presentationml/2006/main">
   <p:cSld>
     <p:spTree>
@@ -7336,7 +7778,7 @@
 </p:sld>
 </file>
 
-<file path=ppt/slides/slide31.xml><?xml version="1.0" encoding="utf-8"?>
+<file path=ppt/slides/slide34.xml><?xml version="1.0" encoding="utf-8"?>
 <p:sld xmlns:a="http://schemas.openxmlformats.org/drawingml/2006/main" xmlns:r="http://schemas.openxmlformats.org/officeDocument/2006/relationships" xmlns:p="http://schemas.openxmlformats.org/presentationml/2006/main">
   <p:cSld>
     <p:bg>
@@ -7483,13 +7925,8 @@
             <a:pPr lvl="1"/>
             <a:r>
               <a:rPr lang="en-US" dirty="0"/>
-              <a:t>This will happen one chunk at a time, not all </a:t>
-            </a:r>
-            <a:r>
-              <a:rPr lang="en-US"/>
-              <a:t>at once.</a:t>
-            </a:r>
-            <a:endParaRPr lang="en-US" dirty="0"/>
+              <a:t>This will happen one chunk at a time, not all at once.</a:t>
+            </a:r>
           </a:p>
           <a:p>
             <a:endParaRPr lang="en-US" dirty="0"/>
@@ -7539,7 +7976,7 @@
 </p:sld>
 </file>
 
-<file path=ppt/slides/slide32.xml><?xml version="1.0" encoding="utf-8"?>
+<file path=ppt/slides/slide35.xml><?xml version="1.0" encoding="utf-8"?>
 <p:sld xmlns:a="http://schemas.openxmlformats.org/drawingml/2006/main" xmlns:r="http://schemas.openxmlformats.org/officeDocument/2006/relationships" xmlns:p="http://schemas.openxmlformats.org/presentationml/2006/main">
   <p:cSld>
     <p:spTree>
@@ -7664,7 +8101,7 @@
 </p:sld>
 </file>
 
-<file path=ppt/slides/slide33.xml><?xml version="1.0" encoding="utf-8"?>
+<file path=ppt/slides/slide36.xml><?xml version="1.0" encoding="utf-8"?>
 <p:sld xmlns:a="http://schemas.openxmlformats.org/drawingml/2006/main" xmlns:r="http://schemas.openxmlformats.org/officeDocument/2006/relationships" xmlns:p="http://schemas.openxmlformats.org/presentationml/2006/main">
   <p:cSld>
     <p:spTree>
@@ -7901,6 +8338,149 @@
 </file>
 
 <file path=ppt/slides/slide5.xml><?xml version="1.0" encoding="utf-8"?>
+<p:sld xmlns:a="http://schemas.openxmlformats.org/drawingml/2006/main" xmlns:r="http://schemas.openxmlformats.org/officeDocument/2006/relationships" xmlns:p="http://schemas.openxmlformats.org/presentationml/2006/main">
+  <p:cSld>
+    <p:spTree>
+      <p:nvGrpSpPr>
+        <p:cNvPr id="1" name=""/>
+        <p:cNvGrpSpPr/>
+        <p:nvPr/>
+      </p:nvGrpSpPr>
+      <p:grpSpPr>
+        <a:xfrm>
+          <a:off x="0" y="0"/>
+          <a:ext cx="0" cy="0"/>
+          <a:chOff x="0" y="0"/>
+          <a:chExt cx="0" cy="0"/>
+        </a:xfrm>
+      </p:grpSpPr>
+      <p:sp>
+        <p:nvSpPr>
+          <p:cNvPr id="2" name="Title 1">
+            <a:extLst>
+              <a:ext uri="{FF2B5EF4-FFF2-40B4-BE49-F238E27FC236}">
+                <a16:creationId xmlns:a16="http://schemas.microsoft.com/office/drawing/2014/main" id="{C99B833F-4ED9-AD87-6DEC-BE8B55FD6AA2}"/>
+              </a:ext>
+            </a:extLst>
+          </p:cNvPr>
+          <p:cNvSpPr>
+            <a:spLocks noGrp="1"/>
+          </p:cNvSpPr>
+          <p:nvPr>
+            <p:ph type="title"/>
+          </p:nvPr>
+        </p:nvSpPr>
+        <p:spPr>
+          <a:xfrm>
+            <a:off x="1252151" y="804519"/>
+            <a:ext cx="9802703" cy="1049235"/>
+          </a:xfrm>
+        </p:spPr>
+        <p:txBody>
+          <a:bodyPr/>
+          <a:lstStyle/>
+          <a:p>
+            <a:r>
+              <a:rPr lang="en-US" dirty="0"/>
+              <a:t>Organizing Stuff</a:t>
+            </a:r>
+          </a:p>
+        </p:txBody>
+      </p:sp>
+      <p:sp>
+        <p:nvSpPr>
+          <p:cNvPr id="3" name="Content Placeholder 2">
+            <a:extLst>
+              <a:ext uri="{FF2B5EF4-FFF2-40B4-BE49-F238E27FC236}">
+                <a16:creationId xmlns:a16="http://schemas.microsoft.com/office/drawing/2014/main" id="{40989403-37AD-5CB4-B1BD-0E121B3B92EA}"/>
+              </a:ext>
+            </a:extLst>
+          </p:cNvPr>
+          <p:cNvSpPr>
+            <a:spLocks noGrp="1"/>
+          </p:cNvSpPr>
+          <p:nvPr>
+            <p:ph idx="1"/>
+          </p:nvPr>
+        </p:nvSpPr>
+        <p:spPr>
+          <a:xfrm>
+            <a:off x="1451579" y="2015732"/>
+            <a:ext cx="3888771" cy="3450613"/>
+          </a:xfrm>
+        </p:spPr>
+        <p:txBody>
+          <a:bodyPr/>
+          <a:lstStyle/>
+          <a:p>
+            <a:r>
+              <a:rPr lang="en-US" dirty="0"/>
+              <a:t>We can have large data structures, but how do we find/organize stuff? </a:t>
+            </a:r>
+          </a:p>
+        </p:txBody>
+      </p:sp>
+      <p:pic>
+        <p:nvPicPr>
+          <p:cNvPr id="5122" name="Picture 2" descr="Used Clothing Floods Beacon's Closet, Courtesy of Netflix's “Tidying Up  with Marie Kondo” | The New Yorker">
+            <a:extLst>
+              <a:ext uri="{FF2B5EF4-FFF2-40B4-BE49-F238E27FC236}">
+                <a16:creationId xmlns:a16="http://schemas.microsoft.com/office/drawing/2014/main" id="{63E48624-DE1B-7205-2780-2287D4423B10}"/>
+              </a:ext>
+            </a:extLst>
+          </p:cNvPr>
+          <p:cNvPicPr>
+            <a:picLocks noChangeAspect="1" noChangeArrowheads="1"/>
+          </p:cNvPicPr>
+          <p:nvPr/>
+        </p:nvPicPr>
+        <p:blipFill>
+          <a:blip r:embed="rId2">
+            <a:extLst>
+              <a:ext uri="{28A0092B-C50C-407E-A947-70E740481C1C}">
+                <a14:useLocalDpi xmlns:a14="http://schemas.microsoft.com/office/drawing/2010/main" val="0"/>
+              </a:ext>
+            </a:extLst>
+          </a:blip>
+          <a:srcRect/>
+          <a:stretch>
+            <a:fillRect/>
+          </a:stretch>
+        </p:blipFill>
+        <p:spPr bwMode="auto">
+          <a:xfrm>
+            <a:off x="5340350" y="0"/>
+            <a:ext cx="6851650" cy="6858000"/>
+          </a:xfrm>
+          <a:prstGeom prst="rect">
+            <a:avLst/>
+          </a:prstGeom>
+          <a:noFill/>
+          <a:extLst>
+            <a:ext uri="{909E8E84-426E-40DD-AFC4-6F175D3DCCD1}">
+              <a14:hiddenFill xmlns:a14="http://schemas.microsoft.com/office/drawing/2010/main">
+                <a:solidFill>
+                  <a:srgbClr val="FFFFFF"/>
+                </a:solidFill>
+              </a14:hiddenFill>
+            </a:ext>
+          </a:extLst>
+        </p:spPr>
+      </p:pic>
+    </p:spTree>
+    <p:extLst>
+      <p:ext uri="{BB962C8B-B14F-4D97-AF65-F5344CB8AC3E}">
+        <p14:creationId xmlns:p14="http://schemas.microsoft.com/office/powerpoint/2010/main" val="2362050830"/>
+      </p:ext>
+    </p:extLst>
+  </p:cSld>
+  <p:clrMapOvr>
+    <a:masterClrMapping/>
+  </p:clrMapOvr>
+</p:sld>
+</file>
+
+<file path=ppt/slides/slide6.xml><?xml version="1.0" encoding="utf-8"?>
 <p:sld xmlns:a="http://schemas.openxmlformats.org/drawingml/2006/main" xmlns:r="http://schemas.openxmlformats.org/officeDocument/2006/relationships" xmlns:p="http://schemas.openxmlformats.org/presentationml/2006/main">
   <p:cSld>
     <p:spTree>
@@ -8597,7 +9177,7 @@
 </p:sld>
 </file>
 
-<file path=ppt/slides/slide6.xml><?xml version="1.0" encoding="utf-8"?>
+<file path=ppt/slides/slide7.xml><?xml version="1.0" encoding="utf-8"?>
 <p:sld xmlns:a="http://schemas.openxmlformats.org/drawingml/2006/main" xmlns:r="http://schemas.openxmlformats.org/officeDocument/2006/relationships" xmlns:p="http://schemas.openxmlformats.org/presentationml/2006/main">
   <p:cSld>
     <p:spTree>
@@ -8695,13 +9275,20 @@
             <a:pPr lvl="1"/>
             <a:r>
               <a:rPr lang="en-US" dirty="0"/>
-              <a:t>The definition of those comparisons in the object define that</a:t>
-            </a:r>
-          </a:p>
-          <a:p>
-            <a:r>
-              <a:rPr lang="en-US" dirty="0"/>
-              <a:t>All of these do the exact same thing, in different ways. </a:t>
+              <a:t>The definition of those comparisons in the object define that.</a:t>
+            </a:r>
+          </a:p>
+          <a:p>
+            <a:pPr lvl="1"/>
+            <a:r>
+              <a:rPr lang="en-US" dirty="0"/>
+              <a:t>Sort (generally) can be used with anything that defines its own comparisons. </a:t>
+            </a:r>
+          </a:p>
+          <a:p>
+            <a:r>
+              <a:rPr lang="en-US" dirty="0"/>
+              <a:t>All of these algorithms do the exact same thing, in different ways. </a:t>
             </a:r>
           </a:p>
         </p:txBody>
@@ -8719,7 +9306,7 @@
 </p:sld>
 </file>
 
-<file path=ppt/slides/slide7.xml><?xml version="1.0" encoding="utf-8"?>
+<file path=ppt/slides/slide8.xml><?xml version="1.0" encoding="utf-8"?>
 <p:sld xmlns:a="http://schemas.openxmlformats.org/drawingml/2006/main" xmlns:r="http://schemas.openxmlformats.org/officeDocument/2006/relationships" xmlns:p="http://schemas.openxmlformats.org/presentationml/2006/main">
   <p:cSld>
     <p:spTree>
@@ -8878,7 +9465,7 @@
 </p:sld>
 </file>
 
-<file path=ppt/slides/slide8.xml><?xml version="1.0" encoding="utf-8"?>
+<file path=ppt/slides/slide9.xml><?xml version="1.0" encoding="utf-8"?>
 <p:sld xmlns:a="http://schemas.openxmlformats.org/drawingml/2006/main" xmlns:r="http://schemas.openxmlformats.org/officeDocument/2006/relationships" xmlns:p="http://schemas.openxmlformats.org/presentationml/2006/main">
   <p:cSld>
     <p:spTree>
@@ -8979,150 +9566,6 @@
     <p:extLst>
       <p:ext uri="{BB962C8B-B14F-4D97-AF65-F5344CB8AC3E}">
         <p14:creationId xmlns:p14="http://schemas.microsoft.com/office/powerpoint/2010/main" val="3992965016"/>
-      </p:ext>
-    </p:extLst>
-  </p:cSld>
-  <p:clrMapOvr>
-    <a:masterClrMapping/>
-  </p:clrMapOvr>
-</p:sld>
-</file>
-
-<file path=ppt/slides/slide9.xml><?xml version="1.0" encoding="utf-8"?>
-<p:sld xmlns:a="http://schemas.openxmlformats.org/drawingml/2006/main" xmlns:r="http://schemas.openxmlformats.org/officeDocument/2006/relationships" xmlns:p="http://schemas.openxmlformats.org/presentationml/2006/main">
-  <p:cSld>
-    <p:spTree>
-      <p:nvGrpSpPr>
-        <p:cNvPr id="1" name=""/>
-        <p:cNvGrpSpPr/>
-        <p:nvPr/>
-      </p:nvGrpSpPr>
-      <p:grpSpPr>
-        <a:xfrm>
-          <a:off x="0" y="0"/>
-          <a:ext cx="0" cy="0"/>
-          <a:chOff x="0" y="0"/>
-          <a:chExt cx="0" cy="0"/>
-        </a:xfrm>
-      </p:grpSpPr>
-      <p:sp>
-        <p:nvSpPr>
-          <p:cNvPr id="2" name="Title 1">
-            <a:extLst>
-              <a:ext uri="{FF2B5EF4-FFF2-40B4-BE49-F238E27FC236}">
-                <a16:creationId xmlns:a16="http://schemas.microsoft.com/office/drawing/2014/main" id="{71687F3D-192C-84E1-1714-1CB53376EC48}"/>
-              </a:ext>
-            </a:extLst>
-          </p:cNvPr>
-          <p:cNvSpPr>
-            <a:spLocks noGrp="1"/>
-          </p:cNvSpPr>
-          <p:nvPr>
-            <p:ph type="title"/>
-          </p:nvPr>
-        </p:nvSpPr>
-        <p:spPr/>
-        <p:txBody>
-          <a:bodyPr/>
-          <a:lstStyle/>
-          <a:p>
-            <a:r>
-              <a:rPr lang="en-US" dirty="0"/>
-              <a:t>Selection Sort Performance</a:t>
-            </a:r>
-          </a:p>
-        </p:txBody>
-      </p:sp>
-      <p:sp>
-        <p:nvSpPr>
-          <p:cNvPr id="3" name="Content Placeholder 2">
-            <a:extLst>
-              <a:ext uri="{FF2B5EF4-FFF2-40B4-BE49-F238E27FC236}">
-                <a16:creationId xmlns:a16="http://schemas.microsoft.com/office/drawing/2014/main" id="{41ED2DC5-FD36-850A-E32B-C41B1324534D}"/>
-              </a:ext>
-            </a:extLst>
-          </p:cNvPr>
-          <p:cNvSpPr>
-            <a:spLocks noGrp="1"/>
-          </p:cNvSpPr>
-          <p:nvPr>
-            <p:ph idx="1"/>
-          </p:nvPr>
-        </p:nvSpPr>
-        <p:spPr>
-          <a:xfrm>
-            <a:off x="1451579" y="1853754"/>
-            <a:ext cx="9603275" cy="4294383"/>
-          </a:xfrm>
-        </p:spPr>
-        <p:txBody>
-          <a:bodyPr/>
-          <a:lstStyle/>
-          <a:p>
-            <a:r>
-              <a:rPr lang="en-US" dirty="0"/>
-              <a:t>We can think of the time that it takes to do this in terms of caparisons performed in the sorting process. </a:t>
-            </a:r>
-          </a:p>
-          <a:p>
-            <a:r>
-              <a:rPr lang="en-US" dirty="0"/>
-              <a:t>Selection sort steps:</a:t>
-            </a:r>
-          </a:p>
-          <a:p>
-            <a:pPr lvl="1"/>
-            <a:r>
-              <a:rPr lang="en-US" dirty="0"/>
-              <a:t>Finding the smallest element requires N-1 comparisons (each element against each other). </a:t>
-            </a:r>
-          </a:p>
-          <a:p>
-            <a:pPr lvl="1"/>
-            <a:r>
-              <a:rPr lang="en-US" dirty="0"/>
-              <a:t>Finding the next smallest requires N-2 (each against each item remaining). </a:t>
-            </a:r>
-          </a:p>
-          <a:p>
-            <a:pPr lvl="1"/>
-            <a:r>
-              <a:rPr lang="en-US" dirty="0"/>
-              <a:t>Next requires N-3….</a:t>
-            </a:r>
-          </a:p>
-          <a:p>
-            <a:r>
-              <a:rPr lang="en-US" dirty="0"/>
-              <a:t>As N grows we need to do ~N comparisons per item times ~N items. </a:t>
-            </a:r>
-          </a:p>
-          <a:p>
-            <a:r>
-              <a:rPr lang="en-US" dirty="0"/>
-              <a:t>The performance is N^2 or O(n2). </a:t>
-            </a:r>
-          </a:p>
-          <a:p>
-            <a:pPr lvl="1"/>
-            <a:r>
-              <a:rPr lang="en-US" dirty="0"/>
-              <a:t>This is an approximation, we ignore the details and focus on order of magnitude. </a:t>
-            </a:r>
-          </a:p>
-          <a:p>
-            <a:pPr lvl="1"/>
-            <a:r>
-              <a:rPr lang="en-US" dirty="0"/>
-              <a:t>This is probably pretty slow for large datasets…</a:t>
-            </a:r>
-          </a:p>
-        </p:txBody>
-      </p:sp>
-    </p:spTree>
-    <p:extLst>
-      <p:ext uri="{BB962C8B-B14F-4D97-AF65-F5344CB8AC3E}">
-        <p14:creationId xmlns:p14="http://schemas.microsoft.com/office/powerpoint/2010/main" val="56735384"/>
       </p:ext>
     </p:extLst>
   </p:cSld>
